--- a/lecture-materials/Security/amazon_inspector/inspector.pptx
+++ b/lecture-materials/Security/amazon_inspector/inspector.pptx
@@ -1,26 +1,32 @@
 
 <file path=ppt/presentation.xml><?xml version="1.0" encoding="utf-8"?>
-<p:presentation xmlns:a="http://schemas.openxmlformats.org/drawingml/2006/main" xmlns:r="http://schemas.openxmlformats.org/officeDocument/2006/relationships" xmlns:mc="http://schemas.openxmlformats.org/markup-compatibility/2006" xmlns:mv="urn:schemas-microsoft-com:mac:vml" xmlns:p="http://schemas.openxmlformats.org/presentationml/2006/main" xmlns:c="http://schemas.openxmlformats.org/drawingml/2006/chart" xmlns:dgm="http://schemas.openxmlformats.org/drawingml/2006/diagram" xmlns:o="urn:schemas-microsoft-com:office:office" xmlns:v="urn:schemas-microsoft-com:vml" xmlns:pvml="urn:schemas-microsoft-com:office:powerpoint" xmlns:com="http://schemas.openxmlformats.org/drawingml/2006/compatibility" xmlns:p14="http://schemas.microsoft.com/office/powerpoint/2010/main" xmlns:p15="http://schemas.microsoft.com/office/powerpoint/2012/main" xmlns:ahyp="http://schemas.microsoft.com/office/drawing/2018/hyperlinkcolor" autoCompressPictures="0" embedTrueTypeFonts="1" strictFirstAndLastChars="0" saveSubsetFonts="1">
+<p:presentation xmlns:a="http://schemas.openxmlformats.org/drawingml/2006/main" xmlns:r="http://schemas.openxmlformats.org/officeDocument/2006/relationships" xmlns:p="http://schemas.openxmlformats.org/presentationml/2006/main" strictFirstAndLastChars="0" embedTrueTypeFonts="1" saveSubsetFonts="1" autoCompressPictures="0">
   <p:sldMasterIdLst>
-    <p:sldMasterId id="2147483660" r:id="rId4"/>
+    <p:sldMasterId id="2147483660" r:id="rId1"/>
   </p:sldMasterIdLst>
   <p:notesMasterIdLst>
-    <p:notesMasterId r:id="rId5"/>
+    <p:notesMasterId r:id="rId8"/>
   </p:notesMasterIdLst>
   <p:sldIdLst>
-    <p:sldId id="256" r:id="rId6"/>
-    <p:sldId id="257" r:id="rId7"/>
-    <p:sldId id="258" r:id="rId8"/>
-    <p:sldId id="259" r:id="rId9"/>
-    <p:sldId id="260" r:id="rId10"/>
-    <p:sldId id="261" r:id="rId11"/>
-    <p:sldId id="262" r:id="rId12"/>
+    <p:sldId id="257" r:id="rId2"/>
+    <p:sldId id="258" r:id="rId3"/>
+    <p:sldId id="259" r:id="rId4"/>
+    <p:sldId id="260" r:id="rId5"/>
+    <p:sldId id="261" r:id="rId6"/>
+    <p:sldId id="262" r:id="rId7"/>
   </p:sldIdLst>
-  <p:sldSz cy="5143500" cx="9144000"/>
+  <p:sldSz cx="9144000" cy="5143500" type="screen16x9"/>
   <p:notesSz cx="6858000" cy="9144000"/>
   <p:embeddedFontLst>
     <p:embeddedFont>
-      <p:font typeface="Economica"/>
+      <p:font typeface="Calibri" panose="020F0502020204030204" pitchFamily="34" charset="0"/>
+      <p:regular r:id="rId9"/>
+      <p:bold r:id="rId10"/>
+      <p:italic r:id="rId11"/>
+      <p:boldItalic r:id="rId12"/>
+    </p:embeddedFont>
+    <p:embeddedFont>
+      <p:font typeface="Economica" panose="02000506040000020004" pitchFamily="2" charset="77"/>
       <p:regular r:id="rId13"/>
       <p:bold r:id="rId14"/>
       <p:italic r:id="rId15"/>
@@ -28,7 +34,7 @@
     </p:embeddedFont>
   </p:embeddedFontLst>
   <p:defaultTextStyle>
-    <a:defPPr lvl="0" marR="0" rtl="0" algn="l">
+    <a:defPPr marR="0" lvl="0" algn="l" rtl="0">
       <a:lnSpc>
         <a:spcPct val="100000"/>
       </a:lnSpc>
@@ -39,7 +45,7 @@
         <a:spcPts val="0"/>
       </a:spcAft>
     </a:defPPr>
-    <a:lvl1pPr lvl="0" marR="0" rtl="0" algn="l">
+    <a:lvl1pPr marR="0" lvl="0" algn="l" rtl="0">
       <a:lnSpc>
         <a:spcPct val="100000"/>
       </a:lnSpc>
@@ -53,7 +59,7 @@
         <a:srgbClr val="000000"/>
       </a:buClr>
       <a:buFont typeface="Arial"/>
-      <a:defRPr b="0" i="0" sz="1400" u="none" cap="none" strike="noStrike">
+      <a:defRPr sz="1400" b="0" i="0" u="none" strike="noStrike" cap="none">
         <a:solidFill>
           <a:srgbClr val="000000"/>
         </a:solidFill>
@@ -63,7 +69,7 @@
         <a:sym typeface="Arial"/>
       </a:defRPr>
     </a:lvl1pPr>
-    <a:lvl2pPr lvl="1" marR="0" rtl="0" algn="l">
+    <a:lvl2pPr marR="0" lvl="1" algn="l" rtl="0">
       <a:lnSpc>
         <a:spcPct val="100000"/>
       </a:lnSpc>
@@ -77,7 +83,7 @@
         <a:srgbClr val="000000"/>
       </a:buClr>
       <a:buFont typeface="Arial"/>
-      <a:defRPr b="0" i="0" sz="1400" u="none" cap="none" strike="noStrike">
+      <a:defRPr sz="1400" b="0" i="0" u="none" strike="noStrike" cap="none">
         <a:solidFill>
           <a:srgbClr val="000000"/>
         </a:solidFill>
@@ -87,7 +93,7 @@
         <a:sym typeface="Arial"/>
       </a:defRPr>
     </a:lvl2pPr>
-    <a:lvl3pPr lvl="2" marR="0" rtl="0" algn="l">
+    <a:lvl3pPr marR="0" lvl="2" algn="l" rtl="0">
       <a:lnSpc>
         <a:spcPct val="100000"/>
       </a:lnSpc>
@@ -101,7 +107,7 @@
         <a:srgbClr val="000000"/>
       </a:buClr>
       <a:buFont typeface="Arial"/>
-      <a:defRPr b="0" i="0" sz="1400" u="none" cap="none" strike="noStrike">
+      <a:defRPr sz="1400" b="0" i="0" u="none" strike="noStrike" cap="none">
         <a:solidFill>
           <a:srgbClr val="000000"/>
         </a:solidFill>
@@ -111,7 +117,7 @@
         <a:sym typeface="Arial"/>
       </a:defRPr>
     </a:lvl3pPr>
-    <a:lvl4pPr lvl="3" marR="0" rtl="0" algn="l">
+    <a:lvl4pPr marR="0" lvl="3" algn="l" rtl="0">
       <a:lnSpc>
         <a:spcPct val="100000"/>
       </a:lnSpc>
@@ -125,7 +131,7 @@
         <a:srgbClr val="000000"/>
       </a:buClr>
       <a:buFont typeface="Arial"/>
-      <a:defRPr b="0" i="0" sz="1400" u="none" cap="none" strike="noStrike">
+      <a:defRPr sz="1400" b="0" i="0" u="none" strike="noStrike" cap="none">
         <a:solidFill>
           <a:srgbClr val="000000"/>
         </a:solidFill>
@@ -135,7 +141,7 @@
         <a:sym typeface="Arial"/>
       </a:defRPr>
     </a:lvl4pPr>
-    <a:lvl5pPr lvl="4" marR="0" rtl="0" algn="l">
+    <a:lvl5pPr marR="0" lvl="4" algn="l" rtl="0">
       <a:lnSpc>
         <a:spcPct val="100000"/>
       </a:lnSpc>
@@ -149,7 +155,7 @@
         <a:srgbClr val="000000"/>
       </a:buClr>
       <a:buFont typeface="Arial"/>
-      <a:defRPr b="0" i="0" sz="1400" u="none" cap="none" strike="noStrike">
+      <a:defRPr sz="1400" b="0" i="0" u="none" strike="noStrike" cap="none">
         <a:solidFill>
           <a:srgbClr val="000000"/>
         </a:solidFill>
@@ -159,7 +165,7 @@
         <a:sym typeface="Arial"/>
       </a:defRPr>
     </a:lvl5pPr>
-    <a:lvl6pPr lvl="5" marR="0" rtl="0" algn="l">
+    <a:lvl6pPr marR="0" lvl="5" algn="l" rtl="0">
       <a:lnSpc>
         <a:spcPct val="100000"/>
       </a:lnSpc>
@@ -173,7 +179,7 @@
         <a:srgbClr val="000000"/>
       </a:buClr>
       <a:buFont typeface="Arial"/>
-      <a:defRPr b="0" i="0" sz="1400" u="none" cap="none" strike="noStrike">
+      <a:defRPr sz="1400" b="0" i="0" u="none" strike="noStrike" cap="none">
         <a:solidFill>
           <a:srgbClr val="000000"/>
         </a:solidFill>
@@ -183,7 +189,7 @@
         <a:sym typeface="Arial"/>
       </a:defRPr>
     </a:lvl6pPr>
-    <a:lvl7pPr lvl="6" marR="0" rtl="0" algn="l">
+    <a:lvl7pPr marR="0" lvl="6" algn="l" rtl="0">
       <a:lnSpc>
         <a:spcPct val="100000"/>
       </a:lnSpc>
@@ -197,7 +203,7 @@
         <a:srgbClr val="000000"/>
       </a:buClr>
       <a:buFont typeface="Arial"/>
-      <a:defRPr b="0" i="0" sz="1400" u="none" cap="none" strike="noStrike">
+      <a:defRPr sz="1400" b="0" i="0" u="none" strike="noStrike" cap="none">
         <a:solidFill>
           <a:srgbClr val="000000"/>
         </a:solidFill>
@@ -207,7 +213,7 @@
         <a:sym typeface="Arial"/>
       </a:defRPr>
     </a:lvl7pPr>
-    <a:lvl8pPr lvl="7" marR="0" rtl="0" algn="l">
+    <a:lvl8pPr marR="0" lvl="7" algn="l" rtl="0">
       <a:lnSpc>
         <a:spcPct val="100000"/>
       </a:lnSpc>
@@ -221,7 +227,7 @@
         <a:srgbClr val="000000"/>
       </a:buClr>
       <a:buFont typeface="Arial"/>
-      <a:defRPr b="0" i="0" sz="1400" u="none" cap="none" strike="noStrike">
+      <a:defRPr sz="1400" b="0" i="0" u="none" strike="noStrike" cap="none">
         <a:solidFill>
           <a:srgbClr val="000000"/>
         </a:solidFill>
@@ -231,7 +237,7 @@
         <a:sym typeface="Arial"/>
       </a:defRPr>
     </a:lvl8pPr>
-    <a:lvl9pPr lvl="8" marR="0" rtl="0" algn="l">
+    <a:lvl9pPr marR="0" lvl="8" algn="l" rtl="0">
       <a:lnSpc>
         <a:spcPct val="100000"/>
       </a:lnSpc>
@@ -245,7 +251,7 @@
         <a:srgbClr val="000000"/>
       </a:buClr>
       <a:buFont typeface="Arial"/>
-      <a:defRPr b="0" i="0" sz="1400" u="none" cap="none" strike="noStrike">
+      <a:defRPr sz="1400" b="0" i="0" u="none" strike="noStrike" cap="none">
         <a:solidFill>
           <a:srgbClr val="000000"/>
         </a:solidFill>
@@ -258,7 +264,7 @@
   </p:defaultTextStyle>
   <p:extLst>
     <p:ext uri="{EFAFB233-063F-42B5-8137-9DF3F51BA10A}">
-      <p15:sldGuideLst>
+      <p15:sldGuideLst xmlns:p15="http://schemas.microsoft.com/office/powerpoint/2012/main">
         <p15:guide id="1" orient="horz" pos="1620">
           <p15:clr>
             <a:srgbClr val="747775"/>
@@ -276,11 +282,16 @@
 </file>
 
 <file path=ppt/notesMasters/notesMaster1.xml><?xml version="1.0" encoding="utf-8"?>
-<p:notesMaster xmlns:a="http://schemas.openxmlformats.org/drawingml/2006/main" xmlns:r="http://schemas.openxmlformats.org/officeDocument/2006/relationships" xmlns:mc="http://schemas.openxmlformats.org/markup-compatibility/2006" xmlns:mv="urn:schemas-microsoft-com:mac:vml" xmlns:p="http://schemas.openxmlformats.org/presentationml/2006/main" xmlns:c="http://schemas.openxmlformats.org/drawingml/2006/chart" xmlns:dgm="http://schemas.openxmlformats.org/drawingml/2006/diagram" xmlns:o="urn:schemas-microsoft-com:office:office" xmlns:v="urn:schemas-microsoft-com:vml" xmlns:pvml="urn:schemas-microsoft-com:office:powerpoint" xmlns:com="http://schemas.openxmlformats.org/drawingml/2006/compatibility" xmlns:p14="http://schemas.microsoft.com/office/powerpoint/2010/main" xmlns:p15="http://schemas.microsoft.com/office/powerpoint/2012/main" xmlns:ahyp="http://schemas.microsoft.com/office/drawing/2018/hyperlinkcolor">
+<p:notesMaster xmlns:a="http://schemas.openxmlformats.org/drawingml/2006/main" xmlns:r="http://schemas.openxmlformats.org/officeDocument/2006/relationships" xmlns:p="http://schemas.openxmlformats.org/presentationml/2006/main">
   <p:cSld>
+    <p:bg>
+      <p:bgRef idx="1001">
+        <a:schemeClr val="bg1"/>
+      </p:bgRef>
+    </p:bg>
     <p:spTree>
       <p:nvGrpSpPr>
-        <p:cNvPr id="2" name="Shape 2"/>
+        <p:cNvPr id="1" name="Shape 2"/>
         <p:cNvGrpSpPr/>
         <p:nvPr/>
       </p:nvGrpSpPr>
@@ -295,9 +306,11 @@
       <p:sp>
         <p:nvSpPr>
           <p:cNvPr id="3" name="Google Shape;3;n"/>
-          <p:cNvSpPr/>
+          <p:cNvSpPr>
+            <a:spLocks noGrp="1" noRot="1" noChangeAspect="1"/>
+          </p:cNvSpPr>
           <p:nvPr>
-            <p:ph idx="2" type="sldImg"/>
+            <p:ph type="sldImg" idx="2"/>
           </p:nvPr>
         </p:nvSpPr>
         <p:spPr>
@@ -306,9 +319,13 @@
             <a:ext cx="6096075" cy="3429000"/>
           </a:xfrm>
           <a:custGeom>
-            <a:rect b="b" l="l" r="r" t="t"/>
+            <a:avLst/>
+            <a:gdLst/>
+            <a:ahLst/>
+            <a:cxnLst/>
+            <a:rect l="l" t="t" r="r" b="b"/>
             <a:pathLst>
-              <a:path extrusionOk="0" h="120000" w="120000">
+              <a:path w="120000" h="120000" extrusionOk="0">
                 <a:moveTo>
                   <a:pt x="0" y="0"/>
                 </a:moveTo>
@@ -326,23 +343,25 @@
             </a:pathLst>
           </a:custGeom>
           <a:noFill/>
-          <a:ln cap="flat" cmpd="sng" w="9525">
+          <a:ln w="9525" cap="flat" cmpd="sng">
             <a:solidFill>
               <a:srgbClr val="000000"/>
             </a:solidFill>
             <a:prstDash val="solid"/>
             <a:round/>
-            <a:headEnd len="sm" w="sm" type="none"/>
-            <a:tailEnd len="sm" w="sm" type="none"/>
+            <a:headEnd type="none" w="sm" len="sm"/>
+            <a:tailEnd type="none" w="sm" len="sm"/>
           </a:ln>
         </p:spPr>
       </p:sp>
       <p:sp>
         <p:nvSpPr>
           <p:cNvPr id="4" name="Google Shape;4;n"/>
-          <p:cNvSpPr txBox="1"/>
+          <p:cNvSpPr txBox="1">
+            <a:spLocks noGrp="1"/>
+          </p:cNvSpPr>
           <p:nvPr>
-            <p:ph idx="1" type="body"/>
+            <p:ph type="body" idx="1"/>
           </p:nvPr>
         </p:nvSpPr>
         <p:spPr>
@@ -359,11 +378,11 @@
           </a:ln>
         </p:spPr>
         <p:txBody>
-          <a:bodyPr anchorCtr="0" anchor="t" bIns="91425" lIns="91425" spcFirstLastPara="1" rIns="91425" wrap="square" tIns="91425">
+          <a:bodyPr spcFirstLastPara="1" wrap="square" lIns="91425" tIns="91425" rIns="91425" bIns="91425" anchor="t" anchorCtr="0">
             <a:noAutofit/>
           </a:bodyPr>
           <a:lstStyle>
-            <a:lvl1pPr indent="-298450" lvl="0" marL="457200">
+            <a:lvl1pPr marL="457200" lvl="0" indent="-298450">
               <a:spcBef>
                 <a:spcPts val="0"/>
               </a:spcBef>
@@ -374,7 +393,7 @@
               <a:buChar char="●"/>
               <a:defRPr sz="1100"/>
             </a:lvl1pPr>
-            <a:lvl2pPr indent="-298450" lvl="1" marL="914400">
+            <a:lvl2pPr marL="914400" lvl="1" indent="-298450">
               <a:spcBef>
                 <a:spcPts val="0"/>
               </a:spcBef>
@@ -385,7 +404,7 @@
               <a:buChar char="○"/>
               <a:defRPr sz="1100"/>
             </a:lvl2pPr>
-            <a:lvl3pPr indent="-298450" lvl="2" marL="1371600">
+            <a:lvl3pPr marL="1371600" lvl="2" indent="-298450">
               <a:spcBef>
                 <a:spcPts val="0"/>
               </a:spcBef>
@@ -396,7 +415,7 @@
               <a:buChar char="■"/>
               <a:defRPr sz="1100"/>
             </a:lvl3pPr>
-            <a:lvl4pPr indent="-298450" lvl="3" marL="1828800">
+            <a:lvl4pPr marL="1828800" lvl="3" indent="-298450">
               <a:spcBef>
                 <a:spcPts val="0"/>
               </a:spcBef>
@@ -407,7 +426,7 @@
               <a:buChar char="●"/>
               <a:defRPr sz="1100"/>
             </a:lvl4pPr>
-            <a:lvl5pPr indent="-298450" lvl="4" marL="2286000">
+            <a:lvl5pPr marL="2286000" lvl="4" indent="-298450">
               <a:spcBef>
                 <a:spcPts val="0"/>
               </a:spcBef>
@@ -418,7 +437,7 @@
               <a:buChar char="○"/>
               <a:defRPr sz="1100"/>
             </a:lvl5pPr>
-            <a:lvl6pPr indent="-298450" lvl="5" marL="2743200">
+            <a:lvl6pPr marL="2743200" lvl="5" indent="-298450">
               <a:spcBef>
                 <a:spcPts val="0"/>
               </a:spcBef>
@@ -429,7 +448,7 @@
               <a:buChar char="■"/>
               <a:defRPr sz="1100"/>
             </a:lvl6pPr>
-            <a:lvl7pPr indent="-298450" lvl="6" marL="3200400">
+            <a:lvl7pPr marL="3200400" lvl="6" indent="-298450">
               <a:spcBef>
                 <a:spcPts val="0"/>
               </a:spcBef>
@@ -440,7 +459,7 @@
               <a:buChar char="●"/>
               <a:defRPr sz="1100"/>
             </a:lvl7pPr>
-            <a:lvl8pPr indent="-298450" lvl="7" marL="3657600">
+            <a:lvl8pPr marL="3657600" lvl="7" indent="-298450">
               <a:spcBef>
                 <a:spcPts val="0"/>
               </a:spcBef>
@@ -451,7 +470,7 @@
               <a:buChar char="○"/>
               <a:defRPr sz="1100"/>
             </a:lvl8pPr>
-            <a:lvl9pPr indent="-298450" lvl="8" marL="4114800">
+            <a:lvl9pPr marL="4114800" lvl="8" indent="-298450">
               <a:spcBef>
                 <a:spcPts val="0"/>
               </a:spcBef>
@@ -463,14 +482,16 @@
               <a:defRPr sz="1100"/>
             </a:lvl9pPr>
           </a:lstStyle>
-          <a:p/>
+          <a:p>
+            <a:endParaRPr/>
+          </a:p>
         </p:txBody>
       </p:sp>
     </p:spTree>
   </p:cSld>
-  <p:clrMap accent1="accent1" accent2="accent2" accent3="accent3" accent4="accent4" accent5="accent5" accent6="accent6" bg1="lt1" bg2="dk2" tx1="dk1" tx2="lt2" folHlink="folHlink" hlink="hlink"/>
+  <p:clrMap bg1="lt1" tx1="dk1" bg2="dk2" tx2="lt2" accent1="accent1" accent2="accent2" accent3="accent3" accent4="accent4" accent5="accent5" accent6="accent6" hlink="hlink" folHlink="folHlink"/>
   <p:notesStyle>
-    <a:defPPr lvl="0" marR="0" rtl="0" algn="l">
+    <a:defPPr marR="0" lvl="0" algn="l" rtl="0">
       <a:lnSpc>
         <a:spcPct val="100000"/>
       </a:lnSpc>
@@ -481,7 +502,7 @@
         <a:spcPts val="0"/>
       </a:spcAft>
     </a:defPPr>
-    <a:lvl1pPr lvl="0" marR="0" rtl="0" algn="l">
+    <a:lvl1pPr marR="0" lvl="0" algn="l" rtl="0">
       <a:lnSpc>
         <a:spcPct val="100000"/>
       </a:lnSpc>
@@ -495,7 +516,7 @@
         <a:srgbClr val="000000"/>
       </a:buClr>
       <a:buFont typeface="Arial"/>
-      <a:defRPr b="0" i="0" sz="1400" u="none" cap="none" strike="noStrike">
+      <a:defRPr sz="1400" b="0" i="0" u="none" strike="noStrike" cap="none">
         <a:solidFill>
           <a:srgbClr val="000000"/>
         </a:solidFill>
@@ -505,7 +526,7 @@
         <a:sym typeface="Arial"/>
       </a:defRPr>
     </a:lvl1pPr>
-    <a:lvl2pPr lvl="1" marR="0" rtl="0" algn="l">
+    <a:lvl2pPr marR="0" lvl="1" algn="l" rtl="0">
       <a:lnSpc>
         <a:spcPct val="100000"/>
       </a:lnSpc>
@@ -519,7 +540,7 @@
         <a:srgbClr val="000000"/>
       </a:buClr>
       <a:buFont typeface="Arial"/>
-      <a:defRPr b="0" i="0" sz="1400" u="none" cap="none" strike="noStrike">
+      <a:defRPr sz="1400" b="0" i="0" u="none" strike="noStrike" cap="none">
         <a:solidFill>
           <a:srgbClr val="000000"/>
         </a:solidFill>
@@ -529,7 +550,7 @@
         <a:sym typeface="Arial"/>
       </a:defRPr>
     </a:lvl2pPr>
-    <a:lvl3pPr lvl="2" marR="0" rtl="0" algn="l">
+    <a:lvl3pPr marR="0" lvl="2" algn="l" rtl="0">
       <a:lnSpc>
         <a:spcPct val="100000"/>
       </a:lnSpc>
@@ -543,7 +564,7 @@
         <a:srgbClr val="000000"/>
       </a:buClr>
       <a:buFont typeface="Arial"/>
-      <a:defRPr b="0" i="0" sz="1400" u="none" cap="none" strike="noStrike">
+      <a:defRPr sz="1400" b="0" i="0" u="none" strike="noStrike" cap="none">
         <a:solidFill>
           <a:srgbClr val="000000"/>
         </a:solidFill>
@@ -553,7 +574,7 @@
         <a:sym typeface="Arial"/>
       </a:defRPr>
     </a:lvl3pPr>
-    <a:lvl4pPr lvl="3" marR="0" rtl="0" algn="l">
+    <a:lvl4pPr marR="0" lvl="3" algn="l" rtl="0">
       <a:lnSpc>
         <a:spcPct val="100000"/>
       </a:lnSpc>
@@ -567,7 +588,7 @@
         <a:srgbClr val="000000"/>
       </a:buClr>
       <a:buFont typeface="Arial"/>
-      <a:defRPr b="0" i="0" sz="1400" u="none" cap="none" strike="noStrike">
+      <a:defRPr sz="1400" b="0" i="0" u="none" strike="noStrike" cap="none">
         <a:solidFill>
           <a:srgbClr val="000000"/>
         </a:solidFill>
@@ -577,7 +598,7 @@
         <a:sym typeface="Arial"/>
       </a:defRPr>
     </a:lvl4pPr>
-    <a:lvl5pPr lvl="4" marR="0" rtl="0" algn="l">
+    <a:lvl5pPr marR="0" lvl="4" algn="l" rtl="0">
       <a:lnSpc>
         <a:spcPct val="100000"/>
       </a:lnSpc>
@@ -591,7 +612,7 @@
         <a:srgbClr val="000000"/>
       </a:buClr>
       <a:buFont typeface="Arial"/>
-      <a:defRPr b="0" i="0" sz="1400" u="none" cap="none" strike="noStrike">
+      <a:defRPr sz="1400" b="0" i="0" u="none" strike="noStrike" cap="none">
         <a:solidFill>
           <a:srgbClr val="000000"/>
         </a:solidFill>
@@ -601,7 +622,7 @@
         <a:sym typeface="Arial"/>
       </a:defRPr>
     </a:lvl5pPr>
-    <a:lvl6pPr lvl="5" marR="0" rtl="0" algn="l">
+    <a:lvl6pPr marR="0" lvl="5" algn="l" rtl="0">
       <a:lnSpc>
         <a:spcPct val="100000"/>
       </a:lnSpc>
@@ -615,7 +636,7 @@
         <a:srgbClr val="000000"/>
       </a:buClr>
       <a:buFont typeface="Arial"/>
-      <a:defRPr b="0" i="0" sz="1400" u="none" cap="none" strike="noStrike">
+      <a:defRPr sz="1400" b="0" i="0" u="none" strike="noStrike" cap="none">
         <a:solidFill>
           <a:srgbClr val="000000"/>
         </a:solidFill>
@@ -625,7 +646,7 @@
         <a:sym typeface="Arial"/>
       </a:defRPr>
     </a:lvl6pPr>
-    <a:lvl7pPr lvl="6" marR="0" rtl="0" algn="l">
+    <a:lvl7pPr marR="0" lvl="6" algn="l" rtl="0">
       <a:lnSpc>
         <a:spcPct val="100000"/>
       </a:lnSpc>
@@ -639,7 +660,7 @@
         <a:srgbClr val="000000"/>
       </a:buClr>
       <a:buFont typeface="Arial"/>
-      <a:defRPr b="0" i="0" sz="1400" u="none" cap="none" strike="noStrike">
+      <a:defRPr sz="1400" b="0" i="0" u="none" strike="noStrike" cap="none">
         <a:solidFill>
           <a:srgbClr val="000000"/>
         </a:solidFill>
@@ -649,7 +670,7 @@
         <a:sym typeface="Arial"/>
       </a:defRPr>
     </a:lvl7pPr>
-    <a:lvl8pPr lvl="7" marR="0" rtl="0" algn="l">
+    <a:lvl8pPr marR="0" lvl="7" algn="l" rtl="0">
       <a:lnSpc>
         <a:spcPct val="100000"/>
       </a:lnSpc>
@@ -663,7 +684,7 @@
         <a:srgbClr val="000000"/>
       </a:buClr>
       <a:buFont typeface="Arial"/>
-      <a:defRPr b="0" i="0" sz="1400" u="none" cap="none" strike="noStrike">
+      <a:defRPr sz="1400" b="0" i="0" u="none" strike="noStrike" cap="none">
         <a:solidFill>
           <a:srgbClr val="000000"/>
         </a:solidFill>
@@ -673,7 +694,7 @@
         <a:sym typeface="Arial"/>
       </a:defRPr>
     </a:lvl8pPr>
-    <a:lvl9pPr lvl="8" marR="0" rtl="0" algn="l">
+    <a:lvl9pPr marR="0" lvl="8" algn="l" rtl="0">
       <a:lnSpc>
         <a:spcPct val="100000"/>
       </a:lnSpc>
@@ -687,7 +708,7 @@
         <a:srgbClr val="000000"/>
       </a:buClr>
       <a:buFont typeface="Arial"/>
-      <a:defRPr b="0" i="0" sz="1400" u="none" cap="none" strike="noStrike">
+      <a:defRPr sz="1400" b="0" i="0" u="none" strike="noStrike" cap="none">
         <a:solidFill>
           <a:srgbClr val="000000"/>
         </a:solidFill>
@@ -702,11 +723,11 @@
 </file>
 
 <file path=ppt/notesSlides/notesSlide1.xml><?xml version="1.0" encoding="utf-8"?>
-<p:notes xmlns:a="http://schemas.openxmlformats.org/drawingml/2006/main" xmlns:r="http://schemas.openxmlformats.org/officeDocument/2006/relationships" xmlns:mc="http://schemas.openxmlformats.org/markup-compatibility/2006" xmlns:mv="urn:schemas-microsoft-com:mac:vml" xmlns:p="http://schemas.openxmlformats.org/presentationml/2006/main" xmlns:c="http://schemas.openxmlformats.org/drawingml/2006/chart" xmlns:dgm="http://schemas.openxmlformats.org/drawingml/2006/diagram" xmlns:o="urn:schemas-microsoft-com:office:office" xmlns:v="urn:schemas-microsoft-com:vml" xmlns:pvml="urn:schemas-microsoft-com:office:powerpoint" xmlns:com="http://schemas.openxmlformats.org/drawingml/2006/compatibility" xmlns:p14="http://schemas.microsoft.com/office/powerpoint/2010/main" xmlns:p15="http://schemas.microsoft.com/office/powerpoint/2012/main" xmlns:ahyp="http://schemas.microsoft.com/office/drawing/2018/hyperlinkcolor" showMasterPhAnim="0" showMasterSp="0">
+<p:notes xmlns:a="http://schemas.openxmlformats.org/drawingml/2006/main" xmlns:r="http://schemas.openxmlformats.org/officeDocument/2006/relationships" xmlns:p="http://schemas.openxmlformats.org/presentationml/2006/main" showMasterSp="0" showMasterPhAnim="0">
   <p:cSld>
     <p:spTree>
       <p:nvGrpSpPr>
-        <p:cNvPr id="57" name="Shape 57"/>
+        <p:cNvPr id="1" name="Shape 63"/>
         <p:cNvGrpSpPr/>
         <p:nvPr/>
       </p:nvGrpSpPr>
@@ -720,21 +741,65 @@
       </p:grpSpPr>
       <p:sp>
         <p:nvSpPr>
-          <p:cNvPr id="58" name="Google Shape;58;p:notes"/>
-          <p:cNvSpPr/>
+          <p:cNvPr id="64" name="Google Shape;64;g25f35b548e9_0_0:notes"/>
+          <p:cNvSpPr txBox="1">
+            <a:spLocks noGrp="1"/>
+          </p:cNvSpPr>
           <p:nvPr>
-            <p:ph idx="2" type="sldImg"/>
+            <p:ph type="body" idx="1"/>
           </p:nvPr>
         </p:nvSpPr>
         <p:spPr>
           <a:xfrm>
-            <a:off x="381300" y="685800"/>
-            <a:ext cx="6096075" cy="3429000"/>
+            <a:off x="685800" y="4343400"/>
+            <a:ext cx="5486400" cy="4114800"/>
+          </a:xfrm>
+          <a:prstGeom prst="rect">
+            <a:avLst/>
+          </a:prstGeom>
+        </p:spPr>
+        <p:txBody>
+          <a:bodyPr spcFirstLastPara="1" wrap="square" lIns="91425" tIns="91425" rIns="91425" bIns="91425" anchor="t" anchorCtr="0">
+            <a:noAutofit/>
+          </a:bodyPr>
+          <a:lstStyle/>
+          <a:p>
+            <a:pPr marL="0" lvl="0" indent="0" algn="l" rtl="0">
+              <a:spcBef>
+                <a:spcPts val="0"/>
+              </a:spcBef>
+              <a:spcAft>
+                <a:spcPts val="0"/>
+              </a:spcAft>
+              <a:buNone/>
+            </a:pPr>
+            <a:endParaRPr/>
+          </a:p>
+        </p:txBody>
+      </p:sp>
+      <p:sp>
+        <p:nvSpPr>
+          <p:cNvPr id="65" name="Google Shape;65;g25f35b548e9_0_0:notes"/>
+          <p:cNvSpPr>
+            <a:spLocks noGrp="1" noRot="1" noChangeAspect="1"/>
+          </p:cNvSpPr>
+          <p:nvPr>
+            <p:ph type="sldImg" idx="2"/>
+          </p:nvPr>
+        </p:nvSpPr>
+        <p:spPr>
+          <a:xfrm>
+            <a:off x="381000" y="685800"/>
+            <a:ext cx="6096000" cy="3429000"/>
           </a:xfrm>
           <a:custGeom>
-            <a:rect b="b" l="l" r="r" t="t"/>
+            <a:avLst/>
+            <a:gdLst/>
+            <a:ahLst/>
+            <a:cxnLst/>
+            <a:rect l="l" t="t" r="r" b="b"/>
             <a:pathLst>
-              <a:path extrusionOk="0" h="120000" w="120000">
+              <a:path w="120000" h="120000" extrusionOk="0">
                 <a:moveTo>
                   <a:pt x="0" y="0"/>
                 </a:moveTo>
@@ -753,45 +818,6 @@
           </a:custGeom>
         </p:spPr>
       </p:sp>
-      <p:sp>
-        <p:nvSpPr>
-          <p:cNvPr id="59" name="Google Shape;59;p:notes"/>
-          <p:cNvSpPr txBox="1"/>
-          <p:nvPr>
-            <p:ph idx="1" type="body"/>
-          </p:nvPr>
-        </p:nvSpPr>
-        <p:spPr>
-          <a:xfrm>
-            <a:off x="685800" y="4343400"/>
-            <a:ext cx="5486400" cy="4114800"/>
-          </a:xfrm>
-          <a:prstGeom prst="rect">
-            <a:avLst/>
-          </a:prstGeom>
-        </p:spPr>
-        <p:txBody>
-          <a:bodyPr anchorCtr="0" anchor="t" bIns="91425" lIns="91425" spcFirstLastPara="1" rIns="91425" wrap="square" tIns="91425">
-            <a:noAutofit/>
-          </a:bodyPr>
-          <a:lstStyle/>
-          <a:p>
-            <a:pPr indent="0" lvl="0" marL="0" rtl="0" algn="l">
-              <a:spcBef>
-                <a:spcPts val="0"/>
-              </a:spcBef>
-              <a:spcAft>
-                <a:spcPts val="0"/>
-              </a:spcAft>
-              <a:buNone/>
-            </a:pPr>
-            <a:r>
-              <a:t/>
-            </a:r>
-            <a:endParaRPr/>
-          </a:p>
-        </p:txBody>
-      </p:sp>
     </p:spTree>
   </p:cSld>
   <p:clrMapOvr>
@@ -801,11 +827,11 @@
 </file>
 
 <file path=ppt/notesSlides/notesSlide2.xml><?xml version="1.0" encoding="utf-8"?>
-<p:notes xmlns:a="http://schemas.openxmlformats.org/drawingml/2006/main" xmlns:r="http://schemas.openxmlformats.org/officeDocument/2006/relationships" xmlns:mc="http://schemas.openxmlformats.org/markup-compatibility/2006" xmlns:mv="urn:schemas-microsoft-com:mac:vml" xmlns:p="http://schemas.openxmlformats.org/presentationml/2006/main" xmlns:c="http://schemas.openxmlformats.org/drawingml/2006/chart" xmlns:dgm="http://schemas.openxmlformats.org/drawingml/2006/diagram" xmlns:o="urn:schemas-microsoft-com:office:office" xmlns:v="urn:schemas-microsoft-com:vml" xmlns:pvml="urn:schemas-microsoft-com:office:powerpoint" xmlns:com="http://schemas.openxmlformats.org/drawingml/2006/compatibility" xmlns:p14="http://schemas.microsoft.com/office/powerpoint/2010/main" xmlns:p15="http://schemas.microsoft.com/office/powerpoint/2012/main" xmlns:ahyp="http://schemas.microsoft.com/office/drawing/2018/hyperlinkcolor" showMasterPhAnim="0" showMasterSp="0">
+<p:notes xmlns:a="http://schemas.openxmlformats.org/drawingml/2006/main" xmlns:r="http://schemas.openxmlformats.org/officeDocument/2006/relationships" xmlns:p="http://schemas.openxmlformats.org/presentationml/2006/main" showMasterSp="0" showMasterPhAnim="0">
   <p:cSld>
     <p:spTree>
       <p:nvGrpSpPr>
-        <p:cNvPr id="63" name="Shape 63"/>
+        <p:cNvPr id="1" name="Shape 70"/>
         <p:cNvGrpSpPr/>
         <p:nvPr/>
       </p:nvGrpSpPr>
@@ -819,10 +845,12 @@
       </p:grpSpPr>
       <p:sp>
         <p:nvSpPr>
-          <p:cNvPr id="64" name="Google Shape;64;g25f35b548e9_0_0:notes"/>
-          <p:cNvSpPr txBox="1"/>
+          <p:cNvPr id="71" name="Google Shape;71;g25f35b548e9_0_6:notes"/>
+          <p:cNvSpPr txBox="1">
+            <a:spLocks noGrp="1"/>
+          </p:cNvSpPr>
           <p:nvPr>
-            <p:ph idx="1" type="body"/>
+            <p:ph type="body" idx="1"/>
           </p:nvPr>
         </p:nvSpPr>
         <p:spPr>
@@ -835,12 +863,12 @@
           </a:prstGeom>
         </p:spPr>
         <p:txBody>
-          <a:bodyPr anchorCtr="0" anchor="t" bIns="91425" lIns="91425" spcFirstLastPara="1" rIns="91425" wrap="square" tIns="91425">
+          <a:bodyPr spcFirstLastPara="1" wrap="square" lIns="91425" tIns="91425" rIns="91425" bIns="91425" anchor="t" anchorCtr="0">
             <a:noAutofit/>
           </a:bodyPr>
           <a:lstStyle/>
           <a:p>
-            <a:pPr indent="0" lvl="0" marL="0" rtl="0" algn="l">
+            <a:pPr marL="0" lvl="0" indent="0" algn="l" rtl="0">
               <a:spcBef>
                 <a:spcPts val="0"/>
               </a:spcBef>
@@ -849,30 +877,33 @@
               </a:spcAft>
               <a:buNone/>
             </a:pPr>
-            <a:r>
-              <a:t/>
-            </a:r>
             <a:endParaRPr/>
           </a:p>
         </p:txBody>
       </p:sp>
       <p:sp>
         <p:nvSpPr>
-          <p:cNvPr id="65" name="Google Shape;65;g25f35b548e9_0_0:notes"/>
-          <p:cNvSpPr/>
+          <p:cNvPr id="72" name="Google Shape;72;g25f35b548e9_0_6:notes"/>
+          <p:cNvSpPr>
+            <a:spLocks noGrp="1" noRot="1" noChangeAspect="1"/>
+          </p:cNvSpPr>
           <p:nvPr>
-            <p:ph idx="2" type="sldImg"/>
+            <p:ph type="sldImg" idx="2"/>
           </p:nvPr>
         </p:nvSpPr>
         <p:spPr>
           <a:xfrm>
-            <a:off x="1143225" y="685800"/>
-            <a:ext cx="4572300" cy="3429000"/>
+            <a:off x="381000" y="685800"/>
+            <a:ext cx="6096000" cy="3429000"/>
           </a:xfrm>
           <a:custGeom>
-            <a:rect b="b" l="l" r="r" t="t"/>
+            <a:avLst/>
+            <a:gdLst/>
+            <a:ahLst/>
+            <a:cxnLst/>
+            <a:rect l="l" t="t" r="r" b="b"/>
             <a:pathLst>
-              <a:path extrusionOk="0" h="120000" w="120000">
+              <a:path w="120000" h="120000" extrusionOk="0">
                 <a:moveTo>
                   <a:pt x="0" y="0"/>
                 </a:moveTo>
@@ -900,11 +931,11 @@
 </file>
 
 <file path=ppt/notesSlides/notesSlide3.xml><?xml version="1.0" encoding="utf-8"?>
-<p:notes xmlns:a="http://schemas.openxmlformats.org/drawingml/2006/main" xmlns:r="http://schemas.openxmlformats.org/officeDocument/2006/relationships" xmlns:mc="http://schemas.openxmlformats.org/markup-compatibility/2006" xmlns:mv="urn:schemas-microsoft-com:mac:vml" xmlns:p="http://schemas.openxmlformats.org/presentationml/2006/main" xmlns:c="http://schemas.openxmlformats.org/drawingml/2006/chart" xmlns:dgm="http://schemas.openxmlformats.org/drawingml/2006/diagram" xmlns:o="urn:schemas-microsoft-com:office:office" xmlns:v="urn:schemas-microsoft-com:vml" xmlns:pvml="urn:schemas-microsoft-com:office:powerpoint" xmlns:com="http://schemas.openxmlformats.org/drawingml/2006/compatibility" xmlns:p14="http://schemas.microsoft.com/office/powerpoint/2010/main" xmlns:p15="http://schemas.microsoft.com/office/powerpoint/2012/main" xmlns:ahyp="http://schemas.microsoft.com/office/drawing/2018/hyperlinkcolor" showMasterPhAnim="0" showMasterSp="0">
+<p:notes xmlns:a="http://schemas.openxmlformats.org/drawingml/2006/main" xmlns:r="http://schemas.openxmlformats.org/officeDocument/2006/relationships" xmlns:p="http://schemas.openxmlformats.org/presentationml/2006/main" showMasterSp="0" showMasterPhAnim="0">
   <p:cSld>
     <p:spTree>
       <p:nvGrpSpPr>
-        <p:cNvPr id="70" name="Shape 70"/>
+        <p:cNvPr id="1" name="Shape 77"/>
         <p:cNvGrpSpPr/>
         <p:nvPr/>
       </p:nvGrpSpPr>
@@ -918,10 +949,12 @@
       </p:grpSpPr>
       <p:sp>
         <p:nvSpPr>
-          <p:cNvPr id="71" name="Google Shape;71;g25f35b548e9_0_6:notes"/>
-          <p:cNvSpPr txBox="1"/>
+          <p:cNvPr id="78" name="Google Shape;78;g25f35b548e9_0_12:notes"/>
+          <p:cNvSpPr txBox="1">
+            <a:spLocks noGrp="1"/>
+          </p:cNvSpPr>
           <p:nvPr>
-            <p:ph idx="1" type="body"/>
+            <p:ph type="body" idx="1"/>
           </p:nvPr>
         </p:nvSpPr>
         <p:spPr>
@@ -934,12 +967,12 @@
           </a:prstGeom>
         </p:spPr>
         <p:txBody>
-          <a:bodyPr anchorCtr="0" anchor="t" bIns="91425" lIns="91425" spcFirstLastPara="1" rIns="91425" wrap="square" tIns="91425">
+          <a:bodyPr spcFirstLastPara="1" wrap="square" lIns="91425" tIns="91425" rIns="91425" bIns="91425" anchor="t" anchorCtr="0">
             <a:noAutofit/>
           </a:bodyPr>
           <a:lstStyle/>
           <a:p>
-            <a:pPr indent="0" lvl="0" marL="0" rtl="0" algn="l">
+            <a:pPr marL="0" lvl="0" indent="0" algn="l" rtl="0">
               <a:spcBef>
                 <a:spcPts val="0"/>
               </a:spcBef>
@@ -948,30 +981,33 @@
               </a:spcAft>
               <a:buNone/>
             </a:pPr>
-            <a:r>
-              <a:t/>
-            </a:r>
             <a:endParaRPr/>
           </a:p>
         </p:txBody>
       </p:sp>
       <p:sp>
         <p:nvSpPr>
-          <p:cNvPr id="72" name="Google Shape;72;g25f35b548e9_0_6:notes"/>
-          <p:cNvSpPr/>
+          <p:cNvPr id="79" name="Google Shape;79;g25f35b548e9_0_12:notes"/>
+          <p:cNvSpPr>
+            <a:spLocks noGrp="1" noRot="1" noChangeAspect="1"/>
+          </p:cNvSpPr>
           <p:nvPr>
-            <p:ph idx="2" type="sldImg"/>
+            <p:ph type="sldImg" idx="2"/>
           </p:nvPr>
         </p:nvSpPr>
         <p:spPr>
           <a:xfrm>
-            <a:off x="1143225" y="685800"/>
-            <a:ext cx="4572300" cy="3429000"/>
+            <a:off x="381000" y="685800"/>
+            <a:ext cx="6096000" cy="3429000"/>
           </a:xfrm>
           <a:custGeom>
-            <a:rect b="b" l="l" r="r" t="t"/>
+            <a:avLst/>
+            <a:gdLst/>
+            <a:ahLst/>
+            <a:cxnLst/>
+            <a:rect l="l" t="t" r="r" b="b"/>
             <a:pathLst>
-              <a:path extrusionOk="0" h="120000" w="120000">
+              <a:path w="120000" h="120000" extrusionOk="0">
                 <a:moveTo>
                   <a:pt x="0" y="0"/>
                 </a:moveTo>
@@ -999,11 +1035,11 @@
 </file>
 
 <file path=ppt/notesSlides/notesSlide4.xml><?xml version="1.0" encoding="utf-8"?>
-<p:notes xmlns:a="http://schemas.openxmlformats.org/drawingml/2006/main" xmlns:r="http://schemas.openxmlformats.org/officeDocument/2006/relationships" xmlns:mc="http://schemas.openxmlformats.org/markup-compatibility/2006" xmlns:mv="urn:schemas-microsoft-com:mac:vml" xmlns:p="http://schemas.openxmlformats.org/presentationml/2006/main" xmlns:c="http://schemas.openxmlformats.org/drawingml/2006/chart" xmlns:dgm="http://schemas.openxmlformats.org/drawingml/2006/diagram" xmlns:o="urn:schemas-microsoft-com:office:office" xmlns:v="urn:schemas-microsoft-com:vml" xmlns:pvml="urn:schemas-microsoft-com:office:powerpoint" xmlns:com="http://schemas.openxmlformats.org/drawingml/2006/compatibility" xmlns:p14="http://schemas.microsoft.com/office/powerpoint/2010/main" xmlns:p15="http://schemas.microsoft.com/office/powerpoint/2012/main" xmlns:ahyp="http://schemas.microsoft.com/office/drawing/2018/hyperlinkcolor" showMasterPhAnim="0" showMasterSp="0">
+<p:notes xmlns:a="http://schemas.openxmlformats.org/drawingml/2006/main" xmlns:r="http://schemas.openxmlformats.org/officeDocument/2006/relationships" xmlns:p="http://schemas.openxmlformats.org/presentationml/2006/main" showMasterSp="0" showMasterPhAnim="0">
   <p:cSld>
     <p:spTree>
       <p:nvGrpSpPr>
-        <p:cNvPr id="77" name="Shape 77"/>
+        <p:cNvPr id="1" name="Shape 84"/>
         <p:cNvGrpSpPr/>
         <p:nvPr/>
       </p:nvGrpSpPr>
@@ -1017,10 +1053,12 @@
       </p:grpSpPr>
       <p:sp>
         <p:nvSpPr>
-          <p:cNvPr id="78" name="Google Shape;78;g25f35b548e9_0_12:notes"/>
-          <p:cNvSpPr txBox="1"/>
+          <p:cNvPr id="85" name="Google Shape;85;g25f35b548e9_0_18:notes"/>
+          <p:cNvSpPr txBox="1">
+            <a:spLocks noGrp="1"/>
+          </p:cNvSpPr>
           <p:nvPr>
-            <p:ph idx="1" type="body"/>
+            <p:ph type="body" idx="1"/>
           </p:nvPr>
         </p:nvSpPr>
         <p:spPr>
@@ -1033,12 +1071,12 @@
           </a:prstGeom>
         </p:spPr>
         <p:txBody>
-          <a:bodyPr anchorCtr="0" anchor="t" bIns="91425" lIns="91425" spcFirstLastPara="1" rIns="91425" wrap="square" tIns="91425">
+          <a:bodyPr spcFirstLastPara="1" wrap="square" lIns="91425" tIns="91425" rIns="91425" bIns="91425" anchor="t" anchorCtr="0">
             <a:noAutofit/>
           </a:bodyPr>
           <a:lstStyle/>
           <a:p>
-            <a:pPr indent="0" lvl="0" marL="0" rtl="0" algn="l">
+            <a:pPr marL="0" lvl="0" indent="0" algn="l" rtl="0">
               <a:spcBef>
                 <a:spcPts val="0"/>
               </a:spcBef>
@@ -1047,30 +1085,33 @@
               </a:spcAft>
               <a:buNone/>
             </a:pPr>
-            <a:r>
-              <a:t/>
-            </a:r>
             <a:endParaRPr/>
           </a:p>
         </p:txBody>
       </p:sp>
       <p:sp>
         <p:nvSpPr>
-          <p:cNvPr id="79" name="Google Shape;79;g25f35b548e9_0_12:notes"/>
-          <p:cNvSpPr/>
+          <p:cNvPr id="86" name="Google Shape;86;g25f35b548e9_0_18:notes"/>
+          <p:cNvSpPr>
+            <a:spLocks noGrp="1" noRot="1" noChangeAspect="1"/>
+          </p:cNvSpPr>
           <p:nvPr>
-            <p:ph idx="2" type="sldImg"/>
+            <p:ph type="sldImg" idx="2"/>
           </p:nvPr>
         </p:nvSpPr>
         <p:spPr>
           <a:xfrm>
-            <a:off x="1143225" y="685800"/>
-            <a:ext cx="4572300" cy="3429000"/>
+            <a:off x="381000" y="685800"/>
+            <a:ext cx="6096000" cy="3429000"/>
           </a:xfrm>
           <a:custGeom>
-            <a:rect b="b" l="l" r="r" t="t"/>
+            <a:avLst/>
+            <a:gdLst/>
+            <a:ahLst/>
+            <a:cxnLst/>
+            <a:rect l="l" t="t" r="r" b="b"/>
             <a:pathLst>
-              <a:path extrusionOk="0" h="120000" w="120000">
+              <a:path w="120000" h="120000" extrusionOk="0">
                 <a:moveTo>
                   <a:pt x="0" y="0"/>
                 </a:moveTo>
@@ -1098,11 +1139,11 @@
 </file>
 
 <file path=ppt/notesSlides/notesSlide5.xml><?xml version="1.0" encoding="utf-8"?>
-<p:notes xmlns:a="http://schemas.openxmlformats.org/drawingml/2006/main" xmlns:r="http://schemas.openxmlformats.org/officeDocument/2006/relationships" xmlns:mc="http://schemas.openxmlformats.org/markup-compatibility/2006" xmlns:mv="urn:schemas-microsoft-com:mac:vml" xmlns:p="http://schemas.openxmlformats.org/presentationml/2006/main" xmlns:c="http://schemas.openxmlformats.org/drawingml/2006/chart" xmlns:dgm="http://schemas.openxmlformats.org/drawingml/2006/diagram" xmlns:o="urn:schemas-microsoft-com:office:office" xmlns:v="urn:schemas-microsoft-com:vml" xmlns:pvml="urn:schemas-microsoft-com:office:powerpoint" xmlns:com="http://schemas.openxmlformats.org/drawingml/2006/compatibility" xmlns:p14="http://schemas.microsoft.com/office/powerpoint/2010/main" xmlns:p15="http://schemas.microsoft.com/office/powerpoint/2012/main" xmlns:ahyp="http://schemas.microsoft.com/office/drawing/2018/hyperlinkcolor" showMasterPhAnim="0" showMasterSp="0">
+<p:notes xmlns:a="http://schemas.openxmlformats.org/drawingml/2006/main" xmlns:r="http://schemas.openxmlformats.org/officeDocument/2006/relationships" xmlns:p="http://schemas.openxmlformats.org/presentationml/2006/main" showMasterSp="0" showMasterPhAnim="0">
   <p:cSld>
     <p:spTree>
       <p:nvGrpSpPr>
-        <p:cNvPr id="84" name="Shape 84"/>
+        <p:cNvPr id="1" name="Shape 90"/>
         <p:cNvGrpSpPr/>
         <p:nvPr/>
       </p:nvGrpSpPr>
@@ -1116,10 +1157,12 @@
       </p:grpSpPr>
       <p:sp>
         <p:nvSpPr>
-          <p:cNvPr id="85" name="Google Shape;85;g25f35b548e9_0_18:notes"/>
-          <p:cNvSpPr txBox="1"/>
+          <p:cNvPr id="91" name="Google Shape;91;g25f35b548e9_0_23:notes"/>
+          <p:cNvSpPr txBox="1">
+            <a:spLocks noGrp="1"/>
+          </p:cNvSpPr>
           <p:nvPr>
-            <p:ph idx="1" type="body"/>
+            <p:ph type="body" idx="1"/>
           </p:nvPr>
         </p:nvSpPr>
         <p:spPr>
@@ -1132,12 +1175,12 @@
           </a:prstGeom>
         </p:spPr>
         <p:txBody>
-          <a:bodyPr anchorCtr="0" anchor="t" bIns="91425" lIns="91425" spcFirstLastPara="1" rIns="91425" wrap="square" tIns="91425">
+          <a:bodyPr spcFirstLastPara="1" wrap="square" lIns="91425" tIns="91425" rIns="91425" bIns="91425" anchor="t" anchorCtr="0">
             <a:noAutofit/>
           </a:bodyPr>
           <a:lstStyle/>
           <a:p>
-            <a:pPr indent="0" lvl="0" marL="0" rtl="0" algn="l">
+            <a:pPr marL="0" lvl="0" indent="0" algn="l" rtl="0">
               <a:spcBef>
                 <a:spcPts val="0"/>
               </a:spcBef>
@@ -1146,30 +1189,33 @@
               </a:spcAft>
               <a:buNone/>
             </a:pPr>
-            <a:r>
-              <a:t/>
-            </a:r>
             <a:endParaRPr/>
           </a:p>
         </p:txBody>
       </p:sp>
       <p:sp>
         <p:nvSpPr>
-          <p:cNvPr id="86" name="Google Shape;86;g25f35b548e9_0_18:notes"/>
-          <p:cNvSpPr/>
+          <p:cNvPr id="92" name="Google Shape;92;g25f35b548e9_0_23:notes"/>
+          <p:cNvSpPr>
+            <a:spLocks noGrp="1" noRot="1" noChangeAspect="1"/>
+          </p:cNvSpPr>
           <p:nvPr>
-            <p:ph idx="2" type="sldImg"/>
+            <p:ph type="sldImg" idx="2"/>
           </p:nvPr>
         </p:nvSpPr>
         <p:spPr>
           <a:xfrm>
-            <a:off x="1143225" y="685800"/>
-            <a:ext cx="4572300" cy="3429000"/>
+            <a:off x="381000" y="685800"/>
+            <a:ext cx="6096000" cy="3429000"/>
           </a:xfrm>
           <a:custGeom>
-            <a:rect b="b" l="l" r="r" t="t"/>
+            <a:avLst/>
+            <a:gdLst/>
+            <a:ahLst/>
+            <a:cxnLst/>
+            <a:rect l="l" t="t" r="r" b="b"/>
             <a:pathLst>
-              <a:path extrusionOk="0" h="120000" w="120000">
+              <a:path w="120000" h="120000" extrusionOk="0">
                 <a:moveTo>
                   <a:pt x="0" y="0"/>
                 </a:moveTo>
@@ -1197,110 +1243,11 @@
 </file>
 
 <file path=ppt/notesSlides/notesSlide6.xml><?xml version="1.0" encoding="utf-8"?>
-<p:notes xmlns:a="http://schemas.openxmlformats.org/drawingml/2006/main" xmlns:r="http://schemas.openxmlformats.org/officeDocument/2006/relationships" xmlns:mc="http://schemas.openxmlformats.org/markup-compatibility/2006" xmlns:mv="urn:schemas-microsoft-com:mac:vml" xmlns:p="http://schemas.openxmlformats.org/presentationml/2006/main" xmlns:c="http://schemas.openxmlformats.org/drawingml/2006/chart" xmlns:dgm="http://schemas.openxmlformats.org/drawingml/2006/diagram" xmlns:o="urn:schemas-microsoft-com:office:office" xmlns:v="urn:schemas-microsoft-com:vml" xmlns:pvml="urn:schemas-microsoft-com:office:powerpoint" xmlns:com="http://schemas.openxmlformats.org/drawingml/2006/compatibility" xmlns:p14="http://schemas.microsoft.com/office/powerpoint/2010/main" xmlns:p15="http://schemas.microsoft.com/office/powerpoint/2012/main" xmlns:ahyp="http://schemas.microsoft.com/office/drawing/2018/hyperlinkcolor" showMasterPhAnim="0" showMasterSp="0">
+<p:notes xmlns:a="http://schemas.openxmlformats.org/drawingml/2006/main" xmlns:r="http://schemas.openxmlformats.org/officeDocument/2006/relationships" xmlns:p="http://schemas.openxmlformats.org/presentationml/2006/main" showMasterSp="0" showMasterPhAnim="0">
   <p:cSld>
     <p:spTree>
       <p:nvGrpSpPr>
-        <p:cNvPr id="90" name="Shape 90"/>
-        <p:cNvGrpSpPr/>
-        <p:nvPr/>
-      </p:nvGrpSpPr>
-      <p:grpSpPr>
-        <a:xfrm>
-          <a:off x="0" y="0"/>
-          <a:ext cx="0" cy="0"/>
-          <a:chOff x="0" y="0"/>
-          <a:chExt cx="0" cy="0"/>
-        </a:xfrm>
-      </p:grpSpPr>
-      <p:sp>
-        <p:nvSpPr>
-          <p:cNvPr id="91" name="Google Shape;91;g25f35b548e9_0_23:notes"/>
-          <p:cNvSpPr txBox="1"/>
-          <p:nvPr>
-            <p:ph idx="1" type="body"/>
-          </p:nvPr>
-        </p:nvSpPr>
-        <p:spPr>
-          <a:xfrm>
-            <a:off x="685800" y="4343400"/>
-            <a:ext cx="5486400" cy="4114800"/>
-          </a:xfrm>
-          <a:prstGeom prst="rect">
-            <a:avLst/>
-          </a:prstGeom>
-        </p:spPr>
-        <p:txBody>
-          <a:bodyPr anchorCtr="0" anchor="t" bIns="91425" lIns="91425" spcFirstLastPara="1" rIns="91425" wrap="square" tIns="91425">
-            <a:noAutofit/>
-          </a:bodyPr>
-          <a:lstStyle/>
-          <a:p>
-            <a:pPr indent="0" lvl="0" marL="0" rtl="0" algn="l">
-              <a:spcBef>
-                <a:spcPts val="0"/>
-              </a:spcBef>
-              <a:spcAft>
-                <a:spcPts val="0"/>
-              </a:spcAft>
-              <a:buNone/>
-            </a:pPr>
-            <a:r>
-              <a:t/>
-            </a:r>
-            <a:endParaRPr/>
-          </a:p>
-        </p:txBody>
-      </p:sp>
-      <p:sp>
-        <p:nvSpPr>
-          <p:cNvPr id="92" name="Google Shape;92;g25f35b548e9_0_23:notes"/>
-          <p:cNvSpPr/>
-          <p:nvPr>
-            <p:ph idx="2" type="sldImg"/>
-          </p:nvPr>
-        </p:nvSpPr>
-        <p:spPr>
-          <a:xfrm>
-            <a:off x="1143225" y="685800"/>
-            <a:ext cx="4572300" cy="3429000"/>
-          </a:xfrm>
-          <a:custGeom>
-            <a:rect b="b" l="l" r="r" t="t"/>
-            <a:pathLst>
-              <a:path extrusionOk="0" h="120000" w="120000">
-                <a:moveTo>
-                  <a:pt x="0" y="0"/>
-                </a:moveTo>
-                <a:lnTo>
-                  <a:pt x="120000" y="0"/>
-                </a:lnTo>
-                <a:lnTo>
-                  <a:pt x="120000" y="120000"/>
-                </a:lnTo>
-                <a:lnTo>
-                  <a:pt x="0" y="120000"/>
-                </a:lnTo>
-                <a:close/>
-              </a:path>
-            </a:pathLst>
-          </a:custGeom>
-        </p:spPr>
-      </p:sp>
-    </p:spTree>
-  </p:cSld>
-  <p:clrMapOvr>
-    <a:masterClrMapping/>
-  </p:clrMapOvr>
-</p:notes>
-</file>
-
-<file path=ppt/notesSlides/notesSlide7.xml><?xml version="1.0" encoding="utf-8"?>
-<p:notes xmlns:a="http://schemas.openxmlformats.org/drawingml/2006/main" xmlns:r="http://schemas.openxmlformats.org/officeDocument/2006/relationships" xmlns:mc="http://schemas.openxmlformats.org/markup-compatibility/2006" xmlns:mv="urn:schemas-microsoft-com:mac:vml" xmlns:p="http://schemas.openxmlformats.org/presentationml/2006/main" xmlns:c="http://schemas.openxmlformats.org/drawingml/2006/chart" xmlns:dgm="http://schemas.openxmlformats.org/drawingml/2006/diagram" xmlns:o="urn:schemas-microsoft-com:office:office" xmlns:v="urn:schemas-microsoft-com:vml" xmlns:pvml="urn:schemas-microsoft-com:office:powerpoint" xmlns:com="http://schemas.openxmlformats.org/drawingml/2006/compatibility" xmlns:p14="http://schemas.microsoft.com/office/powerpoint/2010/main" xmlns:p15="http://schemas.microsoft.com/office/powerpoint/2012/main" xmlns:ahyp="http://schemas.microsoft.com/office/drawing/2018/hyperlinkcolor" showMasterPhAnim="0" showMasterSp="0">
-  <p:cSld>
-    <p:spTree>
-      <p:nvGrpSpPr>
-        <p:cNvPr id="96" name="Shape 96"/>
+        <p:cNvPr id="1" name="Shape 96"/>
         <p:cNvGrpSpPr/>
         <p:nvPr/>
       </p:nvGrpSpPr>
@@ -1315,9 +1262,11 @@
       <p:sp>
         <p:nvSpPr>
           <p:cNvPr id="97" name="Google Shape;97;g25f35b548e9_0_28:notes"/>
-          <p:cNvSpPr txBox="1"/>
+          <p:cNvSpPr txBox="1">
+            <a:spLocks noGrp="1"/>
+          </p:cNvSpPr>
           <p:nvPr>
-            <p:ph idx="1" type="body"/>
+            <p:ph type="body" idx="1"/>
           </p:nvPr>
         </p:nvSpPr>
         <p:spPr>
@@ -1330,12 +1279,12 @@
           </a:prstGeom>
         </p:spPr>
         <p:txBody>
-          <a:bodyPr anchorCtr="0" anchor="t" bIns="91425" lIns="91425" spcFirstLastPara="1" rIns="91425" wrap="square" tIns="91425">
+          <a:bodyPr spcFirstLastPara="1" wrap="square" lIns="91425" tIns="91425" rIns="91425" bIns="91425" anchor="t" anchorCtr="0">
             <a:noAutofit/>
           </a:bodyPr>
           <a:lstStyle/>
           <a:p>
-            <a:pPr indent="0" lvl="0" marL="0" rtl="0" algn="l">
+            <a:pPr marL="0" lvl="0" indent="0" algn="l" rtl="0">
               <a:spcBef>
                 <a:spcPts val="0"/>
               </a:spcBef>
@@ -1344,9 +1293,6 @@
               </a:spcAft>
               <a:buNone/>
             </a:pPr>
-            <a:r>
-              <a:t/>
-            </a:r>
             <a:endParaRPr/>
           </a:p>
         </p:txBody>
@@ -1354,9 +1300,11 @@
       <p:sp>
         <p:nvSpPr>
           <p:cNvPr id="98" name="Google Shape;98;g25f35b548e9_0_28:notes"/>
-          <p:cNvSpPr/>
+          <p:cNvSpPr>
+            <a:spLocks noGrp="1" noRot="1" noChangeAspect="1"/>
+          </p:cNvSpPr>
           <p:nvPr>
-            <p:ph idx="2" type="sldImg"/>
+            <p:ph type="sldImg" idx="2"/>
           </p:nvPr>
         </p:nvSpPr>
         <p:spPr>
@@ -1365,9 +1313,13 @@
             <a:ext cx="4572300" cy="3429000"/>
           </a:xfrm>
           <a:custGeom>
-            <a:rect b="b" l="l" r="r" t="t"/>
+            <a:avLst/>
+            <a:gdLst/>
+            <a:ahLst/>
+            <a:cxnLst/>
+            <a:rect l="l" t="t" r="r" b="b"/>
             <a:pathLst>
-              <a:path extrusionOk="0" h="120000" w="120000">
+              <a:path w="120000" h="120000" extrusionOk="0">
                 <a:moveTo>
                   <a:pt x="0" y="0"/>
                 </a:moveTo>
@@ -1395,11 +1347,11 @@
 </file>
 
 <file path=ppt/slideLayouts/slideLayout1.xml><?xml version="1.0" encoding="utf-8"?>
-<p:sldLayout xmlns:a="http://schemas.openxmlformats.org/drawingml/2006/main" xmlns:r="http://schemas.openxmlformats.org/officeDocument/2006/relationships" xmlns:mc="http://schemas.openxmlformats.org/markup-compatibility/2006" xmlns:mv="urn:schemas-microsoft-com:mac:vml" xmlns:p="http://schemas.openxmlformats.org/presentationml/2006/main" xmlns:c="http://schemas.openxmlformats.org/drawingml/2006/chart" xmlns:dgm="http://schemas.openxmlformats.org/drawingml/2006/diagram" xmlns:o="urn:schemas-microsoft-com:office:office" xmlns:v="urn:schemas-microsoft-com:vml" xmlns:pvml="urn:schemas-microsoft-com:office:powerpoint" xmlns:com="http://schemas.openxmlformats.org/drawingml/2006/compatibility" xmlns:p14="http://schemas.microsoft.com/office/powerpoint/2010/main" xmlns:p15="http://schemas.microsoft.com/office/powerpoint/2012/main" xmlns:ahyp="http://schemas.microsoft.com/office/drawing/2018/hyperlinkcolor" matchingName="Title slide" type="title">
-  <p:cSld name="TITLE">
+<p:sldLayout xmlns:a="http://schemas.openxmlformats.org/drawingml/2006/main" xmlns:r="http://schemas.openxmlformats.org/officeDocument/2006/relationships" xmlns:p="http://schemas.openxmlformats.org/presentationml/2006/main" matchingName="Section header" type="secHead">
+  <p:cSld name="SECTION_HEADER">
     <p:spTree>
       <p:nvGrpSpPr>
-        <p:cNvPr id="9" name="Shape 9"/>
+        <p:cNvPr id="1" name="Shape 13"/>
         <p:cNvGrpSpPr/>
         <p:nvPr/>
       </p:nvGrpSpPr>
@@ -1413,23 +1365,25 @@
       </p:grpSpPr>
       <p:sp>
         <p:nvSpPr>
-          <p:cNvPr id="10" name="Google Shape;10;p2"/>
-          <p:cNvSpPr txBox="1"/>
+          <p:cNvPr id="14" name="Google Shape;14;p3"/>
+          <p:cNvSpPr txBox="1">
+            <a:spLocks noGrp="1"/>
+          </p:cNvSpPr>
           <p:nvPr>
-            <p:ph type="ctrTitle"/>
+            <p:ph type="title"/>
           </p:nvPr>
         </p:nvSpPr>
         <p:spPr>
           <a:xfrm>
-            <a:off x="311708" y="744575"/>
-            <a:ext cx="8520600" cy="2052600"/>
+            <a:off x="311700" y="2150850"/>
+            <a:ext cx="8520600" cy="841800"/>
           </a:xfrm>
           <a:prstGeom prst="rect">
             <a:avLst/>
           </a:prstGeom>
         </p:spPr>
         <p:txBody>
-          <a:bodyPr anchorCtr="0" anchor="b" bIns="91425" lIns="91425" spcFirstLastPara="1" rIns="91425" wrap="square" tIns="91425">
+          <a:bodyPr spcFirstLastPara="1" wrap="square" lIns="91425" tIns="91425" rIns="91425" bIns="91425" anchor="ctr" anchorCtr="0">
             <a:normAutofit/>
           </a:bodyPr>
           <a:lstStyle>
@@ -1440,9 +1394,9 @@
               <a:spcAft>
                 <a:spcPts val="0"/>
               </a:spcAft>
-              <a:buSzPts val="5200"/>
-              <a:buNone/>
-              <a:defRPr sz="5200"/>
+              <a:buSzPts val="3600"/>
+              <a:buNone/>
+              <a:defRPr sz="3600"/>
             </a:lvl1pPr>
             <a:lvl2pPr lvl="1" algn="ctr">
               <a:spcBef>
@@ -1451,9 +1405,9 @@
               <a:spcAft>
                 <a:spcPts val="0"/>
               </a:spcAft>
-              <a:buSzPts val="5200"/>
-              <a:buNone/>
-              <a:defRPr sz="5200"/>
+              <a:buSzPts val="3600"/>
+              <a:buNone/>
+              <a:defRPr sz="3600"/>
             </a:lvl2pPr>
             <a:lvl3pPr lvl="2" algn="ctr">
               <a:spcBef>
@@ -1462,9 +1416,9 @@
               <a:spcAft>
                 <a:spcPts val="0"/>
               </a:spcAft>
-              <a:buSzPts val="5200"/>
-              <a:buNone/>
-              <a:defRPr sz="5200"/>
+              <a:buSzPts val="3600"/>
+              <a:buNone/>
+              <a:defRPr sz="3600"/>
             </a:lvl3pPr>
             <a:lvl4pPr lvl="3" algn="ctr">
               <a:spcBef>
@@ -1473,9 +1427,9 @@
               <a:spcAft>
                 <a:spcPts val="0"/>
               </a:spcAft>
-              <a:buSzPts val="5200"/>
-              <a:buNone/>
-              <a:defRPr sz="5200"/>
+              <a:buSzPts val="3600"/>
+              <a:buNone/>
+              <a:defRPr sz="3600"/>
             </a:lvl4pPr>
             <a:lvl5pPr lvl="4" algn="ctr">
               <a:spcBef>
@@ -1484,9 +1438,9 @@
               <a:spcAft>
                 <a:spcPts val="0"/>
               </a:spcAft>
-              <a:buSzPts val="5200"/>
-              <a:buNone/>
-              <a:defRPr sz="5200"/>
+              <a:buSzPts val="3600"/>
+              <a:buNone/>
+              <a:defRPr sz="3600"/>
             </a:lvl5pPr>
             <a:lvl6pPr lvl="5" algn="ctr">
               <a:spcBef>
@@ -1495,9 +1449,9 @@
               <a:spcAft>
                 <a:spcPts val="0"/>
               </a:spcAft>
-              <a:buSzPts val="5200"/>
-              <a:buNone/>
-              <a:defRPr sz="5200"/>
+              <a:buSzPts val="3600"/>
+              <a:buNone/>
+              <a:defRPr sz="3600"/>
             </a:lvl6pPr>
             <a:lvl7pPr lvl="6" algn="ctr">
               <a:spcBef>
@@ -1506,9 +1460,9 @@
               <a:spcAft>
                 <a:spcPts val="0"/>
               </a:spcAft>
-              <a:buSzPts val="5200"/>
-              <a:buNone/>
-              <a:defRPr sz="5200"/>
+              <a:buSzPts val="3600"/>
+              <a:buNone/>
+              <a:defRPr sz="3600"/>
             </a:lvl7pPr>
             <a:lvl8pPr lvl="7" algn="ctr">
               <a:spcBef>
@@ -1517,9 +1471,9 @@
               <a:spcAft>
                 <a:spcPts val="0"/>
               </a:spcAft>
-              <a:buSzPts val="5200"/>
-              <a:buNone/>
-              <a:defRPr sz="5200"/>
+              <a:buSzPts val="3600"/>
+              <a:buNone/>
+              <a:defRPr sz="3600"/>
             </a:lvl8pPr>
             <a:lvl9pPr lvl="8" algn="ctr">
               <a:spcBef>
@@ -1528,172 +1482,24 @@
               <a:spcAft>
                 <a:spcPts val="0"/>
               </a:spcAft>
-              <a:buSzPts val="5200"/>
-              <a:buNone/>
-              <a:defRPr sz="5200"/>
+              <a:buSzPts val="3600"/>
+              <a:buNone/>
+              <a:defRPr sz="3600"/>
             </a:lvl9pPr>
           </a:lstStyle>
-          <a:p/>
+          <a:p>
+            <a:endParaRPr/>
+          </a:p>
         </p:txBody>
       </p:sp>
       <p:sp>
         <p:nvSpPr>
-          <p:cNvPr id="11" name="Google Shape;11;p2"/>
-          <p:cNvSpPr txBox="1"/>
+          <p:cNvPr id="15" name="Google Shape;15;p3"/>
+          <p:cNvSpPr txBox="1">
+            <a:spLocks noGrp="1"/>
+          </p:cNvSpPr>
           <p:nvPr>
-            <p:ph idx="1" type="subTitle"/>
-          </p:nvPr>
-        </p:nvSpPr>
-        <p:spPr>
-          <a:xfrm>
-            <a:off x="311700" y="2834125"/>
-            <a:ext cx="8520600" cy="792600"/>
-          </a:xfrm>
-          <a:prstGeom prst="rect">
-            <a:avLst/>
-          </a:prstGeom>
-        </p:spPr>
-        <p:txBody>
-          <a:bodyPr anchorCtr="0" anchor="t" bIns="91425" lIns="91425" spcFirstLastPara="1" rIns="91425" wrap="square" tIns="91425">
-            <a:normAutofit/>
-          </a:bodyPr>
-          <a:lstStyle>
-            <a:lvl1pPr lvl="0" algn="ctr">
-              <a:lnSpc>
-                <a:spcPct val="100000"/>
-              </a:lnSpc>
-              <a:spcBef>
-                <a:spcPts val="0"/>
-              </a:spcBef>
-              <a:spcAft>
-                <a:spcPts val="0"/>
-              </a:spcAft>
-              <a:buSzPts val="2800"/>
-              <a:buNone/>
-              <a:defRPr sz="2800"/>
-            </a:lvl1pPr>
-            <a:lvl2pPr lvl="1" algn="ctr">
-              <a:lnSpc>
-                <a:spcPct val="100000"/>
-              </a:lnSpc>
-              <a:spcBef>
-                <a:spcPts val="0"/>
-              </a:spcBef>
-              <a:spcAft>
-                <a:spcPts val="0"/>
-              </a:spcAft>
-              <a:buSzPts val="2800"/>
-              <a:buNone/>
-              <a:defRPr sz="2800"/>
-            </a:lvl2pPr>
-            <a:lvl3pPr lvl="2" algn="ctr">
-              <a:lnSpc>
-                <a:spcPct val="100000"/>
-              </a:lnSpc>
-              <a:spcBef>
-                <a:spcPts val="0"/>
-              </a:spcBef>
-              <a:spcAft>
-                <a:spcPts val="0"/>
-              </a:spcAft>
-              <a:buSzPts val="2800"/>
-              <a:buNone/>
-              <a:defRPr sz="2800"/>
-            </a:lvl3pPr>
-            <a:lvl4pPr lvl="3" algn="ctr">
-              <a:lnSpc>
-                <a:spcPct val="100000"/>
-              </a:lnSpc>
-              <a:spcBef>
-                <a:spcPts val="0"/>
-              </a:spcBef>
-              <a:spcAft>
-                <a:spcPts val="0"/>
-              </a:spcAft>
-              <a:buSzPts val="2800"/>
-              <a:buNone/>
-              <a:defRPr sz="2800"/>
-            </a:lvl4pPr>
-            <a:lvl5pPr lvl="4" algn="ctr">
-              <a:lnSpc>
-                <a:spcPct val="100000"/>
-              </a:lnSpc>
-              <a:spcBef>
-                <a:spcPts val="0"/>
-              </a:spcBef>
-              <a:spcAft>
-                <a:spcPts val="0"/>
-              </a:spcAft>
-              <a:buSzPts val="2800"/>
-              <a:buNone/>
-              <a:defRPr sz="2800"/>
-            </a:lvl5pPr>
-            <a:lvl6pPr lvl="5" algn="ctr">
-              <a:lnSpc>
-                <a:spcPct val="100000"/>
-              </a:lnSpc>
-              <a:spcBef>
-                <a:spcPts val="0"/>
-              </a:spcBef>
-              <a:spcAft>
-                <a:spcPts val="0"/>
-              </a:spcAft>
-              <a:buSzPts val="2800"/>
-              <a:buNone/>
-              <a:defRPr sz="2800"/>
-            </a:lvl6pPr>
-            <a:lvl7pPr lvl="6" algn="ctr">
-              <a:lnSpc>
-                <a:spcPct val="100000"/>
-              </a:lnSpc>
-              <a:spcBef>
-                <a:spcPts val="0"/>
-              </a:spcBef>
-              <a:spcAft>
-                <a:spcPts val="0"/>
-              </a:spcAft>
-              <a:buSzPts val="2800"/>
-              <a:buNone/>
-              <a:defRPr sz="2800"/>
-            </a:lvl7pPr>
-            <a:lvl8pPr lvl="7" algn="ctr">
-              <a:lnSpc>
-                <a:spcPct val="100000"/>
-              </a:lnSpc>
-              <a:spcBef>
-                <a:spcPts val="0"/>
-              </a:spcBef>
-              <a:spcAft>
-                <a:spcPts val="0"/>
-              </a:spcAft>
-              <a:buSzPts val="2800"/>
-              <a:buNone/>
-              <a:defRPr sz="2800"/>
-            </a:lvl8pPr>
-            <a:lvl9pPr lvl="8" algn="ctr">
-              <a:lnSpc>
-                <a:spcPct val="100000"/>
-              </a:lnSpc>
-              <a:spcBef>
-                <a:spcPts val="0"/>
-              </a:spcBef>
-              <a:spcAft>
-                <a:spcPts val="0"/>
-              </a:spcAft>
-              <a:buSzPts val="2800"/>
-              <a:buNone/>
-              <a:defRPr sz="2800"/>
-            </a:lvl9pPr>
-          </a:lstStyle>
-          <a:p/>
-        </p:txBody>
-      </p:sp>
-      <p:sp>
-        <p:nvSpPr>
-          <p:cNvPr id="12" name="Google Shape;12;p2"/>
-          <p:cNvSpPr txBox="1"/>
-          <p:nvPr>
-            <p:ph idx="12" type="sldNum"/>
+            <p:ph type="sldNum" idx="12"/>
           </p:nvPr>
         </p:nvSpPr>
         <p:spPr>
@@ -1706,7 +1512,7 @@
           </a:prstGeom>
         </p:spPr>
         <p:txBody>
-          <a:bodyPr anchorCtr="0" anchor="ctr" bIns="91425" lIns="91425" spcFirstLastPara="1" rIns="91425" wrap="square" tIns="91425">
+          <a:bodyPr spcFirstLastPara="1" wrap="square" lIns="91425" tIns="91425" rIns="91425" bIns="91425" anchor="ctr" anchorCtr="0">
             <a:normAutofit/>
           </a:bodyPr>
           <a:lstStyle>
@@ -1748,7 +1554,7 @@
             </a:lvl9pPr>
           </a:lstStyle>
           <a:p>
-            <a:pPr indent="0" lvl="0" marL="0" rtl="0" algn="r">
+            <a:pPr marL="0" lvl="0" indent="0" algn="r" rtl="0">
               <a:spcBef>
                 <a:spcPts val="0"/>
               </a:spcBef>
@@ -1774,11 +1580,11 @@
 </file>
 
 <file path=ppt/slideLayouts/slideLayout10.xml><?xml version="1.0" encoding="utf-8"?>
-<p:sldLayout xmlns:a="http://schemas.openxmlformats.org/drawingml/2006/main" xmlns:r="http://schemas.openxmlformats.org/officeDocument/2006/relationships" xmlns:mc="http://schemas.openxmlformats.org/markup-compatibility/2006" xmlns:mv="urn:schemas-microsoft-com:mac:vml" xmlns:p="http://schemas.openxmlformats.org/presentationml/2006/main" xmlns:c="http://schemas.openxmlformats.org/drawingml/2006/chart" xmlns:dgm="http://schemas.openxmlformats.org/drawingml/2006/diagram" xmlns:o="urn:schemas-microsoft-com:office:office" xmlns:v="urn:schemas-microsoft-com:vml" xmlns:pvml="urn:schemas-microsoft-com:office:powerpoint" xmlns:com="http://schemas.openxmlformats.org/drawingml/2006/compatibility" xmlns:p14="http://schemas.microsoft.com/office/powerpoint/2010/main" xmlns:p15="http://schemas.microsoft.com/office/powerpoint/2012/main" xmlns:ahyp="http://schemas.microsoft.com/office/drawing/2018/hyperlinkcolor" matchingName="Big number">
-  <p:cSld name="BIG_NUMBER">
+<p:sldLayout xmlns:a="http://schemas.openxmlformats.org/drawingml/2006/main" xmlns:r="http://schemas.openxmlformats.org/officeDocument/2006/relationships" xmlns:p="http://schemas.openxmlformats.org/presentationml/2006/main" matchingName="Blank" type="blank">
+  <p:cSld name="BLANK">
     <p:spTree>
       <p:nvGrpSpPr>
-        <p:cNvPr id="44" name="Shape 44"/>
+        <p:cNvPr id="1" name="Shape 48"/>
         <p:cNvGrpSpPr/>
         <p:nvPr/>
       </p:nvGrpSpPr>
@@ -1792,264 +1598,12 @@
       </p:grpSpPr>
       <p:sp>
         <p:nvSpPr>
-          <p:cNvPr id="45" name="Google Shape;45;p11"/>
-          <p:cNvSpPr txBox="1"/>
+          <p:cNvPr id="49" name="Google Shape;49;p12"/>
+          <p:cNvSpPr txBox="1">
+            <a:spLocks noGrp="1"/>
+          </p:cNvSpPr>
           <p:nvPr>
-            <p:ph hasCustomPrompt="1" type="title"/>
-          </p:nvPr>
-        </p:nvSpPr>
-        <p:spPr>
-          <a:xfrm>
-            <a:off x="311700" y="1106125"/>
-            <a:ext cx="8520600" cy="1963500"/>
-          </a:xfrm>
-          <a:prstGeom prst="rect">
-            <a:avLst/>
-          </a:prstGeom>
-        </p:spPr>
-        <p:txBody>
-          <a:bodyPr anchorCtr="0" anchor="b" bIns="91425" lIns="91425" spcFirstLastPara="1" rIns="91425" wrap="square" tIns="91425">
-            <a:normAutofit/>
-          </a:bodyPr>
-          <a:lstStyle>
-            <a:lvl1pPr lvl="0" algn="ctr">
-              <a:spcBef>
-                <a:spcPts val="0"/>
-              </a:spcBef>
-              <a:spcAft>
-                <a:spcPts val="0"/>
-              </a:spcAft>
-              <a:buSzPts val="12000"/>
-              <a:buNone/>
-              <a:defRPr sz="12000"/>
-            </a:lvl1pPr>
-            <a:lvl2pPr lvl="1" algn="ctr">
-              <a:spcBef>
-                <a:spcPts val="0"/>
-              </a:spcBef>
-              <a:spcAft>
-                <a:spcPts val="0"/>
-              </a:spcAft>
-              <a:buSzPts val="12000"/>
-              <a:buNone/>
-              <a:defRPr sz="12000"/>
-            </a:lvl2pPr>
-            <a:lvl3pPr lvl="2" algn="ctr">
-              <a:spcBef>
-                <a:spcPts val="0"/>
-              </a:spcBef>
-              <a:spcAft>
-                <a:spcPts val="0"/>
-              </a:spcAft>
-              <a:buSzPts val="12000"/>
-              <a:buNone/>
-              <a:defRPr sz="12000"/>
-            </a:lvl3pPr>
-            <a:lvl4pPr lvl="3" algn="ctr">
-              <a:spcBef>
-                <a:spcPts val="0"/>
-              </a:spcBef>
-              <a:spcAft>
-                <a:spcPts val="0"/>
-              </a:spcAft>
-              <a:buSzPts val="12000"/>
-              <a:buNone/>
-              <a:defRPr sz="12000"/>
-            </a:lvl4pPr>
-            <a:lvl5pPr lvl="4" algn="ctr">
-              <a:spcBef>
-                <a:spcPts val="0"/>
-              </a:spcBef>
-              <a:spcAft>
-                <a:spcPts val="0"/>
-              </a:spcAft>
-              <a:buSzPts val="12000"/>
-              <a:buNone/>
-              <a:defRPr sz="12000"/>
-            </a:lvl5pPr>
-            <a:lvl6pPr lvl="5" algn="ctr">
-              <a:spcBef>
-                <a:spcPts val="0"/>
-              </a:spcBef>
-              <a:spcAft>
-                <a:spcPts val="0"/>
-              </a:spcAft>
-              <a:buSzPts val="12000"/>
-              <a:buNone/>
-              <a:defRPr sz="12000"/>
-            </a:lvl6pPr>
-            <a:lvl7pPr lvl="6" algn="ctr">
-              <a:spcBef>
-                <a:spcPts val="0"/>
-              </a:spcBef>
-              <a:spcAft>
-                <a:spcPts val="0"/>
-              </a:spcAft>
-              <a:buSzPts val="12000"/>
-              <a:buNone/>
-              <a:defRPr sz="12000"/>
-            </a:lvl7pPr>
-            <a:lvl8pPr lvl="7" algn="ctr">
-              <a:spcBef>
-                <a:spcPts val="0"/>
-              </a:spcBef>
-              <a:spcAft>
-                <a:spcPts val="0"/>
-              </a:spcAft>
-              <a:buSzPts val="12000"/>
-              <a:buNone/>
-              <a:defRPr sz="12000"/>
-            </a:lvl8pPr>
-            <a:lvl9pPr lvl="8" algn="ctr">
-              <a:spcBef>
-                <a:spcPts val="0"/>
-              </a:spcBef>
-              <a:spcAft>
-                <a:spcPts val="0"/>
-              </a:spcAft>
-              <a:buSzPts val="12000"/>
-              <a:buNone/>
-              <a:defRPr sz="12000"/>
-            </a:lvl9pPr>
-          </a:lstStyle>
-          <a:p>
-            <a:r>
-              <a:t>xx%</a:t>
-            </a:r>
-          </a:p>
-        </p:txBody>
-      </p:sp>
-      <p:sp>
-        <p:nvSpPr>
-          <p:cNvPr id="46" name="Google Shape;46;p11"/>
-          <p:cNvSpPr txBox="1"/>
-          <p:nvPr>
-            <p:ph idx="1" type="body"/>
-          </p:nvPr>
-        </p:nvSpPr>
-        <p:spPr>
-          <a:xfrm>
-            <a:off x="311700" y="3152225"/>
-            <a:ext cx="8520600" cy="1300800"/>
-          </a:xfrm>
-          <a:prstGeom prst="rect">
-            <a:avLst/>
-          </a:prstGeom>
-        </p:spPr>
-        <p:txBody>
-          <a:bodyPr anchorCtr="0" anchor="t" bIns="91425" lIns="91425" spcFirstLastPara="1" rIns="91425" wrap="square" tIns="91425">
-            <a:normAutofit/>
-          </a:bodyPr>
-          <a:lstStyle>
-            <a:lvl1pPr indent="-342900" lvl="0" marL="457200" algn="ctr">
-              <a:spcBef>
-                <a:spcPts val="0"/>
-              </a:spcBef>
-              <a:spcAft>
-                <a:spcPts val="0"/>
-              </a:spcAft>
-              <a:buSzPts val="1800"/>
-              <a:buChar char="●"/>
-              <a:defRPr/>
-            </a:lvl1pPr>
-            <a:lvl2pPr indent="-317500" lvl="1" marL="914400" algn="ctr">
-              <a:spcBef>
-                <a:spcPts val="0"/>
-              </a:spcBef>
-              <a:spcAft>
-                <a:spcPts val="0"/>
-              </a:spcAft>
-              <a:buSzPts val="1400"/>
-              <a:buChar char="○"/>
-              <a:defRPr/>
-            </a:lvl2pPr>
-            <a:lvl3pPr indent="-317500" lvl="2" marL="1371600" algn="ctr">
-              <a:spcBef>
-                <a:spcPts val="0"/>
-              </a:spcBef>
-              <a:spcAft>
-                <a:spcPts val="0"/>
-              </a:spcAft>
-              <a:buSzPts val="1400"/>
-              <a:buChar char="■"/>
-              <a:defRPr/>
-            </a:lvl3pPr>
-            <a:lvl4pPr indent="-317500" lvl="3" marL="1828800" algn="ctr">
-              <a:spcBef>
-                <a:spcPts val="0"/>
-              </a:spcBef>
-              <a:spcAft>
-                <a:spcPts val="0"/>
-              </a:spcAft>
-              <a:buSzPts val="1400"/>
-              <a:buChar char="●"/>
-              <a:defRPr/>
-            </a:lvl4pPr>
-            <a:lvl5pPr indent="-317500" lvl="4" marL="2286000" algn="ctr">
-              <a:spcBef>
-                <a:spcPts val="0"/>
-              </a:spcBef>
-              <a:spcAft>
-                <a:spcPts val="0"/>
-              </a:spcAft>
-              <a:buSzPts val="1400"/>
-              <a:buChar char="○"/>
-              <a:defRPr/>
-            </a:lvl5pPr>
-            <a:lvl6pPr indent="-317500" lvl="5" marL="2743200" algn="ctr">
-              <a:spcBef>
-                <a:spcPts val="0"/>
-              </a:spcBef>
-              <a:spcAft>
-                <a:spcPts val="0"/>
-              </a:spcAft>
-              <a:buSzPts val="1400"/>
-              <a:buChar char="■"/>
-              <a:defRPr/>
-            </a:lvl6pPr>
-            <a:lvl7pPr indent="-317500" lvl="6" marL="3200400" algn="ctr">
-              <a:spcBef>
-                <a:spcPts val="0"/>
-              </a:spcBef>
-              <a:spcAft>
-                <a:spcPts val="0"/>
-              </a:spcAft>
-              <a:buSzPts val="1400"/>
-              <a:buChar char="●"/>
-              <a:defRPr/>
-            </a:lvl7pPr>
-            <a:lvl8pPr indent="-317500" lvl="7" marL="3657600" algn="ctr">
-              <a:spcBef>
-                <a:spcPts val="0"/>
-              </a:spcBef>
-              <a:spcAft>
-                <a:spcPts val="0"/>
-              </a:spcAft>
-              <a:buSzPts val="1400"/>
-              <a:buChar char="○"/>
-              <a:defRPr/>
-            </a:lvl8pPr>
-            <a:lvl9pPr indent="-317500" lvl="8" marL="4114800" algn="ctr">
-              <a:spcBef>
-                <a:spcPts val="0"/>
-              </a:spcBef>
-              <a:spcAft>
-                <a:spcPts val="0"/>
-              </a:spcAft>
-              <a:buSzPts val="1400"/>
-              <a:buChar char="■"/>
-              <a:defRPr/>
-            </a:lvl9pPr>
-          </a:lstStyle>
-          <a:p/>
-        </p:txBody>
-      </p:sp>
-      <p:sp>
-        <p:nvSpPr>
-          <p:cNvPr id="47" name="Google Shape;47;p11"/>
-          <p:cNvSpPr txBox="1"/>
-          <p:nvPr>
-            <p:ph idx="12" type="sldNum"/>
+            <p:ph type="sldNum" idx="12"/>
           </p:nvPr>
         </p:nvSpPr>
         <p:spPr>
@@ -2062,7 +1616,7 @@
           </a:prstGeom>
         </p:spPr>
         <p:txBody>
-          <a:bodyPr anchorCtr="0" anchor="ctr" bIns="91425" lIns="91425" spcFirstLastPara="1" rIns="91425" wrap="square" tIns="91425">
+          <a:bodyPr spcFirstLastPara="1" wrap="square" lIns="91425" tIns="91425" rIns="91425" bIns="91425" anchor="ctr" anchorCtr="0">
             <a:normAutofit/>
           </a:bodyPr>
           <a:lstStyle>
@@ -2104,7 +1658,7 @@
             </a:lvl9pPr>
           </a:lstStyle>
           <a:p>
-            <a:pPr indent="0" lvl="0" marL="0" rtl="0" algn="r">
+            <a:pPr marL="0" lvl="0" indent="0" algn="r" rtl="0">
               <a:spcBef>
                 <a:spcPts val="0"/>
               </a:spcBef>
@@ -2130,113 +1684,11 @@
 </file>
 
 <file path=ppt/slideLayouts/slideLayout11.xml><?xml version="1.0" encoding="utf-8"?>
-<p:sldLayout xmlns:a="http://schemas.openxmlformats.org/drawingml/2006/main" xmlns:r="http://schemas.openxmlformats.org/officeDocument/2006/relationships" xmlns:mc="http://schemas.openxmlformats.org/markup-compatibility/2006" xmlns:mv="urn:schemas-microsoft-com:mac:vml" xmlns:p="http://schemas.openxmlformats.org/presentationml/2006/main" xmlns:c="http://schemas.openxmlformats.org/drawingml/2006/chart" xmlns:dgm="http://schemas.openxmlformats.org/drawingml/2006/diagram" xmlns:o="urn:schemas-microsoft-com:office:office" xmlns:v="urn:schemas-microsoft-com:vml" xmlns:pvml="urn:schemas-microsoft-com:office:powerpoint" xmlns:com="http://schemas.openxmlformats.org/drawingml/2006/compatibility" xmlns:p14="http://schemas.microsoft.com/office/powerpoint/2010/main" xmlns:p15="http://schemas.microsoft.com/office/powerpoint/2012/main" xmlns:ahyp="http://schemas.microsoft.com/office/drawing/2018/hyperlinkcolor" matchingName="Blank" type="blank">
-  <p:cSld name="BLANK">
-    <p:spTree>
-      <p:nvGrpSpPr>
-        <p:cNvPr id="48" name="Shape 48"/>
-        <p:cNvGrpSpPr/>
-        <p:nvPr/>
-      </p:nvGrpSpPr>
-      <p:grpSpPr>
-        <a:xfrm>
-          <a:off x="0" y="0"/>
-          <a:ext cx="0" cy="0"/>
-          <a:chOff x="0" y="0"/>
-          <a:chExt cx="0" cy="0"/>
-        </a:xfrm>
-      </p:grpSpPr>
-      <p:sp>
-        <p:nvSpPr>
-          <p:cNvPr id="49" name="Google Shape;49;p12"/>
-          <p:cNvSpPr txBox="1"/>
-          <p:nvPr>
-            <p:ph idx="12" type="sldNum"/>
-          </p:nvPr>
-        </p:nvSpPr>
-        <p:spPr>
-          <a:xfrm>
-            <a:off x="8472458" y="4663217"/>
-            <a:ext cx="548700" cy="393600"/>
-          </a:xfrm>
-          <a:prstGeom prst="rect">
-            <a:avLst/>
-          </a:prstGeom>
-        </p:spPr>
-        <p:txBody>
-          <a:bodyPr anchorCtr="0" anchor="ctr" bIns="91425" lIns="91425" spcFirstLastPara="1" rIns="91425" wrap="square" tIns="91425">
-            <a:normAutofit/>
-          </a:bodyPr>
-          <a:lstStyle>
-            <a:lvl1pPr lvl="0">
-              <a:buNone/>
-              <a:defRPr/>
-            </a:lvl1pPr>
-            <a:lvl2pPr lvl="1">
-              <a:buNone/>
-              <a:defRPr/>
-            </a:lvl2pPr>
-            <a:lvl3pPr lvl="2">
-              <a:buNone/>
-              <a:defRPr/>
-            </a:lvl3pPr>
-            <a:lvl4pPr lvl="3">
-              <a:buNone/>
-              <a:defRPr/>
-            </a:lvl4pPr>
-            <a:lvl5pPr lvl="4">
-              <a:buNone/>
-              <a:defRPr/>
-            </a:lvl5pPr>
-            <a:lvl6pPr lvl="5">
-              <a:buNone/>
-              <a:defRPr/>
-            </a:lvl6pPr>
-            <a:lvl7pPr lvl="6">
-              <a:buNone/>
-              <a:defRPr/>
-            </a:lvl7pPr>
-            <a:lvl8pPr lvl="7">
-              <a:buNone/>
-              <a:defRPr/>
-            </a:lvl8pPr>
-            <a:lvl9pPr lvl="8">
-              <a:buNone/>
-              <a:defRPr/>
-            </a:lvl9pPr>
-          </a:lstStyle>
-          <a:p>
-            <a:pPr indent="0" lvl="0" marL="0" rtl="0" algn="r">
-              <a:spcBef>
-                <a:spcPts val="0"/>
-              </a:spcBef>
-              <a:spcAft>
-                <a:spcPts val="0"/>
-              </a:spcAft>
-              <a:buNone/>
-            </a:pPr>
-            <a:fld id="{00000000-1234-1234-1234-123412341234}" type="slidenum">
-              <a:rPr lang="en"/>
-              <a:t>‹#›</a:t>
-            </a:fld>
-            <a:endParaRPr/>
-          </a:p>
-        </p:txBody>
-      </p:sp>
-    </p:spTree>
-  </p:cSld>
-  <p:clrMapOvr>
-    <a:masterClrMapping/>
-  </p:clrMapOvr>
-</p:sldLayout>
-</file>
-
-<file path=ppt/slideLayouts/slideLayout12.xml><?xml version="1.0" encoding="utf-8"?>
-<p:sldLayout xmlns:a="http://schemas.openxmlformats.org/drawingml/2006/main" xmlns:r="http://schemas.openxmlformats.org/officeDocument/2006/relationships" xmlns:mc="http://schemas.openxmlformats.org/markup-compatibility/2006" xmlns:mv="urn:schemas-microsoft-com:mac:vml" xmlns:p="http://schemas.openxmlformats.org/presentationml/2006/main" xmlns:c="http://schemas.openxmlformats.org/drawingml/2006/chart" xmlns:dgm="http://schemas.openxmlformats.org/drawingml/2006/diagram" xmlns:o="urn:schemas-microsoft-com:office:office" xmlns:v="urn:schemas-microsoft-com:vml" xmlns:pvml="urn:schemas-microsoft-com:office:powerpoint" xmlns:com="http://schemas.openxmlformats.org/drawingml/2006/compatibility" xmlns:p14="http://schemas.microsoft.com/office/powerpoint/2010/main" xmlns:p15="http://schemas.microsoft.com/office/powerpoint/2012/main" xmlns:ahyp="http://schemas.microsoft.com/office/drawing/2018/hyperlinkcolor" matchingName="Два объекта" type="twoObj">
+<p:sldLayout xmlns:a="http://schemas.openxmlformats.org/drawingml/2006/main" xmlns:r="http://schemas.openxmlformats.org/officeDocument/2006/relationships" xmlns:p="http://schemas.openxmlformats.org/presentationml/2006/main" matchingName="Два объекта" type="twoObj">
   <p:cSld name="TWO_OBJECTS">
     <p:spTree>
       <p:nvGrpSpPr>
-        <p:cNvPr id="50" name="Shape 50"/>
+        <p:cNvPr id="1" name="Shape 50"/>
         <p:cNvGrpSpPr/>
         <p:nvPr/>
       </p:nvGrpSpPr>
@@ -2251,7 +1703,9 @@
       <p:sp>
         <p:nvSpPr>
           <p:cNvPr id="51" name="Google Shape;51;p13"/>
-          <p:cNvSpPr txBox="1"/>
+          <p:cNvSpPr txBox="1">
+            <a:spLocks noGrp="1"/>
+          </p:cNvSpPr>
           <p:nvPr>
             <p:ph type="title"/>
           </p:nvPr>
@@ -2270,11 +1724,11 @@
           </a:ln>
         </p:spPr>
         <p:txBody>
-          <a:bodyPr anchorCtr="0" anchor="ctr" bIns="34275" lIns="68575" spcFirstLastPara="1" rIns="68575" wrap="square" tIns="34275">
+          <a:bodyPr spcFirstLastPara="1" wrap="square" lIns="68575" tIns="34275" rIns="68575" bIns="34275" anchor="ctr" anchorCtr="0">
             <a:normAutofit/>
           </a:bodyPr>
           <a:lstStyle>
-            <a:lvl1pPr lvl="0" rtl="0" algn="l">
+            <a:lvl1pPr lvl="0" algn="l" rtl="0">
               <a:lnSpc>
                 <a:spcPct val="90000"/>
               </a:lnSpc>
@@ -2380,15 +1834,19 @@
               <a:defRPr/>
             </a:lvl9pPr>
           </a:lstStyle>
-          <a:p/>
+          <a:p>
+            <a:endParaRPr/>
+          </a:p>
         </p:txBody>
       </p:sp>
       <p:sp>
         <p:nvSpPr>
           <p:cNvPr id="52" name="Google Shape;52;p13"/>
-          <p:cNvSpPr txBox="1"/>
+          <p:cNvSpPr txBox="1">
+            <a:spLocks noGrp="1"/>
+          </p:cNvSpPr>
           <p:nvPr>
-            <p:ph idx="1" type="body"/>
+            <p:ph type="body" idx="1"/>
           </p:nvPr>
         </p:nvSpPr>
         <p:spPr>
@@ -2405,11 +1863,11 @@
           </a:ln>
         </p:spPr>
         <p:txBody>
-          <a:bodyPr anchorCtr="0" anchor="t" bIns="34275" lIns="68575" spcFirstLastPara="1" rIns="68575" wrap="square" tIns="34275">
+          <a:bodyPr spcFirstLastPara="1" wrap="square" lIns="68575" tIns="34275" rIns="68575" bIns="34275" anchor="t" anchorCtr="0">
             <a:normAutofit/>
           </a:bodyPr>
           <a:lstStyle>
-            <a:lvl1pPr indent="-317500" lvl="0" marL="457200" rtl="0" algn="l">
+            <a:lvl1pPr marL="457200" lvl="0" indent="-317500" algn="l" rtl="0">
               <a:lnSpc>
                 <a:spcPct val="90000"/>
               </a:lnSpc>
@@ -2426,7 +1884,7 @@
               <a:buChar char="●"/>
               <a:defRPr/>
             </a:lvl1pPr>
-            <a:lvl2pPr indent="-317500" lvl="1" marL="914400" rtl="0" algn="l">
+            <a:lvl2pPr marL="914400" lvl="1" indent="-317500" algn="l" rtl="0">
               <a:lnSpc>
                 <a:spcPct val="90000"/>
               </a:lnSpc>
@@ -2443,7 +1901,7 @@
               <a:buChar char="○"/>
               <a:defRPr/>
             </a:lvl2pPr>
-            <a:lvl3pPr indent="-317500" lvl="2" marL="1371600" rtl="0" algn="l">
+            <a:lvl3pPr marL="1371600" lvl="2" indent="-317500" algn="l" rtl="0">
               <a:lnSpc>
                 <a:spcPct val="90000"/>
               </a:lnSpc>
@@ -2460,7 +1918,7 @@
               <a:buChar char="■"/>
               <a:defRPr/>
             </a:lvl3pPr>
-            <a:lvl4pPr indent="-317500" lvl="3" marL="1828800" rtl="0" algn="l">
+            <a:lvl4pPr marL="1828800" lvl="3" indent="-317500" algn="l" rtl="0">
               <a:lnSpc>
                 <a:spcPct val="90000"/>
               </a:lnSpc>
@@ -2477,7 +1935,7 @@
               <a:buChar char="●"/>
               <a:defRPr/>
             </a:lvl4pPr>
-            <a:lvl5pPr indent="-317500" lvl="4" marL="2286000" rtl="0" algn="l">
+            <a:lvl5pPr marL="2286000" lvl="4" indent="-317500" algn="l" rtl="0">
               <a:lnSpc>
                 <a:spcPct val="90000"/>
               </a:lnSpc>
@@ -2494,7 +1952,7 @@
               <a:buChar char="○"/>
               <a:defRPr/>
             </a:lvl5pPr>
-            <a:lvl6pPr indent="-317500" lvl="5" marL="2743200" rtl="0" algn="l">
+            <a:lvl6pPr marL="2743200" lvl="5" indent="-317500" algn="l" rtl="0">
               <a:lnSpc>
                 <a:spcPct val="90000"/>
               </a:lnSpc>
@@ -2511,7 +1969,7 @@
               <a:buChar char="■"/>
               <a:defRPr/>
             </a:lvl6pPr>
-            <a:lvl7pPr indent="-317500" lvl="6" marL="3200400" rtl="0" algn="l">
+            <a:lvl7pPr marL="3200400" lvl="6" indent="-317500" algn="l" rtl="0">
               <a:lnSpc>
                 <a:spcPct val="90000"/>
               </a:lnSpc>
@@ -2528,7 +1986,7 @@
               <a:buChar char="●"/>
               <a:defRPr/>
             </a:lvl7pPr>
-            <a:lvl8pPr indent="-317500" lvl="7" marL="3657600" rtl="0" algn="l">
+            <a:lvl8pPr marL="3657600" lvl="7" indent="-317500" algn="l" rtl="0">
               <a:lnSpc>
                 <a:spcPct val="90000"/>
               </a:lnSpc>
@@ -2545,7 +2003,7 @@
               <a:buChar char="○"/>
               <a:defRPr/>
             </a:lvl8pPr>
-            <a:lvl9pPr indent="-317500" lvl="8" marL="4114800" rtl="0" algn="l">
+            <a:lvl9pPr marL="4114800" lvl="8" indent="-317500" algn="l" rtl="0">
               <a:lnSpc>
                 <a:spcPct val="90000"/>
               </a:lnSpc>
@@ -2563,15 +2021,19 @@
               <a:defRPr/>
             </a:lvl9pPr>
           </a:lstStyle>
-          <a:p/>
+          <a:p>
+            <a:endParaRPr/>
+          </a:p>
         </p:txBody>
       </p:sp>
       <p:sp>
         <p:nvSpPr>
           <p:cNvPr id="53" name="Google Shape;53;p13"/>
-          <p:cNvSpPr txBox="1"/>
+          <p:cNvSpPr txBox="1">
+            <a:spLocks noGrp="1"/>
+          </p:cNvSpPr>
           <p:nvPr>
-            <p:ph idx="2" type="body"/>
+            <p:ph type="body" idx="2"/>
           </p:nvPr>
         </p:nvSpPr>
         <p:spPr>
@@ -2588,11 +2050,11 @@
           </a:ln>
         </p:spPr>
         <p:txBody>
-          <a:bodyPr anchorCtr="0" anchor="t" bIns="34275" lIns="68575" spcFirstLastPara="1" rIns="68575" wrap="square" tIns="34275">
+          <a:bodyPr spcFirstLastPara="1" wrap="square" lIns="68575" tIns="34275" rIns="68575" bIns="34275" anchor="t" anchorCtr="0">
             <a:normAutofit/>
           </a:bodyPr>
           <a:lstStyle>
-            <a:lvl1pPr indent="-317500" lvl="0" marL="457200" rtl="0" algn="l">
+            <a:lvl1pPr marL="457200" lvl="0" indent="-317500" algn="l" rtl="0">
               <a:lnSpc>
                 <a:spcPct val="90000"/>
               </a:lnSpc>
@@ -2609,7 +2071,7 @@
               <a:buChar char="●"/>
               <a:defRPr/>
             </a:lvl1pPr>
-            <a:lvl2pPr indent="-317500" lvl="1" marL="914400" rtl="0" algn="l">
+            <a:lvl2pPr marL="914400" lvl="1" indent="-317500" algn="l" rtl="0">
               <a:lnSpc>
                 <a:spcPct val="90000"/>
               </a:lnSpc>
@@ -2626,7 +2088,7 @@
               <a:buChar char="○"/>
               <a:defRPr/>
             </a:lvl2pPr>
-            <a:lvl3pPr indent="-317500" lvl="2" marL="1371600" rtl="0" algn="l">
+            <a:lvl3pPr marL="1371600" lvl="2" indent="-317500" algn="l" rtl="0">
               <a:lnSpc>
                 <a:spcPct val="90000"/>
               </a:lnSpc>
@@ -2643,7 +2105,7 @@
               <a:buChar char="■"/>
               <a:defRPr/>
             </a:lvl3pPr>
-            <a:lvl4pPr indent="-317500" lvl="3" marL="1828800" rtl="0" algn="l">
+            <a:lvl4pPr marL="1828800" lvl="3" indent="-317500" algn="l" rtl="0">
               <a:lnSpc>
                 <a:spcPct val="90000"/>
               </a:lnSpc>
@@ -2660,7 +2122,7 @@
               <a:buChar char="●"/>
               <a:defRPr/>
             </a:lvl4pPr>
-            <a:lvl5pPr indent="-317500" lvl="4" marL="2286000" rtl="0" algn="l">
+            <a:lvl5pPr marL="2286000" lvl="4" indent="-317500" algn="l" rtl="0">
               <a:lnSpc>
                 <a:spcPct val="90000"/>
               </a:lnSpc>
@@ -2677,7 +2139,7 @@
               <a:buChar char="○"/>
               <a:defRPr/>
             </a:lvl5pPr>
-            <a:lvl6pPr indent="-317500" lvl="5" marL="2743200" rtl="0" algn="l">
+            <a:lvl6pPr marL="2743200" lvl="5" indent="-317500" algn="l" rtl="0">
               <a:lnSpc>
                 <a:spcPct val="90000"/>
               </a:lnSpc>
@@ -2694,7 +2156,7 @@
               <a:buChar char="■"/>
               <a:defRPr/>
             </a:lvl6pPr>
-            <a:lvl7pPr indent="-317500" lvl="6" marL="3200400" rtl="0" algn="l">
+            <a:lvl7pPr marL="3200400" lvl="6" indent="-317500" algn="l" rtl="0">
               <a:lnSpc>
                 <a:spcPct val="90000"/>
               </a:lnSpc>
@@ -2711,7 +2173,7 @@
               <a:buChar char="●"/>
               <a:defRPr/>
             </a:lvl7pPr>
-            <a:lvl8pPr indent="-317500" lvl="7" marL="3657600" rtl="0" algn="l">
+            <a:lvl8pPr marL="3657600" lvl="7" indent="-317500" algn="l" rtl="0">
               <a:lnSpc>
                 <a:spcPct val="90000"/>
               </a:lnSpc>
@@ -2728,7 +2190,7 @@
               <a:buChar char="○"/>
               <a:defRPr/>
             </a:lvl8pPr>
-            <a:lvl9pPr indent="-317500" lvl="8" marL="4114800" rtl="0" algn="l">
+            <a:lvl9pPr marL="4114800" lvl="8" indent="-317500" algn="l" rtl="0">
               <a:lnSpc>
                 <a:spcPct val="90000"/>
               </a:lnSpc>
@@ -2746,15 +2208,19 @@
               <a:defRPr/>
             </a:lvl9pPr>
           </a:lstStyle>
-          <a:p/>
+          <a:p>
+            <a:endParaRPr/>
+          </a:p>
         </p:txBody>
       </p:sp>
       <p:sp>
         <p:nvSpPr>
           <p:cNvPr id="54" name="Google Shape;54;p13"/>
-          <p:cNvSpPr txBox="1"/>
+          <p:cNvSpPr txBox="1">
+            <a:spLocks noGrp="1"/>
+          </p:cNvSpPr>
           <p:nvPr>
-            <p:ph idx="10" type="dt"/>
+            <p:ph type="dt" idx="10"/>
           </p:nvPr>
         </p:nvSpPr>
         <p:spPr>
@@ -2771,11 +2237,11 @@
           </a:ln>
         </p:spPr>
         <p:txBody>
-          <a:bodyPr anchorCtr="0" anchor="ctr" bIns="34275" lIns="68575" spcFirstLastPara="1" rIns="68575" wrap="square" tIns="34275">
+          <a:bodyPr spcFirstLastPara="1" wrap="square" lIns="68575" tIns="34275" rIns="68575" bIns="34275" anchor="ctr" anchorCtr="0">
             <a:noAutofit/>
           </a:bodyPr>
           <a:lstStyle>
-            <a:lvl1pPr lvl="0" rtl="0" algn="l">
+            <a:lvl1pPr lvl="0" algn="l" rtl="0">
               <a:spcBef>
                 <a:spcPts val="0"/>
               </a:spcBef>
@@ -2786,7 +2252,7 @@
               <a:buNone/>
               <a:defRPr sz="1100"/>
             </a:lvl1pPr>
-            <a:lvl2pPr lvl="1" rtl="0" algn="l">
+            <a:lvl2pPr lvl="1" algn="l" rtl="0">
               <a:spcBef>
                 <a:spcPts val="0"/>
               </a:spcBef>
@@ -2797,7 +2263,7 @@
               <a:buNone/>
               <a:defRPr sz="1100"/>
             </a:lvl2pPr>
-            <a:lvl3pPr lvl="2" rtl="0" algn="l">
+            <a:lvl3pPr lvl="2" algn="l" rtl="0">
               <a:spcBef>
                 <a:spcPts val="0"/>
               </a:spcBef>
@@ -2808,7 +2274,7 @@
               <a:buNone/>
               <a:defRPr sz="1100"/>
             </a:lvl3pPr>
-            <a:lvl4pPr lvl="3" rtl="0" algn="l">
+            <a:lvl4pPr lvl="3" algn="l" rtl="0">
               <a:spcBef>
                 <a:spcPts val="0"/>
               </a:spcBef>
@@ -2819,7 +2285,7 @@
               <a:buNone/>
               <a:defRPr sz="1100"/>
             </a:lvl4pPr>
-            <a:lvl5pPr lvl="4" rtl="0" algn="l">
+            <a:lvl5pPr lvl="4" algn="l" rtl="0">
               <a:spcBef>
                 <a:spcPts val="0"/>
               </a:spcBef>
@@ -2830,7 +2296,7 @@
               <a:buNone/>
               <a:defRPr sz="1100"/>
             </a:lvl5pPr>
-            <a:lvl6pPr lvl="5" rtl="0" algn="l">
+            <a:lvl6pPr lvl="5" algn="l" rtl="0">
               <a:spcBef>
                 <a:spcPts val="0"/>
               </a:spcBef>
@@ -2841,7 +2307,7 @@
               <a:buNone/>
               <a:defRPr sz="1100"/>
             </a:lvl6pPr>
-            <a:lvl7pPr lvl="6" rtl="0" algn="l">
+            <a:lvl7pPr lvl="6" algn="l" rtl="0">
               <a:spcBef>
                 <a:spcPts val="0"/>
               </a:spcBef>
@@ -2852,7 +2318,7 @@
               <a:buNone/>
               <a:defRPr sz="1100"/>
             </a:lvl7pPr>
-            <a:lvl8pPr lvl="7" rtl="0" algn="l">
+            <a:lvl8pPr lvl="7" algn="l" rtl="0">
               <a:spcBef>
                 <a:spcPts val="0"/>
               </a:spcBef>
@@ -2863,7 +2329,7 @@
               <a:buNone/>
               <a:defRPr sz="1100"/>
             </a:lvl8pPr>
-            <a:lvl9pPr lvl="8" rtl="0" algn="l">
+            <a:lvl9pPr lvl="8" algn="l" rtl="0">
               <a:spcBef>
                 <a:spcPts val="0"/>
               </a:spcBef>
@@ -2875,15 +2341,19 @@
               <a:defRPr sz="1100"/>
             </a:lvl9pPr>
           </a:lstStyle>
-          <a:p/>
+          <a:p>
+            <a:endParaRPr/>
+          </a:p>
         </p:txBody>
       </p:sp>
       <p:sp>
         <p:nvSpPr>
           <p:cNvPr id="55" name="Google Shape;55;p13"/>
-          <p:cNvSpPr txBox="1"/>
+          <p:cNvSpPr txBox="1">
+            <a:spLocks noGrp="1"/>
+          </p:cNvSpPr>
           <p:nvPr>
-            <p:ph idx="11" type="ftr"/>
+            <p:ph type="ftr" idx="11"/>
           </p:nvPr>
         </p:nvSpPr>
         <p:spPr>
@@ -2900,11 +2370,11 @@
           </a:ln>
         </p:spPr>
         <p:txBody>
-          <a:bodyPr anchorCtr="0" anchor="ctr" bIns="34275" lIns="68575" spcFirstLastPara="1" rIns="68575" wrap="square" tIns="34275">
+          <a:bodyPr spcFirstLastPara="1" wrap="square" lIns="68575" tIns="34275" rIns="68575" bIns="34275" anchor="ctr" anchorCtr="0">
             <a:noAutofit/>
           </a:bodyPr>
           <a:lstStyle>
-            <a:lvl1pPr lvl="0" rtl="0" algn="ctr">
+            <a:lvl1pPr lvl="0" algn="ctr" rtl="0">
               <a:spcBef>
                 <a:spcPts val="0"/>
               </a:spcBef>
@@ -2915,7 +2385,7 @@
               <a:buNone/>
               <a:defRPr sz="1100"/>
             </a:lvl1pPr>
-            <a:lvl2pPr lvl="1" rtl="0" algn="l">
+            <a:lvl2pPr lvl="1" algn="l" rtl="0">
               <a:spcBef>
                 <a:spcPts val="0"/>
               </a:spcBef>
@@ -2926,7 +2396,7 @@
               <a:buNone/>
               <a:defRPr sz="1100"/>
             </a:lvl2pPr>
-            <a:lvl3pPr lvl="2" rtl="0" algn="l">
+            <a:lvl3pPr lvl="2" algn="l" rtl="0">
               <a:spcBef>
                 <a:spcPts val="0"/>
               </a:spcBef>
@@ -2937,7 +2407,7 @@
               <a:buNone/>
               <a:defRPr sz="1100"/>
             </a:lvl3pPr>
-            <a:lvl4pPr lvl="3" rtl="0" algn="l">
+            <a:lvl4pPr lvl="3" algn="l" rtl="0">
               <a:spcBef>
                 <a:spcPts val="0"/>
               </a:spcBef>
@@ -2948,7 +2418,7 @@
               <a:buNone/>
               <a:defRPr sz="1100"/>
             </a:lvl4pPr>
-            <a:lvl5pPr lvl="4" rtl="0" algn="l">
+            <a:lvl5pPr lvl="4" algn="l" rtl="0">
               <a:spcBef>
                 <a:spcPts val="0"/>
               </a:spcBef>
@@ -2959,7 +2429,7 @@
               <a:buNone/>
               <a:defRPr sz="1100"/>
             </a:lvl5pPr>
-            <a:lvl6pPr lvl="5" rtl="0" algn="l">
+            <a:lvl6pPr lvl="5" algn="l" rtl="0">
               <a:spcBef>
                 <a:spcPts val="0"/>
               </a:spcBef>
@@ -2970,7 +2440,7 @@
               <a:buNone/>
               <a:defRPr sz="1100"/>
             </a:lvl6pPr>
-            <a:lvl7pPr lvl="6" rtl="0" algn="l">
+            <a:lvl7pPr lvl="6" algn="l" rtl="0">
               <a:spcBef>
                 <a:spcPts val="0"/>
               </a:spcBef>
@@ -2981,7 +2451,7 @@
               <a:buNone/>
               <a:defRPr sz="1100"/>
             </a:lvl7pPr>
-            <a:lvl8pPr lvl="7" rtl="0" algn="l">
+            <a:lvl8pPr lvl="7" algn="l" rtl="0">
               <a:spcBef>
                 <a:spcPts val="0"/>
               </a:spcBef>
@@ -2992,7 +2462,7 @@
               <a:buNone/>
               <a:defRPr sz="1100"/>
             </a:lvl8pPr>
-            <a:lvl9pPr lvl="8" rtl="0" algn="l">
+            <a:lvl9pPr lvl="8" algn="l" rtl="0">
               <a:spcBef>
                 <a:spcPts val="0"/>
               </a:spcBef>
@@ -3004,15 +2474,19 @@
               <a:defRPr sz="1100"/>
             </a:lvl9pPr>
           </a:lstStyle>
-          <a:p/>
+          <a:p>
+            <a:endParaRPr/>
+          </a:p>
         </p:txBody>
       </p:sp>
       <p:sp>
         <p:nvSpPr>
           <p:cNvPr id="56" name="Google Shape;56;p13"/>
-          <p:cNvSpPr txBox="1"/>
+          <p:cNvSpPr txBox="1">
+            <a:spLocks noGrp="1"/>
+          </p:cNvSpPr>
           <p:nvPr>
-            <p:ph idx="12" type="sldNum"/>
+            <p:ph type="sldNum" idx="12"/>
           </p:nvPr>
         </p:nvSpPr>
         <p:spPr>
@@ -3029,67 +2503,67 @@
           </a:ln>
         </p:spPr>
         <p:txBody>
-          <a:bodyPr anchorCtr="0" anchor="ctr" bIns="34275" lIns="68575" spcFirstLastPara="1" rIns="68575" wrap="square" tIns="34275">
+          <a:bodyPr spcFirstLastPara="1" wrap="square" lIns="68575" tIns="34275" rIns="68575" bIns="34275" anchor="ctr" anchorCtr="0">
             <a:normAutofit/>
           </a:bodyPr>
           <a:lstStyle>
-            <a:lvl1pPr indent="0" lvl="0" marL="0" rtl="0" algn="r">
+            <a:lvl1pPr marL="0" lvl="0" indent="0" algn="r" rtl="0">
               <a:spcBef>
                 <a:spcPts val="0"/>
               </a:spcBef>
               <a:buNone/>
               <a:defRPr/>
             </a:lvl1pPr>
-            <a:lvl2pPr indent="0" lvl="1" marL="0" rtl="0" algn="r">
+            <a:lvl2pPr marL="0" lvl="1" indent="0" algn="r" rtl="0">
               <a:spcBef>
                 <a:spcPts val="0"/>
               </a:spcBef>
               <a:buNone/>
               <a:defRPr/>
             </a:lvl2pPr>
-            <a:lvl3pPr indent="0" lvl="2" marL="0" rtl="0" algn="r">
+            <a:lvl3pPr marL="0" lvl="2" indent="0" algn="r" rtl="0">
               <a:spcBef>
                 <a:spcPts val="0"/>
               </a:spcBef>
               <a:buNone/>
               <a:defRPr/>
             </a:lvl3pPr>
-            <a:lvl4pPr indent="0" lvl="3" marL="0" rtl="0" algn="r">
+            <a:lvl4pPr marL="0" lvl="3" indent="0" algn="r" rtl="0">
               <a:spcBef>
                 <a:spcPts val="0"/>
               </a:spcBef>
               <a:buNone/>
               <a:defRPr/>
             </a:lvl4pPr>
-            <a:lvl5pPr indent="0" lvl="4" marL="0" rtl="0" algn="r">
+            <a:lvl5pPr marL="0" lvl="4" indent="0" algn="r" rtl="0">
               <a:spcBef>
                 <a:spcPts val="0"/>
               </a:spcBef>
               <a:buNone/>
               <a:defRPr/>
             </a:lvl5pPr>
-            <a:lvl6pPr indent="0" lvl="5" marL="0" rtl="0" algn="r">
+            <a:lvl6pPr marL="0" lvl="5" indent="0" algn="r" rtl="0">
               <a:spcBef>
                 <a:spcPts val="0"/>
               </a:spcBef>
               <a:buNone/>
               <a:defRPr/>
             </a:lvl6pPr>
-            <a:lvl7pPr indent="0" lvl="6" marL="0" rtl="0" algn="r">
+            <a:lvl7pPr marL="0" lvl="6" indent="0" algn="r" rtl="0">
               <a:spcBef>
                 <a:spcPts val="0"/>
               </a:spcBef>
               <a:buNone/>
               <a:defRPr/>
             </a:lvl7pPr>
-            <a:lvl8pPr indent="0" lvl="7" marL="0" rtl="0" algn="r">
+            <a:lvl8pPr marL="0" lvl="7" indent="0" algn="r" rtl="0">
               <a:spcBef>
                 <a:spcPts val="0"/>
               </a:spcBef>
               <a:buNone/>
               <a:defRPr/>
             </a:lvl8pPr>
-            <a:lvl9pPr indent="0" lvl="8" marL="0" rtl="0" algn="r">
+            <a:lvl9pPr marL="0" lvl="8" indent="0" algn="r" rtl="0">
               <a:spcBef>
                 <a:spcPts val="0"/>
               </a:spcBef>
@@ -3098,7 +2572,7 @@
             </a:lvl9pPr>
           </a:lstStyle>
           <a:p>
-            <a:pPr indent="0" lvl="0" marL="0" rtl="0" algn="r">
+            <a:pPr marL="0" lvl="0" indent="0" algn="r" rtl="0">
               <a:spcBef>
                 <a:spcPts val="0"/>
               </a:spcBef>
@@ -3124,11 +2598,11 @@
 </file>
 
 <file path=ppt/slideLayouts/slideLayout2.xml><?xml version="1.0" encoding="utf-8"?>
-<p:sldLayout xmlns:a="http://schemas.openxmlformats.org/drawingml/2006/main" xmlns:r="http://schemas.openxmlformats.org/officeDocument/2006/relationships" xmlns:mc="http://schemas.openxmlformats.org/markup-compatibility/2006" xmlns:mv="urn:schemas-microsoft-com:mac:vml" xmlns:p="http://schemas.openxmlformats.org/presentationml/2006/main" xmlns:c="http://schemas.openxmlformats.org/drawingml/2006/chart" xmlns:dgm="http://schemas.openxmlformats.org/drawingml/2006/diagram" xmlns:o="urn:schemas-microsoft-com:office:office" xmlns:v="urn:schemas-microsoft-com:vml" xmlns:pvml="urn:schemas-microsoft-com:office:powerpoint" xmlns:com="http://schemas.openxmlformats.org/drawingml/2006/compatibility" xmlns:p14="http://schemas.microsoft.com/office/powerpoint/2010/main" xmlns:p15="http://schemas.microsoft.com/office/powerpoint/2012/main" xmlns:ahyp="http://schemas.microsoft.com/office/drawing/2018/hyperlinkcolor" matchingName="Section header" type="secHead">
-  <p:cSld name="SECTION_HEADER">
+<p:sldLayout xmlns:a="http://schemas.openxmlformats.org/drawingml/2006/main" xmlns:r="http://schemas.openxmlformats.org/officeDocument/2006/relationships" xmlns:p="http://schemas.openxmlformats.org/presentationml/2006/main" matchingName="Title and body" type="tx">
+  <p:cSld name="TITLE_AND_BODY">
     <p:spTree>
       <p:nvGrpSpPr>
-        <p:cNvPr id="13" name="Shape 13"/>
+        <p:cNvPr id="1" name="Shape 16"/>
         <p:cNvGrpSpPr/>
         <p:nvPr/>
       </p:nvGrpSpPr>
@@ -3142,135 +2616,270 @@
       </p:grpSpPr>
       <p:sp>
         <p:nvSpPr>
-          <p:cNvPr id="14" name="Google Shape;14;p3"/>
-          <p:cNvSpPr txBox="1"/>
+          <p:cNvPr id="17" name="Google Shape;17;p4"/>
+          <p:cNvSpPr txBox="1">
+            <a:spLocks noGrp="1"/>
+          </p:cNvSpPr>
           <p:nvPr>
             <p:ph type="title"/>
           </p:nvPr>
         </p:nvSpPr>
         <p:spPr>
           <a:xfrm>
-            <a:off x="311700" y="2150850"/>
-            <a:ext cx="8520600" cy="841800"/>
+            <a:off x="311700" y="445025"/>
+            <a:ext cx="8520600" cy="572700"/>
           </a:xfrm>
           <a:prstGeom prst="rect">
             <a:avLst/>
           </a:prstGeom>
         </p:spPr>
         <p:txBody>
-          <a:bodyPr anchorCtr="0" anchor="ctr" bIns="91425" lIns="91425" spcFirstLastPara="1" rIns="91425" wrap="square" tIns="91425">
+          <a:bodyPr spcFirstLastPara="1" wrap="square" lIns="91425" tIns="91425" rIns="91425" bIns="91425" anchor="t" anchorCtr="0">
             <a:normAutofit/>
           </a:bodyPr>
           <a:lstStyle>
-            <a:lvl1pPr lvl="0" algn="ctr">
-              <a:spcBef>
-                <a:spcPts val="0"/>
-              </a:spcBef>
-              <a:spcAft>
-                <a:spcPts val="0"/>
-              </a:spcAft>
-              <a:buSzPts val="3600"/>
-              <a:buNone/>
-              <a:defRPr sz="3600"/>
+            <a:lvl1pPr lvl="0">
+              <a:spcBef>
+                <a:spcPts val="0"/>
+              </a:spcBef>
+              <a:spcAft>
+                <a:spcPts val="0"/>
+              </a:spcAft>
+              <a:buSzPts val="2800"/>
+              <a:buNone/>
+              <a:defRPr/>
             </a:lvl1pPr>
-            <a:lvl2pPr lvl="1" algn="ctr">
-              <a:spcBef>
-                <a:spcPts val="0"/>
-              </a:spcBef>
-              <a:spcAft>
-                <a:spcPts val="0"/>
-              </a:spcAft>
-              <a:buSzPts val="3600"/>
-              <a:buNone/>
-              <a:defRPr sz="3600"/>
+            <a:lvl2pPr lvl="1">
+              <a:spcBef>
+                <a:spcPts val="0"/>
+              </a:spcBef>
+              <a:spcAft>
+                <a:spcPts val="0"/>
+              </a:spcAft>
+              <a:buSzPts val="2800"/>
+              <a:buNone/>
+              <a:defRPr/>
             </a:lvl2pPr>
-            <a:lvl3pPr lvl="2" algn="ctr">
-              <a:spcBef>
-                <a:spcPts val="0"/>
-              </a:spcBef>
-              <a:spcAft>
-                <a:spcPts val="0"/>
-              </a:spcAft>
-              <a:buSzPts val="3600"/>
-              <a:buNone/>
-              <a:defRPr sz="3600"/>
+            <a:lvl3pPr lvl="2">
+              <a:spcBef>
+                <a:spcPts val="0"/>
+              </a:spcBef>
+              <a:spcAft>
+                <a:spcPts val="0"/>
+              </a:spcAft>
+              <a:buSzPts val="2800"/>
+              <a:buNone/>
+              <a:defRPr/>
             </a:lvl3pPr>
-            <a:lvl4pPr lvl="3" algn="ctr">
-              <a:spcBef>
-                <a:spcPts val="0"/>
-              </a:spcBef>
-              <a:spcAft>
-                <a:spcPts val="0"/>
-              </a:spcAft>
-              <a:buSzPts val="3600"/>
-              <a:buNone/>
-              <a:defRPr sz="3600"/>
+            <a:lvl4pPr lvl="3">
+              <a:spcBef>
+                <a:spcPts val="0"/>
+              </a:spcBef>
+              <a:spcAft>
+                <a:spcPts val="0"/>
+              </a:spcAft>
+              <a:buSzPts val="2800"/>
+              <a:buNone/>
+              <a:defRPr/>
             </a:lvl4pPr>
-            <a:lvl5pPr lvl="4" algn="ctr">
-              <a:spcBef>
-                <a:spcPts val="0"/>
-              </a:spcBef>
-              <a:spcAft>
-                <a:spcPts val="0"/>
-              </a:spcAft>
-              <a:buSzPts val="3600"/>
-              <a:buNone/>
-              <a:defRPr sz="3600"/>
+            <a:lvl5pPr lvl="4">
+              <a:spcBef>
+                <a:spcPts val="0"/>
+              </a:spcBef>
+              <a:spcAft>
+                <a:spcPts val="0"/>
+              </a:spcAft>
+              <a:buSzPts val="2800"/>
+              <a:buNone/>
+              <a:defRPr/>
             </a:lvl5pPr>
-            <a:lvl6pPr lvl="5" algn="ctr">
-              <a:spcBef>
-                <a:spcPts val="0"/>
-              </a:spcBef>
-              <a:spcAft>
-                <a:spcPts val="0"/>
-              </a:spcAft>
-              <a:buSzPts val="3600"/>
-              <a:buNone/>
-              <a:defRPr sz="3600"/>
+            <a:lvl6pPr lvl="5">
+              <a:spcBef>
+                <a:spcPts val="0"/>
+              </a:spcBef>
+              <a:spcAft>
+                <a:spcPts val="0"/>
+              </a:spcAft>
+              <a:buSzPts val="2800"/>
+              <a:buNone/>
+              <a:defRPr/>
             </a:lvl6pPr>
-            <a:lvl7pPr lvl="6" algn="ctr">
-              <a:spcBef>
-                <a:spcPts val="0"/>
-              </a:spcBef>
-              <a:spcAft>
-                <a:spcPts val="0"/>
-              </a:spcAft>
-              <a:buSzPts val="3600"/>
-              <a:buNone/>
-              <a:defRPr sz="3600"/>
+            <a:lvl7pPr lvl="6">
+              <a:spcBef>
+                <a:spcPts val="0"/>
+              </a:spcBef>
+              <a:spcAft>
+                <a:spcPts val="0"/>
+              </a:spcAft>
+              <a:buSzPts val="2800"/>
+              <a:buNone/>
+              <a:defRPr/>
             </a:lvl7pPr>
-            <a:lvl8pPr lvl="7" algn="ctr">
-              <a:spcBef>
-                <a:spcPts val="0"/>
-              </a:spcBef>
-              <a:spcAft>
-                <a:spcPts val="0"/>
-              </a:spcAft>
-              <a:buSzPts val="3600"/>
-              <a:buNone/>
-              <a:defRPr sz="3600"/>
+            <a:lvl8pPr lvl="7">
+              <a:spcBef>
+                <a:spcPts val="0"/>
+              </a:spcBef>
+              <a:spcAft>
+                <a:spcPts val="0"/>
+              </a:spcAft>
+              <a:buSzPts val="2800"/>
+              <a:buNone/>
+              <a:defRPr/>
             </a:lvl8pPr>
-            <a:lvl9pPr lvl="8" algn="ctr">
-              <a:spcBef>
-                <a:spcPts val="0"/>
-              </a:spcBef>
-              <a:spcAft>
-                <a:spcPts val="0"/>
-              </a:spcAft>
-              <a:buSzPts val="3600"/>
-              <a:buNone/>
-              <a:defRPr sz="3600"/>
+            <a:lvl9pPr lvl="8">
+              <a:spcBef>
+                <a:spcPts val="0"/>
+              </a:spcBef>
+              <a:spcAft>
+                <a:spcPts val="0"/>
+              </a:spcAft>
+              <a:buSzPts val="2800"/>
+              <a:buNone/>
+              <a:defRPr/>
             </a:lvl9pPr>
           </a:lstStyle>
-          <a:p/>
+          <a:p>
+            <a:endParaRPr/>
+          </a:p>
         </p:txBody>
       </p:sp>
       <p:sp>
         <p:nvSpPr>
-          <p:cNvPr id="15" name="Google Shape;15;p3"/>
-          <p:cNvSpPr txBox="1"/>
+          <p:cNvPr id="18" name="Google Shape;18;p4"/>
+          <p:cNvSpPr txBox="1">
+            <a:spLocks noGrp="1"/>
+          </p:cNvSpPr>
           <p:nvPr>
-            <p:ph idx="12" type="sldNum"/>
+            <p:ph type="body" idx="1"/>
+          </p:nvPr>
+        </p:nvSpPr>
+        <p:spPr>
+          <a:xfrm>
+            <a:off x="311700" y="1152475"/>
+            <a:ext cx="8520600" cy="3416400"/>
+          </a:xfrm>
+          <a:prstGeom prst="rect">
+            <a:avLst/>
+          </a:prstGeom>
+        </p:spPr>
+        <p:txBody>
+          <a:bodyPr spcFirstLastPara="1" wrap="square" lIns="91425" tIns="91425" rIns="91425" bIns="91425" anchor="t" anchorCtr="0">
+            <a:normAutofit/>
+          </a:bodyPr>
+          <a:lstStyle>
+            <a:lvl1pPr marL="457200" lvl="0" indent="-342900">
+              <a:spcBef>
+                <a:spcPts val="0"/>
+              </a:spcBef>
+              <a:spcAft>
+                <a:spcPts val="0"/>
+              </a:spcAft>
+              <a:buSzPts val="1800"/>
+              <a:buChar char="●"/>
+              <a:defRPr/>
+            </a:lvl1pPr>
+            <a:lvl2pPr marL="914400" lvl="1" indent="-317500">
+              <a:spcBef>
+                <a:spcPts val="0"/>
+              </a:spcBef>
+              <a:spcAft>
+                <a:spcPts val="0"/>
+              </a:spcAft>
+              <a:buSzPts val="1400"/>
+              <a:buChar char="○"/>
+              <a:defRPr/>
+            </a:lvl2pPr>
+            <a:lvl3pPr marL="1371600" lvl="2" indent="-317500">
+              <a:spcBef>
+                <a:spcPts val="0"/>
+              </a:spcBef>
+              <a:spcAft>
+                <a:spcPts val="0"/>
+              </a:spcAft>
+              <a:buSzPts val="1400"/>
+              <a:buChar char="■"/>
+              <a:defRPr/>
+            </a:lvl3pPr>
+            <a:lvl4pPr marL="1828800" lvl="3" indent="-317500">
+              <a:spcBef>
+                <a:spcPts val="0"/>
+              </a:spcBef>
+              <a:spcAft>
+                <a:spcPts val="0"/>
+              </a:spcAft>
+              <a:buSzPts val="1400"/>
+              <a:buChar char="●"/>
+              <a:defRPr/>
+            </a:lvl4pPr>
+            <a:lvl5pPr marL="2286000" lvl="4" indent="-317500">
+              <a:spcBef>
+                <a:spcPts val="0"/>
+              </a:spcBef>
+              <a:spcAft>
+                <a:spcPts val="0"/>
+              </a:spcAft>
+              <a:buSzPts val="1400"/>
+              <a:buChar char="○"/>
+              <a:defRPr/>
+            </a:lvl5pPr>
+            <a:lvl6pPr marL="2743200" lvl="5" indent="-317500">
+              <a:spcBef>
+                <a:spcPts val="0"/>
+              </a:spcBef>
+              <a:spcAft>
+                <a:spcPts val="0"/>
+              </a:spcAft>
+              <a:buSzPts val="1400"/>
+              <a:buChar char="■"/>
+              <a:defRPr/>
+            </a:lvl6pPr>
+            <a:lvl7pPr marL="3200400" lvl="6" indent="-317500">
+              <a:spcBef>
+                <a:spcPts val="0"/>
+              </a:spcBef>
+              <a:spcAft>
+                <a:spcPts val="0"/>
+              </a:spcAft>
+              <a:buSzPts val="1400"/>
+              <a:buChar char="●"/>
+              <a:defRPr/>
+            </a:lvl7pPr>
+            <a:lvl8pPr marL="3657600" lvl="7" indent="-317500">
+              <a:spcBef>
+                <a:spcPts val="0"/>
+              </a:spcBef>
+              <a:spcAft>
+                <a:spcPts val="0"/>
+              </a:spcAft>
+              <a:buSzPts val="1400"/>
+              <a:buChar char="○"/>
+              <a:defRPr/>
+            </a:lvl8pPr>
+            <a:lvl9pPr marL="4114800" lvl="8" indent="-317500">
+              <a:spcBef>
+                <a:spcPts val="0"/>
+              </a:spcBef>
+              <a:spcAft>
+                <a:spcPts val="0"/>
+              </a:spcAft>
+              <a:buSzPts val="1400"/>
+              <a:buChar char="■"/>
+              <a:defRPr/>
+            </a:lvl9pPr>
+          </a:lstStyle>
+          <a:p>
+            <a:endParaRPr/>
+          </a:p>
+        </p:txBody>
+      </p:sp>
+      <p:sp>
+        <p:nvSpPr>
+          <p:cNvPr id="19" name="Google Shape;19;p4"/>
+          <p:cNvSpPr txBox="1">
+            <a:spLocks noGrp="1"/>
+          </p:cNvSpPr>
+          <p:nvPr>
+            <p:ph type="sldNum" idx="12"/>
           </p:nvPr>
         </p:nvSpPr>
         <p:spPr>
@@ -3283,7 +2892,7 @@
           </a:prstGeom>
         </p:spPr>
         <p:txBody>
-          <a:bodyPr anchorCtr="0" anchor="ctr" bIns="91425" lIns="91425" spcFirstLastPara="1" rIns="91425" wrap="square" tIns="91425">
+          <a:bodyPr spcFirstLastPara="1" wrap="square" lIns="91425" tIns="91425" rIns="91425" bIns="91425" anchor="ctr" anchorCtr="0">
             <a:normAutofit/>
           </a:bodyPr>
           <a:lstStyle>
@@ -3325,7 +2934,7 @@
             </a:lvl9pPr>
           </a:lstStyle>
           <a:p>
-            <a:pPr indent="0" lvl="0" marL="0" rtl="0" algn="r">
+            <a:pPr marL="0" lvl="0" indent="0" algn="r" rtl="0">
               <a:spcBef>
                 <a:spcPts val="0"/>
               </a:spcBef>
@@ -3351,11 +2960,11 @@
 </file>
 
 <file path=ppt/slideLayouts/slideLayout3.xml><?xml version="1.0" encoding="utf-8"?>
-<p:sldLayout xmlns:a="http://schemas.openxmlformats.org/drawingml/2006/main" xmlns:r="http://schemas.openxmlformats.org/officeDocument/2006/relationships" xmlns:mc="http://schemas.openxmlformats.org/markup-compatibility/2006" xmlns:mv="urn:schemas-microsoft-com:mac:vml" xmlns:p="http://schemas.openxmlformats.org/presentationml/2006/main" xmlns:c="http://schemas.openxmlformats.org/drawingml/2006/chart" xmlns:dgm="http://schemas.openxmlformats.org/drawingml/2006/diagram" xmlns:o="urn:schemas-microsoft-com:office:office" xmlns:v="urn:schemas-microsoft-com:vml" xmlns:pvml="urn:schemas-microsoft-com:office:powerpoint" xmlns:com="http://schemas.openxmlformats.org/drawingml/2006/compatibility" xmlns:p14="http://schemas.microsoft.com/office/powerpoint/2010/main" xmlns:p15="http://schemas.microsoft.com/office/powerpoint/2012/main" xmlns:ahyp="http://schemas.microsoft.com/office/drawing/2018/hyperlinkcolor" matchingName="Title and body" type="tx">
-  <p:cSld name="TITLE_AND_BODY">
+<p:sldLayout xmlns:a="http://schemas.openxmlformats.org/drawingml/2006/main" xmlns:r="http://schemas.openxmlformats.org/officeDocument/2006/relationships" xmlns:p="http://schemas.openxmlformats.org/presentationml/2006/main" matchingName="Title and two columns" type="twoColTx">
+  <p:cSld name="TITLE_AND_TWO_COLUMNS">
     <p:spTree>
       <p:nvGrpSpPr>
-        <p:cNvPr id="16" name="Shape 16"/>
+        <p:cNvPr id="1" name="Shape 20"/>
         <p:cNvGrpSpPr/>
         <p:nvPr/>
       </p:nvGrpSpPr>
@@ -3369,8 +2978,10 @@
       </p:grpSpPr>
       <p:sp>
         <p:nvSpPr>
-          <p:cNvPr id="17" name="Google Shape;17;p4"/>
-          <p:cNvSpPr txBox="1"/>
+          <p:cNvPr id="21" name="Google Shape;21;p5"/>
+          <p:cNvSpPr txBox="1">
+            <a:spLocks noGrp="1"/>
+          </p:cNvSpPr>
           <p:nvPr>
             <p:ph type="title"/>
           </p:nvPr>
@@ -3385,7 +2996,7 @@
           </a:prstGeom>
         </p:spPr>
         <p:txBody>
-          <a:bodyPr anchorCtr="0" anchor="t" bIns="91425" lIns="91425" spcFirstLastPara="1" rIns="91425" wrap="square" tIns="91425">
+          <a:bodyPr spcFirstLastPara="1" wrap="square" lIns="91425" tIns="91425" rIns="91425" bIns="91425" anchor="t" anchorCtr="0">
             <a:normAutofit/>
           </a:bodyPr>
           <a:lstStyle>
@@ -3489,65 +3100,36 @@
               <a:defRPr/>
             </a:lvl9pPr>
           </a:lstStyle>
-          <a:p/>
+          <a:p>
+            <a:endParaRPr/>
+          </a:p>
         </p:txBody>
       </p:sp>
       <p:sp>
         <p:nvSpPr>
-          <p:cNvPr id="18" name="Google Shape;18;p4"/>
-          <p:cNvSpPr txBox="1"/>
+          <p:cNvPr id="22" name="Google Shape;22;p5"/>
+          <p:cNvSpPr txBox="1">
+            <a:spLocks noGrp="1"/>
+          </p:cNvSpPr>
           <p:nvPr>
-            <p:ph idx="1" type="body"/>
+            <p:ph type="body" idx="1"/>
           </p:nvPr>
         </p:nvSpPr>
         <p:spPr>
           <a:xfrm>
             <a:off x="311700" y="1152475"/>
-            <a:ext cx="8520600" cy="3416400"/>
+            <a:ext cx="3999900" cy="3416400"/>
           </a:xfrm>
           <a:prstGeom prst="rect">
             <a:avLst/>
           </a:prstGeom>
         </p:spPr>
         <p:txBody>
-          <a:bodyPr anchorCtr="0" anchor="t" bIns="91425" lIns="91425" spcFirstLastPara="1" rIns="91425" wrap="square" tIns="91425">
+          <a:bodyPr spcFirstLastPara="1" wrap="square" lIns="91425" tIns="91425" rIns="91425" bIns="91425" anchor="t" anchorCtr="0">
             <a:normAutofit/>
           </a:bodyPr>
           <a:lstStyle>
-            <a:lvl1pPr indent="-342900" lvl="0" marL="457200">
-              <a:spcBef>
-                <a:spcPts val="0"/>
-              </a:spcBef>
-              <a:spcAft>
-                <a:spcPts val="0"/>
-              </a:spcAft>
-              <a:buSzPts val="1800"/>
-              <a:buChar char="●"/>
-              <a:defRPr/>
-            </a:lvl1pPr>
-            <a:lvl2pPr indent="-317500" lvl="1" marL="914400">
-              <a:spcBef>
-                <a:spcPts val="0"/>
-              </a:spcBef>
-              <a:spcAft>
-                <a:spcPts val="0"/>
-              </a:spcAft>
-              <a:buSzPts val="1400"/>
-              <a:buChar char="○"/>
-              <a:defRPr/>
-            </a:lvl2pPr>
-            <a:lvl3pPr indent="-317500" lvl="2" marL="1371600">
-              <a:spcBef>
-                <a:spcPts val="0"/>
-              </a:spcBef>
-              <a:spcAft>
-                <a:spcPts val="0"/>
-              </a:spcAft>
-              <a:buSzPts val="1400"/>
-              <a:buChar char="■"/>
-              <a:defRPr/>
-            </a:lvl3pPr>
-            <a:lvl4pPr indent="-317500" lvl="3" marL="1828800">
+            <a:lvl1pPr marL="457200" lvl="0" indent="-317500">
               <a:spcBef>
                 <a:spcPts val="0"/>
               </a:spcBef>
@@ -3556,73 +3138,239 @@
               </a:spcAft>
               <a:buSzPts val="1400"/>
               <a:buChar char="●"/>
-              <a:defRPr/>
+              <a:defRPr sz="1400"/>
+            </a:lvl1pPr>
+            <a:lvl2pPr marL="914400" lvl="1" indent="-304800">
+              <a:spcBef>
+                <a:spcPts val="0"/>
+              </a:spcBef>
+              <a:spcAft>
+                <a:spcPts val="0"/>
+              </a:spcAft>
+              <a:buSzPts val="1200"/>
+              <a:buChar char="○"/>
+              <a:defRPr sz="1200"/>
+            </a:lvl2pPr>
+            <a:lvl3pPr marL="1371600" lvl="2" indent="-304800">
+              <a:spcBef>
+                <a:spcPts val="0"/>
+              </a:spcBef>
+              <a:spcAft>
+                <a:spcPts val="0"/>
+              </a:spcAft>
+              <a:buSzPts val="1200"/>
+              <a:buChar char="■"/>
+              <a:defRPr sz="1200"/>
+            </a:lvl3pPr>
+            <a:lvl4pPr marL="1828800" lvl="3" indent="-304800">
+              <a:spcBef>
+                <a:spcPts val="0"/>
+              </a:spcBef>
+              <a:spcAft>
+                <a:spcPts val="0"/>
+              </a:spcAft>
+              <a:buSzPts val="1200"/>
+              <a:buChar char="●"/>
+              <a:defRPr sz="1200"/>
             </a:lvl4pPr>
-            <a:lvl5pPr indent="-317500" lvl="4" marL="2286000">
-              <a:spcBef>
-                <a:spcPts val="0"/>
-              </a:spcBef>
-              <a:spcAft>
-                <a:spcPts val="0"/>
-              </a:spcAft>
-              <a:buSzPts val="1400"/>
+            <a:lvl5pPr marL="2286000" lvl="4" indent="-304800">
+              <a:spcBef>
+                <a:spcPts val="0"/>
+              </a:spcBef>
+              <a:spcAft>
+                <a:spcPts val="0"/>
+              </a:spcAft>
+              <a:buSzPts val="1200"/>
               <a:buChar char="○"/>
-              <a:defRPr/>
+              <a:defRPr sz="1200"/>
             </a:lvl5pPr>
-            <a:lvl6pPr indent="-317500" lvl="5" marL="2743200">
-              <a:spcBef>
-                <a:spcPts val="0"/>
-              </a:spcBef>
-              <a:spcAft>
-                <a:spcPts val="0"/>
-              </a:spcAft>
-              <a:buSzPts val="1400"/>
+            <a:lvl6pPr marL="2743200" lvl="5" indent="-304800">
+              <a:spcBef>
+                <a:spcPts val="0"/>
+              </a:spcBef>
+              <a:spcAft>
+                <a:spcPts val="0"/>
+              </a:spcAft>
+              <a:buSzPts val="1200"/>
               <a:buChar char="■"/>
-              <a:defRPr/>
+              <a:defRPr sz="1200"/>
             </a:lvl6pPr>
-            <a:lvl7pPr indent="-317500" lvl="6" marL="3200400">
-              <a:spcBef>
-                <a:spcPts val="0"/>
-              </a:spcBef>
-              <a:spcAft>
-                <a:spcPts val="0"/>
-              </a:spcAft>
-              <a:buSzPts val="1400"/>
+            <a:lvl7pPr marL="3200400" lvl="6" indent="-304800">
+              <a:spcBef>
+                <a:spcPts val="0"/>
+              </a:spcBef>
+              <a:spcAft>
+                <a:spcPts val="0"/>
+              </a:spcAft>
+              <a:buSzPts val="1200"/>
               <a:buChar char="●"/>
-              <a:defRPr/>
+              <a:defRPr sz="1200"/>
             </a:lvl7pPr>
-            <a:lvl8pPr indent="-317500" lvl="7" marL="3657600">
-              <a:spcBef>
-                <a:spcPts val="0"/>
-              </a:spcBef>
-              <a:spcAft>
-                <a:spcPts val="0"/>
-              </a:spcAft>
-              <a:buSzPts val="1400"/>
+            <a:lvl8pPr marL="3657600" lvl="7" indent="-304800">
+              <a:spcBef>
+                <a:spcPts val="0"/>
+              </a:spcBef>
+              <a:spcAft>
+                <a:spcPts val="0"/>
+              </a:spcAft>
+              <a:buSzPts val="1200"/>
               <a:buChar char="○"/>
-              <a:defRPr/>
+              <a:defRPr sz="1200"/>
             </a:lvl8pPr>
-            <a:lvl9pPr indent="-317500" lvl="8" marL="4114800">
-              <a:spcBef>
-                <a:spcPts val="0"/>
-              </a:spcBef>
-              <a:spcAft>
-                <a:spcPts val="0"/>
-              </a:spcAft>
-              <a:buSzPts val="1400"/>
+            <a:lvl9pPr marL="4114800" lvl="8" indent="-304800">
+              <a:spcBef>
+                <a:spcPts val="0"/>
+              </a:spcBef>
+              <a:spcAft>
+                <a:spcPts val="0"/>
+              </a:spcAft>
+              <a:buSzPts val="1200"/>
               <a:buChar char="■"/>
-              <a:defRPr/>
+              <a:defRPr sz="1200"/>
             </a:lvl9pPr>
           </a:lstStyle>
-          <a:p/>
+          <a:p>
+            <a:endParaRPr/>
+          </a:p>
         </p:txBody>
       </p:sp>
       <p:sp>
         <p:nvSpPr>
-          <p:cNvPr id="19" name="Google Shape;19;p4"/>
-          <p:cNvSpPr txBox="1"/>
+          <p:cNvPr id="23" name="Google Shape;23;p5"/>
+          <p:cNvSpPr txBox="1">
+            <a:spLocks noGrp="1"/>
+          </p:cNvSpPr>
           <p:nvPr>
-            <p:ph idx="12" type="sldNum"/>
+            <p:ph type="body" idx="2"/>
+          </p:nvPr>
+        </p:nvSpPr>
+        <p:spPr>
+          <a:xfrm>
+            <a:off x="4832400" y="1152475"/>
+            <a:ext cx="3999900" cy="3416400"/>
+          </a:xfrm>
+          <a:prstGeom prst="rect">
+            <a:avLst/>
+          </a:prstGeom>
+        </p:spPr>
+        <p:txBody>
+          <a:bodyPr spcFirstLastPara="1" wrap="square" lIns="91425" tIns="91425" rIns="91425" bIns="91425" anchor="t" anchorCtr="0">
+            <a:normAutofit/>
+          </a:bodyPr>
+          <a:lstStyle>
+            <a:lvl1pPr marL="457200" lvl="0" indent="-317500">
+              <a:spcBef>
+                <a:spcPts val="0"/>
+              </a:spcBef>
+              <a:spcAft>
+                <a:spcPts val="0"/>
+              </a:spcAft>
+              <a:buSzPts val="1400"/>
+              <a:buChar char="●"/>
+              <a:defRPr sz="1400"/>
+            </a:lvl1pPr>
+            <a:lvl2pPr marL="914400" lvl="1" indent="-304800">
+              <a:spcBef>
+                <a:spcPts val="0"/>
+              </a:spcBef>
+              <a:spcAft>
+                <a:spcPts val="0"/>
+              </a:spcAft>
+              <a:buSzPts val="1200"/>
+              <a:buChar char="○"/>
+              <a:defRPr sz="1200"/>
+            </a:lvl2pPr>
+            <a:lvl3pPr marL="1371600" lvl="2" indent="-304800">
+              <a:spcBef>
+                <a:spcPts val="0"/>
+              </a:spcBef>
+              <a:spcAft>
+                <a:spcPts val="0"/>
+              </a:spcAft>
+              <a:buSzPts val="1200"/>
+              <a:buChar char="■"/>
+              <a:defRPr sz="1200"/>
+            </a:lvl3pPr>
+            <a:lvl4pPr marL="1828800" lvl="3" indent="-304800">
+              <a:spcBef>
+                <a:spcPts val="0"/>
+              </a:spcBef>
+              <a:spcAft>
+                <a:spcPts val="0"/>
+              </a:spcAft>
+              <a:buSzPts val="1200"/>
+              <a:buChar char="●"/>
+              <a:defRPr sz="1200"/>
+            </a:lvl4pPr>
+            <a:lvl5pPr marL="2286000" lvl="4" indent="-304800">
+              <a:spcBef>
+                <a:spcPts val="0"/>
+              </a:spcBef>
+              <a:spcAft>
+                <a:spcPts val="0"/>
+              </a:spcAft>
+              <a:buSzPts val="1200"/>
+              <a:buChar char="○"/>
+              <a:defRPr sz="1200"/>
+            </a:lvl5pPr>
+            <a:lvl6pPr marL="2743200" lvl="5" indent="-304800">
+              <a:spcBef>
+                <a:spcPts val="0"/>
+              </a:spcBef>
+              <a:spcAft>
+                <a:spcPts val="0"/>
+              </a:spcAft>
+              <a:buSzPts val="1200"/>
+              <a:buChar char="■"/>
+              <a:defRPr sz="1200"/>
+            </a:lvl6pPr>
+            <a:lvl7pPr marL="3200400" lvl="6" indent="-304800">
+              <a:spcBef>
+                <a:spcPts val="0"/>
+              </a:spcBef>
+              <a:spcAft>
+                <a:spcPts val="0"/>
+              </a:spcAft>
+              <a:buSzPts val="1200"/>
+              <a:buChar char="●"/>
+              <a:defRPr sz="1200"/>
+            </a:lvl7pPr>
+            <a:lvl8pPr marL="3657600" lvl="7" indent="-304800">
+              <a:spcBef>
+                <a:spcPts val="0"/>
+              </a:spcBef>
+              <a:spcAft>
+                <a:spcPts val="0"/>
+              </a:spcAft>
+              <a:buSzPts val="1200"/>
+              <a:buChar char="○"/>
+              <a:defRPr sz="1200"/>
+            </a:lvl8pPr>
+            <a:lvl9pPr marL="4114800" lvl="8" indent="-304800">
+              <a:spcBef>
+                <a:spcPts val="0"/>
+              </a:spcBef>
+              <a:spcAft>
+                <a:spcPts val="0"/>
+              </a:spcAft>
+              <a:buSzPts val="1200"/>
+              <a:buChar char="■"/>
+              <a:defRPr sz="1200"/>
+            </a:lvl9pPr>
+          </a:lstStyle>
+          <a:p>
+            <a:endParaRPr/>
+          </a:p>
+        </p:txBody>
+      </p:sp>
+      <p:sp>
+        <p:nvSpPr>
+          <p:cNvPr id="24" name="Google Shape;24;p5"/>
+          <p:cNvSpPr txBox="1">
+            <a:spLocks noGrp="1"/>
+          </p:cNvSpPr>
+          <p:nvPr>
+            <p:ph type="sldNum" idx="12"/>
           </p:nvPr>
         </p:nvSpPr>
         <p:spPr>
@@ -3635,7 +3383,7 @@
           </a:prstGeom>
         </p:spPr>
         <p:txBody>
-          <a:bodyPr anchorCtr="0" anchor="ctr" bIns="91425" lIns="91425" spcFirstLastPara="1" rIns="91425" wrap="square" tIns="91425">
+          <a:bodyPr spcFirstLastPara="1" wrap="square" lIns="91425" tIns="91425" rIns="91425" bIns="91425" anchor="ctr" anchorCtr="0">
             <a:normAutofit/>
           </a:bodyPr>
           <a:lstStyle>
@@ -3677,7 +3425,7 @@
             </a:lvl9pPr>
           </a:lstStyle>
           <a:p>
-            <a:pPr indent="0" lvl="0" marL="0" rtl="0" algn="r">
+            <a:pPr marL="0" lvl="0" indent="0" algn="r" rtl="0">
               <a:spcBef>
                 <a:spcPts val="0"/>
               </a:spcBef>
@@ -3703,11 +3451,11 @@
 </file>
 
 <file path=ppt/slideLayouts/slideLayout4.xml><?xml version="1.0" encoding="utf-8"?>
-<p:sldLayout xmlns:a="http://schemas.openxmlformats.org/drawingml/2006/main" xmlns:r="http://schemas.openxmlformats.org/officeDocument/2006/relationships" xmlns:mc="http://schemas.openxmlformats.org/markup-compatibility/2006" xmlns:mv="urn:schemas-microsoft-com:mac:vml" xmlns:p="http://schemas.openxmlformats.org/presentationml/2006/main" xmlns:c="http://schemas.openxmlformats.org/drawingml/2006/chart" xmlns:dgm="http://schemas.openxmlformats.org/drawingml/2006/diagram" xmlns:o="urn:schemas-microsoft-com:office:office" xmlns:v="urn:schemas-microsoft-com:vml" xmlns:pvml="urn:schemas-microsoft-com:office:powerpoint" xmlns:com="http://schemas.openxmlformats.org/drawingml/2006/compatibility" xmlns:p14="http://schemas.microsoft.com/office/powerpoint/2010/main" xmlns:p15="http://schemas.microsoft.com/office/powerpoint/2012/main" xmlns:ahyp="http://schemas.microsoft.com/office/drawing/2018/hyperlinkcolor" matchingName="Title and two columns" type="twoColTx">
-  <p:cSld name="TITLE_AND_TWO_COLUMNS">
+<p:sldLayout xmlns:a="http://schemas.openxmlformats.org/drawingml/2006/main" xmlns:r="http://schemas.openxmlformats.org/officeDocument/2006/relationships" xmlns:p="http://schemas.openxmlformats.org/presentationml/2006/main" matchingName="Title only" type="titleOnly">
+  <p:cSld name="TITLE_ONLY">
     <p:spTree>
       <p:nvGrpSpPr>
-        <p:cNvPr id="20" name="Shape 20"/>
+        <p:cNvPr id="1" name="Shape 25"/>
         <p:cNvGrpSpPr/>
         <p:nvPr/>
       </p:nvGrpSpPr>
@@ -3721,8 +3469,10 @@
       </p:grpSpPr>
       <p:sp>
         <p:nvSpPr>
-          <p:cNvPr id="21" name="Google Shape;21;p5"/>
-          <p:cNvSpPr txBox="1"/>
+          <p:cNvPr id="26" name="Google Shape;26;p6"/>
+          <p:cNvSpPr txBox="1">
+            <a:spLocks noGrp="1"/>
+          </p:cNvSpPr>
           <p:nvPr>
             <p:ph type="title"/>
           </p:nvPr>
@@ -3737,7 +3487,7 @@
           </a:prstGeom>
         </p:spPr>
         <p:txBody>
-          <a:bodyPr anchorCtr="0" anchor="t" bIns="91425" lIns="91425" spcFirstLastPara="1" rIns="91425" wrap="square" tIns="91425">
+          <a:bodyPr spcFirstLastPara="1" wrap="square" lIns="91425" tIns="91425" rIns="91425" bIns="91425" anchor="t" anchorCtr="0">
             <a:normAutofit/>
           </a:bodyPr>
           <a:lstStyle>
@@ -3841,265 +3591,19 @@
               <a:defRPr/>
             </a:lvl9pPr>
           </a:lstStyle>
-          <a:p/>
+          <a:p>
+            <a:endParaRPr/>
+          </a:p>
         </p:txBody>
       </p:sp>
       <p:sp>
         <p:nvSpPr>
-          <p:cNvPr id="22" name="Google Shape;22;p5"/>
-          <p:cNvSpPr txBox="1"/>
+          <p:cNvPr id="27" name="Google Shape;27;p6"/>
+          <p:cNvSpPr txBox="1">
+            <a:spLocks noGrp="1"/>
+          </p:cNvSpPr>
           <p:nvPr>
-            <p:ph idx="1" type="body"/>
-          </p:nvPr>
-        </p:nvSpPr>
-        <p:spPr>
-          <a:xfrm>
-            <a:off x="311700" y="1152475"/>
-            <a:ext cx="3999900" cy="3416400"/>
-          </a:xfrm>
-          <a:prstGeom prst="rect">
-            <a:avLst/>
-          </a:prstGeom>
-        </p:spPr>
-        <p:txBody>
-          <a:bodyPr anchorCtr="0" anchor="t" bIns="91425" lIns="91425" spcFirstLastPara="1" rIns="91425" wrap="square" tIns="91425">
-            <a:normAutofit/>
-          </a:bodyPr>
-          <a:lstStyle>
-            <a:lvl1pPr indent="-317500" lvl="0" marL="457200">
-              <a:spcBef>
-                <a:spcPts val="0"/>
-              </a:spcBef>
-              <a:spcAft>
-                <a:spcPts val="0"/>
-              </a:spcAft>
-              <a:buSzPts val="1400"/>
-              <a:buChar char="●"/>
-              <a:defRPr sz="1400"/>
-            </a:lvl1pPr>
-            <a:lvl2pPr indent="-304800" lvl="1" marL="914400">
-              <a:spcBef>
-                <a:spcPts val="0"/>
-              </a:spcBef>
-              <a:spcAft>
-                <a:spcPts val="0"/>
-              </a:spcAft>
-              <a:buSzPts val="1200"/>
-              <a:buChar char="○"/>
-              <a:defRPr sz="1200"/>
-            </a:lvl2pPr>
-            <a:lvl3pPr indent="-304800" lvl="2" marL="1371600">
-              <a:spcBef>
-                <a:spcPts val="0"/>
-              </a:spcBef>
-              <a:spcAft>
-                <a:spcPts val="0"/>
-              </a:spcAft>
-              <a:buSzPts val="1200"/>
-              <a:buChar char="■"/>
-              <a:defRPr sz="1200"/>
-            </a:lvl3pPr>
-            <a:lvl4pPr indent="-304800" lvl="3" marL="1828800">
-              <a:spcBef>
-                <a:spcPts val="0"/>
-              </a:spcBef>
-              <a:spcAft>
-                <a:spcPts val="0"/>
-              </a:spcAft>
-              <a:buSzPts val="1200"/>
-              <a:buChar char="●"/>
-              <a:defRPr sz="1200"/>
-            </a:lvl4pPr>
-            <a:lvl5pPr indent="-304800" lvl="4" marL="2286000">
-              <a:spcBef>
-                <a:spcPts val="0"/>
-              </a:spcBef>
-              <a:spcAft>
-                <a:spcPts val="0"/>
-              </a:spcAft>
-              <a:buSzPts val="1200"/>
-              <a:buChar char="○"/>
-              <a:defRPr sz="1200"/>
-            </a:lvl5pPr>
-            <a:lvl6pPr indent="-304800" lvl="5" marL="2743200">
-              <a:spcBef>
-                <a:spcPts val="0"/>
-              </a:spcBef>
-              <a:spcAft>
-                <a:spcPts val="0"/>
-              </a:spcAft>
-              <a:buSzPts val="1200"/>
-              <a:buChar char="■"/>
-              <a:defRPr sz="1200"/>
-            </a:lvl6pPr>
-            <a:lvl7pPr indent="-304800" lvl="6" marL="3200400">
-              <a:spcBef>
-                <a:spcPts val="0"/>
-              </a:spcBef>
-              <a:spcAft>
-                <a:spcPts val="0"/>
-              </a:spcAft>
-              <a:buSzPts val="1200"/>
-              <a:buChar char="●"/>
-              <a:defRPr sz="1200"/>
-            </a:lvl7pPr>
-            <a:lvl8pPr indent="-304800" lvl="7" marL="3657600">
-              <a:spcBef>
-                <a:spcPts val="0"/>
-              </a:spcBef>
-              <a:spcAft>
-                <a:spcPts val="0"/>
-              </a:spcAft>
-              <a:buSzPts val="1200"/>
-              <a:buChar char="○"/>
-              <a:defRPr sz="1200"/>
-            </a:lvl8pPr>
-            <a:lvl9pPr indent="-304800" lvl="8" marL="4114800">
-              <a:spcBef>
-                <a:spcPts val="0"/>
-              </a:spcBef>
-              <a:spcAft>
-                <a:spcPts val="0"/>
-              </a:spcAft>
-              <a:buSzPts val="1200"/>
-              <a:buChar char="■"/>
-              <a:defRPr sz="1200"/>
-            </a:lvl9pPr>
-          </a:lstStyle>
-          <a:p/>
-        </p:txBody>
-      </p:sp>
-      <p:sp>
-        <p:nvSpPr>
-          <p:cNvPr id="23" name="Google Shape;23;p5"/>
-          <p:cNvSpPr txBox="1"/>
-          <p:nvPr>
-            <p:ph idx="2" type="body"/>
-          </p:nvPr>
-        </p:nvSpPr>
-        <p:spPr>
-          <a:xfrm>
-            <a:off x="4832400" y="1152475"/>
-            <a:ext cx="3999900" cy="3416400"/>
-          </a:xfrm>
-          <a:prstGeom prst="rect">
-            <a:avLst/>
-          </a:prstGeom>
-        </p:spPr>
-        <p:txBody>
-          <a:bodyPr anchorCtr="0" anchor="t" bIns="91425" lIns="91425" spcFirstLastPara="1" rIns="91425" wrap="square" tIns="91425">
-            <a:normAutofit/>
-          </a:bodyPr>
-          <a:lstStyle>
-            <a:lvl1pPr indent="-317500" lvl="0" marL="457200">
-              <a:spcBef>
-                <a:spcPts val="0"/>
-              </a:spcBef>
-              <a:spcAft>
-                <a:spcPts val="0"/>
-              </a:spcAft>
-              <a:buSzPts val="1400"/>
-              <a:buChar char="●"/>
-              <a:defRPr sz="1400"/>
-            </a:lvl1pPr>
-            <a:lvl2pPr indent="-304800" lvl="1" marL="914400">
-              <a:spcBef>
-                <a:spcPts val="0"/>
-              </a:spcBef>
-              <a:spcAft>
-                <a:spcPts val="0"/>
-              </a:spcAft>
-              <a:buSzPts val="1200"/>
-              <a:buChar char="○"/>
-              <a:defRPr sz="1200"/>
-            </a:lvl2pPr>
-            <a:lvl3pPr indent="-304800" lvl="2" marL="1371600">
-              <a:spcBef>
-                <a:spcPts val="0"/>
-              </a:spcBef>
-              <a:spcAft>
-                <a:spcPts val="0"/>
-              </a:spcAft>
-              <a:buSzPts val="1200"/>
-              <a:buChar char="■"/>
-              <a:defRPr sz="1200"/>
-            </a:lvl3pPr>
-            <a:lvl4pPr indent="-304800" lvl="3" marL="1828800">
-              <a:spcBef>
-                <a:spcPts val="0"/>
-              </a:spcBef>
-              <a:spcAft>
-                <a:spcPts val="0"/>
-              </a:spcAft>
-              <a:buSzPts val="1200"/>
-              <a:buChar char="●"/>
-              <a:defRPr sz="1200"/>
-            </a:lvl4pPr>
-            <a:lvl5pPr indent="-304800" lvl="4" marL="2286000">
-              <a:spcBef>
-                <a:spcPts val="0"/>
-              </a:spcBef>
-              <a:spcAft>
-                <a:spcPts val="0"/>
-              </a:spcAft>
-              <a:buSzPts val="1200"/>
-              <a:buChar char="○"/>
-              <a:defRPr sz="1200"/>
-            </a:lvl5pPr>
-            <a:lvl6pPr indent="-304800" lvl="5" marL="2743200">
-              <a:spcBef>
-                <a:spcPts val="0"/>
-              </a:spcBef>
-              <a:spcAft>
-                <a:spcPts val="0"/>
-              </a:spcAft>
-              <a:buSzPts val="1200"/>
-              <a:buChar char="■"/>
-              <a:defRPr sz="1200"/>
-            </a:lvl6pPr>
-            <a:lvl7pPr indent="-304800" lvl="6" marL="3200400">
-              <a:spcBef>
-                <a:spcPts val="0"/>
-              </a:spcBef>
-              <a:spcAft>
-                <a:spcPts val="0"/>
-              </a:spcAft>
-              <a:buSzPts val="1200"/>
-              <a:buChar char="●"/>
-              <a:defRPr sz="1200"/>
-            </a:lvl7pPr>
-            <a:lvl8pPr indent="-304800" lvl="7" marL="3657600">
-              <a:spcBef>
-                <a:spcPts val="0"/>
-              </a:spcBef>
-              <a:spcAft>
-                <a:spcPts val="0"/>
-              </a:spcAft>
-              <a:buSzPts val="1200"/>
-              <a:buChar char="○"/>
-              <a:defRPr sz="1200"/>
-            </a:lvl8pPr>
-            <a:lvl9pPr indent="-304800" lvl="8" marL="4114800">
-              <a:spcBef>
-                <a:spcPts val="0"/>
-              </a:spcBef>
-              <a:spcAft>
-                <a:spcPts val="0"/>
-              </a:spcAft>
-              <a:buSzPts val="1200"/>
-              <a:buChar char="■"/>
-              <a:defRPr sz="1200"/>
-            </a:lvl9pPr>
-          </a:lstStyle>
-          <a:p/>
-        </p:txBody>
-      </p:sp>
-      <p:sp>
-        <p:nvSpPr>
-          <p:cNvPr id="24" name="Google Shape;24;p5"/>
-          <p:cNvSpPr txBox="1"/>
-          <p:nvPr>
-            <p:ph idx="12" type="sldNum"/>
+            <p:ph type="sldNum" idx="12"/>
           </p:nvPr>
         </p:nvSpPr>
         <p:spPr>
@@ -4112,7 +3616,7 @@
           </a:prstGeom>
         </p:spPr>
         <p:txBody>
-          <a:bodyPr anchorCtr="0" anchor="ctr" bIns="91425" lIns="91425" spcFirstLastPara="1" rIns="91425" wrap="square" tIns="91425">
+          <a:bodyPr spcFirstLastPara="1" wrap="square" lIns="91425" tIns="91425" rIns="91425" bIns="91425" anchor="ctr" anchorCtr="0">
             <a:normAutofit/>
           </a:bodyPr>
           <a:lstStyle>
@@ -4154,7 +3658,7 @@
             </a:lvl9pPr>
           </a:lstStyle>
           <a:p>
-            <a:pPr indent="0" lvl="0" marL="0" rtl="0" algn="r">
+            <a:pPr marL="0" lvl="0" indent="0" algn="r" rtl="0">
               <a:spcBef>
                 <a:spcPts val="0"/>
               </a:spcBef>
@@ -4180,11 +3684,11 @@
 </file>
 
 <file path=ppt/slideLayouts/slideLayout5.xml><?xml version="1.0" encoding="utf-8"?>
-<p:sldLayout xmlns:a="http://schemas.openxmlformats.org/drawingml/2006/main" xmlns:r="http://schemas.openxmlformats.org/officeDocument/2006/relationships" xmlns:mc="http://schemas.openxmlformats.org/markup-compatibility/2006" xmlns:mv="urn:schemas-microsoft-com:mac:vml" xmlns:p="http://schemas.openxmlformats.org/presentationml/2006/main" xmlns:c="http://schemas.openxmlformats.org/drawingml/2006/chart" xmlns:dgm="http://schemas.openxmlformats.org/drawingml/2006/diagram" xmlns:o="urn:schemas-microsoft-com:office:office" xmlns:v="urn:schemas-microsoft-com:vml" xmlns:pvml="urn:schemas-microsoft-com:office:powerpoint" xmlns:com="http://schemas.openxmlformats.org/drawingml/2006/compatibility" xmlns:p14="http://schemas.microsoft.com/office/powerpoint/2010/main" xmlns:p15="http://schemas.microsoft.com/office/powerpoint/2012/main" xmlns:ahyp="http://schemas.microsoft.com/office/drawing/2018/hyperlinkcolor" matchingName="Title only" type="titleOnly">
-  <p:cSld name="TITLE_ONLY">
+<p:sldLayout xmlns:a="http://schemas.openxmlformats.org/drawingml/2006/main" xmlns:r="http://schemas.openxmlformats.org/officeDocument/2006/relationships" xmlns:p="http://schemas.openxmlformats.org/presentationml/2006/main" matchingName="One column text">
+  <p:cSld name="ONE_COLUMN_TEXT">
     <p:spTree>
       <p:nvGrpSpPr>
-        <p:cNvPr id="25" name="Shape 25"/>
+        <p:cNvPr id="1" name="Shape 28"/>
         <p:cNvGrpSpPr/>
         <p:nvPr/>
       </p:nvGrpSpPr>
@@ -4198,23 +3702,25 @@
       </p:grpSpPr>
       <p:sp>
         <p:nvSpPr>
-          <p:cNvPr id="26" name="Google Shape;26;p6"/>
-          <p:cNvSpPr txBox="1"/>
+          <p:cNvPr id="29" name="Google Shape;29;p7"/>
+          <p:cNvSpPr txBox="1">
+            <a:spLocks noGrp="1"/>
+          </p:cNvSpPr>
           <p:nvPr>
             <p:ph type="title"/>
           </p:nvPr>
         </p:nvSpPr>
         <p:spPr>
           <a:xfrm>
-            <a:off x="311700" y="445025"/>
-            <a:ext cx="8520600" cy="572700"/>
+            <a:off x="311700" y="555600"/>
+            <a:ext cx="2808000" cy="755700"/>
           </a:xfrm>
           <a:prstGeom prst="rect">
             <a:avLst/>
           </a:prstGeom>
         </p:spPr>
         <p:txBody>
-          <a:bodyPr anchorCtr="0" anchor="t" bIns="91425" lIns="91425" spcFirstLastPara="1" rIns="91425" wrap="square" tIns="91425">
+          <a:bodyPr spcFirstLastPara="1" wrap="square" lIns="91425" tIns="91425" rIns="91425" bIns="91425" anchor="b" anchorCtr="0">
             <a:normAutofit/>
           </a:bodyPr>
           <a:lstStyle>
@@ -4225,9 +3731,9 @@
               <a:spcAft>
                 <a:spcPts val="0"/>
               </a:spcAft>
-              <a:buSzPts val="2800"/>
-              <a:buNone/>
-              <a:defRPr/>
+              <a:buSzPts val="2400"/>
+              <a:buNone/>
+              <a:defRPr sz="2400"/>
             </a:lvl1pPr>
             <a:lvl2pPr lvl="1">
               <a:spcBef>
@@ -4236,9 +3742,9 @@
               <a:spcAft>
                 <a:spcPts val="0"/>
               </a:spcAft>
-              <a:buSzPts val="2800"/>
-              <a:buNone/>
-              <a:defRPr/>
+              <a:buSzPts val="2400"/>
+              <a:buNone/>
+              <a:defRPr sz="2400"/>
             </a:lvl2pPr>
             <a:lvl3pPr lvl="2">
               <a:spcBef>
@@ -4247,9 +3753,9 @@
               <a:spcAft>
                 <a:spcPts val="0"/>
               </a:spcAft>
-              <a:buSzPts val="2800"/>
-              <a:buNone/>
-              <a:defRPr/>
+              <a:buSzPts val="2400"/>
+              <a:buNone/>
+              <a:defRPr sz="2400"/>
             </a:lvl3pPr>
             <a:lvl4pPr lvl="3">
               <a:spcBef>
@@ -4258,9 +3764,9 @@
               <a:spcAft>
                 <a:spcPts val="0"/>
               </a:spcAft>
-              <a:buSzPts val="2800"/>
-              <a:buNone/>
-              <a:defRPr/>
+              <a:buSzPts val="2400"/>
+              <a:buNone/>
+              <a:defRPr sz="2400"/>
             </a:lvl4pPr>
             <a:lvl5pPr lvl="4">
               <a:spcBef>
@@ -4269,9 +3775,9 @@
               <a:spcAft>
                 <a:spcPts val="0"/>
               </a:spcAft>
-              <a:buSzPts val="2800"/>
-              <a:buNone/>
-              <a:defRPr/>
+              <a:buSzPts val="2400"/>
+              <a:buNone/>
+              <a:defRPr sz="2400"/>
             </a:lvl5pPr>
             <a:lvl6pPr lvl="5">
               <a:spcBef>
@@ -4280,9 +3786,9 @@
               <a:spcAft>
                 <a:spcPts val="0"/>
               </a:spcAft>
-              <a:buSzPts val="2800"/>
-              <a:buNone/>
-              <a:defRPr/>
+              <a:buSzPts val="2400"/>
+              <a:buNone/>
+              <a:defRPr sz="2400"/>
             </a:lvl6pPr>
             <a:lvl7pPr lvl="6">
               <a:spcBef>
@@ -4291,9 +3797,9 @@
               <a:spcAft>
                 <a:spcPts val="0"/>
               </a:spcAft>
-              <a:buSzPts val="2800"/>
-              <a:buNone/>
-              <a:defRPr/>
+              <a:buSzPts val="2400"/>
+              <a:buNone/>
+              <a:defRPr sz="2400"/>
             </a:lvl7pPr>
             <a:lvl8pPr lvl="7">
               <a:spcBef>
@@ -4302,9 +3808,9 @@
               <a:spcAft>
                 <a:spcPts val="0"/>
               </a:spcAft>
-              <a:buSzPts val="2800"/>
-              <a:buNone/>
-              <a:defRPr/>
+              <a:buSzPts val="2400"/>
+              <a:buNone/>
+              <a:defRPr sz="2400"/>
             </a:lvl8pPr>
             <a:lvl9pPr lvl="8">
               <a:spcBef>
@@ -4313,20 +3819,153 @@
               <a:spcAft>
                 <a:spcPts val="0"/>
               </a:spcAft>
-              <a:buSzPts val="2800"/>
-              <a:buNone/>
-              <a:defRPr/>
+              <a:buSzPts val="2400"/>
+              <a:buNone/>
+              <a:defRPr sz="2400"/>
             </a:lvl9pPr>
           </a:lstStyle>
-          <a:p/>
+          <a:p>
+            <a:endParaRPr/>
+          </a:p>
         </p:txBody>
       </p:sp>
       <p:sp>
         <p:nvSpPr>
-          <p:cNvPr id="27" name="Google Shape;27;p6"/>
-          <p:cNvSpPr txBox="1"/>
+          <p:cNvPr id="30" name="Google Shape;30;p7"/>
+          <p:cNvSpPr txBox="1">
+            <a:spLocks noGrp="1"/>
+          </p:cNvSpPr>
           <p:nvPr>
-            <p:ph idx="12" type="sldNum"/>
+            <p:ph type="body" idx="1"/>
+          </p:nvPr>
+        </p:nvSpPr>
+        <p:spPr>
+          <a:xfrm>
+            <a:off x="311700" y="1389600"/>
+            <a:ext cx="2808000" cy="3179400"/>
+          </a:xfrm>
+          <a:prstGeom prst="rect">
+            <a:avLst/>
+          </a:prstGeom>
+        </p:spPr>
+        <p:txBody>
+          <a:bodyPr spcFirstLastPara="1" wrap="square" lIns="91425" tIns="91425" rIns="91425" bIns="91425" anchor="t" anchorCtr="0">
+            <a:normAutofit/>
+          </a:bodyPr>
+          <a:lstStyle>
+            <a:lvl1pPr marL="457200" lvl="0" indent="-304800">
+              <a:spcBef>
+                <a:spcPts val="0"/>
+              </a:spcBef>
+              <a:spcAft>
+                <a:spcPts val="0"/>
+              </a:spcAft>
+              <a:buSzPts val="1200"/>
+              <a:buChar char="●"/>
+              <a:defRPr sz="1200"/>
+            </a:lvl1pPr>
+            <a:lvl2pPr marL="914400" lvl="1" indent="-304800">
+              <a:spcBef>
+                <a:spcPts val="0"/>
+              </a:spcBef>
+              <a:spcAft>
+                <a:spcPts val="0"/>
+              </a:spcAft>
+              <a:buSzPts val="1200"/>
+              <a:buChar char="○"/>
+              <a:defRPr sz="1200"/>
+            </a:lvl2pPr>
+            <a:lvl3pPr marL="1371600" lvl="2" indent="-304800">
+              <a:spcBef>
+                <a:spcPts val="0"/>
+              </a:spcBef>
+              <a:spcAft>
+                <a:spcPts val="0"/>
+              </a:spcAft>
+              <a:buSzPts val="1200"/>
+              <a:buChar char="■"/>
+              <a:defRPr sz="1200"/>
+            </a:lvl3pPr>
+            <a:lvl4pPr marL="1828800" lvl="3" indent="-304800">
+              <a:spcBef>
+                <a:spcPts val="0"/>
+              </a:spcBef>
+              <a:spcAft>
+                <a:spcPts val="0"/>
+              </a:spcAft>
+              <a:buSzPts val="1200"/>
+              <a:buChar char="●"/>
+              <a:defRPr sz="1200"/>
+            </a:lvl4pPr>
+            <a:lvl5pPr marL="2286000" lvl="4" indent="-304800">
+              <a:spcBef>
+                <a:spcPts val="0"/>
+              </a:spcBef>
+              <a:spcAft>
+                <a:spcPts val="0"/>
+              </a:spcAft>
+              <a:buSzPts val="1200"/>
+              <a:buChar char="○"/>
+              <a:defRPr sz="1200"/>
+            </a:lvl5pPr>
+            <a:lvl6pPr marL="2743200" lvl="5" indent="-304800">
+              <a:spcBef>
+                <a:spcPts val="0"/>
+              </a:spcBef>
+              <a:spcAft>
+                <a:spcPts val="0"/>
+              </a:spcAft>
+              <a:buSzPts val="1200"/>
+              <a:buChar char="■"/>
+              <a:defRPr sz="1200"/>
+            </a:lvl6pPr>
+            <a:lvl7pPr marL="3200400" lvl="6" indent="-304800">
+              <a:spcBef>
+                <a:spcPts val="0"/>
+              </a:spcBef>
+              <a:spcAft>
+                <a:spcPts val="0"/>
+              </a:spcAft>
+              <a:buSzPts val="1200"/>
+              <a:buChar char="●"/>
+              <a:defRPr sz="1200"/>
+            </a:lvl7pPr>
+            <a:lvl8pPr marL="3657600" lvl="7" indent="-304800">
+              <a:spcBef>
+                <a:spcPts val="0"/>
+              </a:spcBef>
+              <a:spcAft>
+                <a:spcPts val="0"/>
+              </a:spcAft>
+              <a:buSzPts val="1200"/>
+              <a:buChar char="○"/>
+              <a:defRPr sz="1200"/>
+            </a:lvl8pPr>
+            <a:lvl9pPr marL="4114800" lvl="8" indent="-304800">
+              <a:spcBef>
+                <a:spcPts val="0"/>
+              </a:spcBef>
+              <a:spcAft>
+                <a:spcPts val="0"/>
+              </a:spcAft>
+              <a:buSzPts val="1200"/>
+              <a:buChar char="■"/>
+              <a:defRPr sz="1200"/>
+            </a:lvl9pPr>
+          </a:lstStyle>
+          <a:p>
+            <a:endParaRPr/>
+          </a:p>
+        </p:txBody>
+      </p:sp>
+      <p:sp>
+        <p:nvSpPr>
+          <p:cNvPr id="31" name="Google Shape;31;p7"/>
+          <p:cNvSpPr txBox="1">
+            <a:spLocks noGrp="1"/>
+          </p:cNvSpPr>
+          <p:nvPr>
+            <p:ph type="sldNum" idx="12"/>
           </p:nvPr>
         </p:nvSpPr>
         <p:spPr>
@@ -4339,7 +3978,7 @@
           </a:prstGeom>
         </p:spPr>
         <p:txBody>
-          <a:bodyPr anchorCtr="0" anchor="ctr" bIns="91425" lIns="91425" spcFirstLastPara="1" rIns="91425" wrap="square" tIns="91425">
+          <a:bodyPr spcFirstLastPara="1" wrap="square" lIns="91425" tIns="91425" rIns="91425" bIns="91425" anchor="ctr" anchorCtr="0">
             <a:normAutofit/>
           </a:bodyPr>
           <a:lstStyle>
@@ -4381,7 +4020,7 @@
             </a:lvl9pPr>
           </a:lstStyle>
           <a:p>
-            <a:pPr indent="0" lvl="0" marL="0" rtl="0" algn="r">
+            <a:pPr marL="0" lvl="0" indent="0" algn="r" rtl="0">
               <a:spcBef>
                 <a:spcPts val="0"/>
               </a:spcBef>
@@ -4407,11 +4046,11 @@
 </file>
 
 <file path=ppt/slideLayouts/slideLayout6.xml><?xml version="1.0" encoding="utf-8"?>
-<p:sldLayout xmlns:a="http://schemas.openxmlformats.org/drawingml/2006/main" xmlns:r="http://schemas.openxmlformats.org/officeDocument/2006/relationships" xmlns:mc="http://schemas.openxmlformats.org/markup-compatibility/2006" xmlns:mv="urn:schemas-microsoft-com:mac:vml" xmlns:p="http://schemas.openxmlformats.org/presentationml/2006/main" xmlns:c="http://schemas.openxmlformats.org/drawingml/2006/chart" xmlns:dgm="http://schemas.openxmlformats.org/drawingml/2006/diagram" xmlns:o="urn:schemas-microsoft-com:office:office" xmlns:v="urn:schemas-microsoft-com:vml" xmlns:pvml="urn:schemas-microsoft-com:office:powerpoint" xmlns:com="http://schemas.openxmlformats.org/drawingml/2006/compatibility" xmlns:p14="http://schemas.microsoft.com/office/powerpoint/2010/main" xmlns:p15="http://schemas.microsoft.com/office/powerpoint/2012/main" xmlns:ahyp="http://schemas.microsoft.com/office/drawing/2018/hyperlinkcolor" matchingName="One column text">
-  <p:cSld name="ONE_COLUMN_TEXT">
+<p:sldLayout xmlns:a="http://schemas.openxmlformats.org/drawingml/2006/main" xmlns:r="http://schemas.openxmlformats.org/officeDocument/2006/relationships" xmlns:p="http://schemas.openxmlformats.org/presentationml/2006/main" matchingName="Main point">
+  <p:cSld name="MAIN_POINT">
     <p:spTree>
       <p:nvGrpSpPr>
-        <p:cNvPr id="28" name="Shape 28"/>
+        <p:cNvPr id="1" name="Shape 32"/>
         <p:cNvGrpSpPr/>
         <p:nvPr/>
       </p:nvGrpSpPr>
@@ -4425,23 +4064,25 @@
       </p:grpSpPr>
       <p:sp>
         <p:nvSpPr>
-          <p:cNvPr id="29" name="Google Shape;29;p7"/>
-          <p:cNvSpPr txBox="1"/>
+          <p:cNvPr id="33" name="Google Shape;33;p8"/>
+          <p:cNvSpPr txBox="1">
+            <a:spLocks noGrp="1"/>
+          </p:cNvSpPr>
           <p:nvPr>
             <p:ph type="title"/>
           </p:nvPr>
         </p:nvSpPr>
         <p:spPr>
           <a:xfrm>
-            <a:off x="311700" y="555600"/>
-            <a:ext cx="2808000" cy="755700"/>
+            <a:off x="490250" y="450150"/>
+            <a:ext cx="6367800" cy="4090800"/>
           </a:xfrm>
           <a:prstGeom prst="rect">
             <a:avLst/>
           </a:prstGeom>
         </p:spPr>
         <p:txBody>
-          <a:bodyPr anchorCtr="0" anchor="b" bIns="91425" lIns="91425" spcFirstLastPara="1" rIns="91425" wrap="square" tIns="91425">
+          <a:bodyPr spcFirstLastPara="1" wrap="square" lIns="91425" tIns="91425" rIns="91425" bIns="91425" anchor="ctr" anchorCtr="0">
             <a:normAutofit/>
           </a:bodyPr>
           <a:lstStyle>
@@ -4452,9 +4093,9 @@
               <a:spcAft>
                 <a:spcPts val="0"/>
               </a:spcAft>
-              <a:buSzPts val="2400"/>
-              <a:buNone/>
-              <a:defRPr sz="2400"/>
+              <a:buSzPts val="4800"/>
+              <a:buNone/>
+              <a:defRPr sz="4800"/>
             </a:lvl1pPr>
             <a:lvl2pPr lvl="1">
               <a:spcBef>
@@ -4463,9 +4104,9 @@
               <a:spcAft>
                 <a:spcPts val="0"/>
               </a:spcAft>
-              <a:buSzPts val="2400"/>
-              <a:buNone/>
-              <a:defRPr sz="2400"/>
+              <a:buSzPts val="4800"/>
+              <a:buNone/>
+              <a:defRPr sz="4800"/>
             </a:lvl2pPr>
             <a:lvl3pPr lvl="2">
               <a:spcBef>
@@ -4474,9 +4115,9 @@
               <a:spcAft>
                 <a:spcPts val="0"/>
               </a:spcAft>
-              <a:buSzPts val="2400"/>
-              <a:buNone/>
-              <a:defRPr sz="2400"/>
+              <a:buSzPts val="4800"/>
+              <a:buNone/>
+              <a:defRPr sz="4800"/>
             </a:lvl3pPr>
             <a:lvl4pPr lvl="3">
               <a:spcBef>
@@ -4485,9 +4126,9 @@
               <a:spcAft>
                 <a:spcPts val="0"/>
               </a:spcAft>
-              <a:buSzPts val="2400"/>
-              <a:buNone/>
-              <a:defRPr sz="2400"/>
+              <a:buSzPts val="4800"/>
+              <a:buNone/>
+              <a:defRPr sz="4800"/>
             </a:lvl4pPr>
             <a:lvl5pPr lvl="4">
               <a:spcBef>
@@ -4496,9 +4137,9 @@
               <a:spcAft>
                 <a:spcPts val="0"/>
               </a:spcAft>
-              <a:buSzPts val="2400"/>
-              <a:buNone/>
-              <a:defRPr sz="2400"/>
+              <a:buSzPts val="4800"/>
+              <a:buNone/>
+              <a:defRPr sz="4800"/>
             </a:lvl5pPr>
             <a:lvl6pPr lvl="5">
               <a:spcBef>
@@ -4507,9 +4148,9 @@
               <a:spcAft>
                 <a:spcPts val="0"/>
               </a:spcAft>
-              <a:buSzPts val="2400"/>
-              <a:buNone/>
-              <a:defRPr sz="2400"/>
+              <a:buSzPts val="4800"/>
+              <a:buNone/>
+              <a:defRPr sz="4800"/>
             </a:lvl6pPr>
             <a:lvl7pPr lvl="6">
               <a:spcBef>
@@ -4518,9 +4159,9 @@
               <a:spcAft>
                 <a:spcPts val="0"/>
               </a:spcAft>
-              <a:buSzPts val="2400"/>
-              <a:buNone/>
-              <a:defRPr sz="2400"/>
+              <a:buSzPts val="4800"/>
+              <a:buNone/>
+              <a:defRPr sz="4800"/>
             </a:lvl7pPr>
             <a:lvl8pPr lvl="7">
               <a:spcBef>
@@ -4529,9 +4170,9 @@
               <a:spcAft>
                 <a:spcPts val="0"/>
               </a:spcAft>
-              <a:buSzPts val="2400"/>
-              <a:buNone/>
-              <a:defRPr sz="2400"/>
+              <a:buSzPts val="4800"/>
+              <a:buNone/>
+              <a:defRPr sz="4800"/>
             </a:lvl8pPr>
             <a:lvl9pPr lvl="8">
               <a:spcBef>
@@ -4540,145 +4181,24 @@
               <a:spcAft>
                 <a:spcPts val="0"/>
               </a:spcAft>
-              <a:buSzPts val="2400"/>
-              <a:buNone/>
-              <a:defRPr sz="2400"/>
+              <a:buSzPts val="4800"/>
+              <a:buNone/>
+              <a:defRPr sz="4800"/>
             </a:lvl9pPr>
           </a:lstStyle>
-          <a:p/>
+          <a:p>
+            <a:endParaRPr/>
+          </a:p>
         </p:txBody>
       </p:sp>
       <p:sp>
         <p:nvSpPr>
-          <p:cNvPr id="30" name="Google Shape;30;p7"/>
-          <p:cNvSpPr txBox="1"/>
+          <p:cNvPr id="34" name="Google Shape;34;p8"/>
+          <p:cNvSpPr txBox="1">
+            <a:spLocks noGrp="1"/>
+          </p:cNvSpPr>
           <p:nvPr>
-            <p:ph idx="1" type="body"/>
-          </p:nvPr>
-        </p:nvSpPr>
-        <p:spPr>
-          <a:xfrm>
-            <a:off x="311700" y="1389600"/>
-            <a:ext cx="2808000" cy="3179400"/>
-          </a:xfrm>
-          <a:prstGeom prst="rect">
-            <a:avLst/>
-          </a:prstGeom>
-        </p:spPr>
-        <p:txBody>
-          <a:bodyPr anchorCtr="0" anchor="t" bIns="91425" lIns="91425" spcFirstLastPara="1" rIns="91425" wrap="square" tIns="91425">
-            <a:normAutofit/>
-          </a:bodyPr>
-          <a:lstStyle>
-            <a:lvl1pPr indent="-304800" lvl="0" marL="457200">
-              <a:spcBef>
-                <a:spcPts val="0"/>
-              </a:spcBef>
-              <a:spcAft>
-                <a:spcPts val="0"/>
-              </a:spcAft>
-              <a:buSzPts val="1200"/>
-              <a:buChar char="●"/>
-              <a:defRPr sz="1200"/>
-            </a:lvl1pPr>
-            <a:lvl2pPr indent="-304800" lvl="1" marL="914400">
-              <a:spcBef>
-                <a:spcPts val="0"/>
-              </a:spcBef>
-              <a:spcAft>
-                <a:spcPts val="0"/>
-              </a:spcAft>
-              <a:buSzPts val="1200"/>
-              <a:buChar char="○"/>
-              <a:defRPr sz="1200"/>
-            </a:lvl2pPr>
-            <a:lvl3pPr indent="-304800" lvl="2" marL="1371600">
-              <a:spcBef>
-                <a:spcPts val="0"/>
-              </a:spcBef>
-              <a:spcAft>
-                <a:spcPts val="0"/>
-              </a:spcAft>
-              <a:buSzPts val="1200"/>
-              <a:buChar char="■"/>
-              <a:defRPr sz="1200"/>
-            </a:lvl3pPr>
-            <a:lvl4pPr indent="-304800" lvl="3" marL="1828800">
-              <a:spcBef>
-                <a:spcPts val="0"/>
-              </a:spcBef>
-              <a:spcAft>
-                <a:spcPts val="0"/>
-              </a:spcAft>
-              <a:buSzPts val="1200"/>
-              <a:buChar char="●"/>
-              <a:defRPr sz="1200"/>
-            </a:lvl4pPr>
-            <a:lvl5pPr indent="-304800" lvl="4" marL="2286000">
-              <a:spcBef>
-                <a:spcPts val="0"/>
-              </a:spcBef>
-              <a:spcAft>
-                <a:spcPts val="0"/>
-              </a:spcAft>
-              <a:buSzPts val="1200"/>
-              <a:buChar char="○"/>
-              <a:defRPr sz="1200"/>
-            </a:lvl5pPr>
-            <a:lvl6pPr indent="-304800" lvl="5" marL="2743200">
-              <a:spcBef>
-                <a:spcPts val="0"/>
-              </a:spcBef>
-              <a:spcAft>
-                <a:spcPts val="0"/>
-              </a:spcAft>
-              <a:buSzPts val="1200"/>
-              <a:buChar char="■"/>
-              <a:defRPr sz="1200"/>
-            </a:lvl6pPr>
-            <a:lvl7pPr indent="-304800" lvl="6" marL="3200400">
-              <a:spcBef>
-                <a:spcPts val="0"/>
-              </a:spcBef>
-              <a:spcAft>
-                <a:spcPts val="0"/>
-              </a:spcAft>
-              <a:buSzPts val="1200"/>
-              <a:buChar char="●"/>
-              <a:defRPr sz="1200"/>
-            </a:lvl7pPr>
-            <a:lvl8pPr indent="-304800" lvl="7" marL="3657600">
-              <a:spcBef>
-                <a:spcPts val="0"/>
-              </a:spcBef>
-              <a:spcAft>
-                <a:spcPts val="0"/>
-              </a:spcAft>
-              <a:buSzPts val="1200"/>
-              <a:buChar char="○"/>
-              <a:defRPr sz="1200"/>
-            </a:lvl8pPr>
-            <a:lvl9pPr indent="-304800" lvl="8" marL="4114800">
-              <a:spcBef>
-                <a:spcPts val="0"/>
-              </a:spcBef>
-              <a:spcAft>
-                <a:spcPts val="0"/>
-              </a:spcAft>
-              <a:buSzPts val="1200"/>
-              <a:buChar char="■"/>
-              <a:defRPr sz="1200"/>
-            </a:lvl9pPr>
-          </a:lstStyle>
-          <a:p/>
-        </p:txBody>
-      </p:sp>
-      <p:sp>
-        <p:nvSpPr>
-          <p:cNvPr id="31" name="Google Shape;31;p7"/>
-          <p:cNvSpPr txBox="1"/>
-          <p:nvPr>
-            <p:ph idx="12" type="sldNum"/>
+            <p:ph type="sldNum" idx="12"/>
           </p:nvPr>
         </p:nvSpPr>
         <p:spPr>
@@ -4691,7 +4211,7 @@
           </a:prstGeom>
         </p:spPr>
         <p:txBody>
-          <a:bodyPr anchorCtr="0" anchor="ctr" bIns="91425" lIns="91425" spcFirstLastPara="1" rIns="91425" wrap="square" tIns="91425">
+          <a:bodyPr spcFirstLastPara="1" wrap="square" lIns="91425" tIns="91425" rIns="91425" bIns="91425" anchor="ctr" anchorCtr="0">
             <a:normAutofit/>
           </a:bodyPr>
           <a:lstStyle>
@@ -4733,7 +4253,7 @@
             </a:lvl9pPr>
           </a:lstStyle>
           <a:p>
-            <a:pPr indent="0" lvl="0" marL="0" rtl="0" algn="r">
+            <a:pPr marL="0" lvl="0" indent="0" algn="r" rtl="0">
               <a:spcBef>
                 <a:spcPts val="0"/>
               </a:spcBef>
@@ -4759,238 +4279,11 @@
 </file>
 
 <file path=ppt/slideLayouts/slideLayout7.xml><?xml version="1.0" encoding="utf-8"?>
-<p:sldLayout xmlns:a="http://schemas.openxmlformats.org/drawingml/2006/main" xmlns:r="http://schemas.openxmlformats.org/officeDocument/2006/relationships" xmlns:mc="http://schemas.openxmlformats.org/markup-compatibility/2006" xmlns:mv="urn:schemas-microsoft-com:mac:vml" xmlns:p="http://schemas.openxmlformats.org/presentationml/2006/main" xmlns:c="http://schemas.openxmlformats.org/drawingml/2006/chart" xmlns:dgm="http://schemas.openxmlformats.org/drawingml/2006/diagram" xmlns:o="urn:schemas-microsoft-com:office:office" xmlns:v="urn:schemas-microsoft-com:vml" xmlns:pvml="urn:schemas-microsoft-com:office:powerpoint" xmlns:com="http://schemas.openxmlformats.org/drawingml/2006/compatibility" xmlns:p14="http://schemas.microsoft.com/office/powerpoint/2010/main" xmlns:p15="http://schemas.microsoft.com/office/powerpoint/2012/main" xmlns:ahyp="http://schemas.microsoft.com/office/drawing/2018/hyperlinkcolor" matchingName="Main point">
-  <p:cSld name="MAIN_POINT">
-    <p:spTree>
-      <p:nvGrpSpPr>
-        <p:cNvPr id="32" name="Shape 32"/>
-        <p:cNvGrpSpPr/>
-        <p:nvPr/>
-      </p:nvGrpSpPr>
-      <p:grpSpPr>
-        <a:xfrm>
-          <a:off x="0" y="0"/>
-          <a:ext cx="0" cy="0"/>
-          <a:chOff x="0" y="0"/>
-          <a:chExt cx="0" cy="0"/>
-        </a:xfrm>
-      </p:grpSpPr>
-      <p:sp>
-        <p:nvSpPr>
-          <p:cNvPr id="33" name="Google Shape;33;p8"/>
-          <p:cNvSpPr txBox="1"/>
-          <p:nvPr>
-            <p:ph type="title"/>
-          </p:nvPr>
-        </p:nvSpPr>
-        <p:spPr>
-          <a:xfrm>
-            <a:off x="490250" y="450150"/>
-            <a:ext cx="6367800" cy="4090800"/>
-          </a:xfrm>
-          <a:prstGeom prst="rect">
-            <a:avLst/>
-          </a:prstGeom>
-        </p:spPr>
-        <p:txBody>
-          <a:bodyPr anchorCtr="0" anchor="ctr" bIns="91425" lIns="91425" spcFirstLastPara="1" rIns="91425" wrap="square" tIns="91425">
-            <a:normAutofit/>
-          </a:bodyPr>
-          <a:lstStyle>
-            <a:lvl1pPr lvl="0">
-              <a:spcBef>
-                <a:spcPts val="0"/>
-              </a:spcBef>
-              <a:spcAft>
-                <a:spcPts val="0"/>
-              </a:spcAft>
-              <a:buSzPts val="4800"/>
-              <a:buNone/>
-              <a:defRPr sz="4800"/>
-            </a:lvl1pPr>
-            <a:lvl2pPr lvl="1">
-              <a:spcBef>
-                <a:spcPts val="0"/>
-              </a:spcBef>
-              <a:spcAft>
-                <a:spcPts val="0"/>
-              </a:spcAft>
-              <a:buSzPts val="4800"/>
-              <a:buNone/>
-              <a:defRPr sz="4800"/>
-            </a:lvl2pPr>
-            <a:lvl3pPr lvl="2">
-              <a:spcBef>
-                <a:spcPts val="0"/>
-              </a:spcBef>
-              <a:spcAft>
-                <a:spcPts val="0"/>
-              </a:spcAft>
-              <a:buSzPts val="4800"/>
-              <a:buNone/>
-              <a:defRPr sz="4800"/>
-            </a:lvl3pPr>
-            <a:lvl4pPr lvl="3">
-              <a:spcBef>
-                <a:spcPts val="0"/>
-              </a:spcBef>
-              <a:spcAft>
-                <a:spcPts val="0"/>
-              </a:spcAft>
-              <a:buSzPts val="4800"/>
-              <a:buNone/>
-              <a:defRPr sz="4800"/>
-            </a:lvl4pPr>
-            <a:lvl5pPr lvl="4">
-              <a:spcBef>
-                <a:spcPts val="0"/>
-              </a:spcBef>
-              <a:spcAft>
-                <a:spcPts val="0"/>
-              </a:spcAft>
-              <a:buSzPts val="4800"/>
-              <a:buNone/>
-              <a:defRPr sz="4800"/>
-            </a:lvl5pPr>
-            <a:lvl6pPr lvl="5">
-              <a:spcBef>
-                <a:spcPts val="0"/>
-              </a:spcBef>
-              <a:spcAft>
-                <a:spcPts val="0"/>
-              </a:spcAft>
-              <a:buSzPts val="4800"/>
-              <a:buNone/>
-              <a:defRPr sz="4800"/>
-            </a:lvl6pPr>
-            <a:lvl7pPr lvl="6">
-              <a:spcBef>
-                <a:spcPts val="0"/>
-              </a:spcBef>
-              <a:spcAft>
-                <a:spcPts val="0"/>
-              </a:spcAft>
-              <a:buSzPts val="4800"/>
-              <a:buNone/>
-              <a:defRPr sz="4800"/>
-            </a:lvl7pPr>
-            <a:lvl8pPr lvl="7">
-              <a:spcBef>
-                <a:spcPts val="0"/>
-              </a:spcBef>
-              <a:spcAft>
-                <a:spcPts val="0"/>
-              </a:spcAft>
-              <a:buSzPts val="4800"/>
-              <a:buNone/>
-              <a:defRPr sz="4800"/>
-            </a:lvl8pPr>
-            <a:lvl9pPr lvl="8">
-              <a:spcBef>
-                <a:spcPts val="0"/>
-              </a:spcBef>
-              <a:spcAft>
-                <a:spcPts val="0"/>
-              </a:spcAft>
-              <a:buSzPts val="4800"/>
-              <a:buNone/>
-              <a:defRPr sz="4800"/>
-            </a:lvl9pPr>
-          </a:lstStyle>
-          <a:p/>
-        </p:txBody>
-      </p:sp>
-      <p:sp>
-        <p:nvSpPr>
-          <p:cNvPr id="34" name="Google Shape;34;p8"/>
-          <p:cNvSpPr txBox="1"/>
-          <p:nvPr>
-            <p:ph idx="12" type="sldNum"/>
-          </p:nvPr>
-        </p:nvSpPr>
-        <p:spPr>
-          <a:xfrm>
-            <a:off x="8472458" y="4663217"/>
-            <a:ext cx="548700" cy="393600"/>
-          </a:xfrm>
-          <a:prstGeom prst="rect">
-            <a:avLst/>
-          </a:prstGeom>
-        </p:spPr>
-        <p:txBody>
-          <a:bodyPr anchorCtr="0" anchor="ctr" bIns="91425" lIns="91425" spcFirstLastPara="1" rIns="91425" wrap="square" tIns="91425">
-            <a:normAutofit/>
-          </a:bodyPr>
-          <a:lstStyle>
-            <a:lvl1pPr lvl="0">
-              <a:buNone/>
-              <a:defRPr/>
-            </a:lvl1pPr>
-            <a:lvl2pPr lvl="1">
-              <a:buNone/>
-              <a:defRPr/>
-            </a:lvl2pPr>
-            <a:lvl3pPr lvl="2">
-              <a:buNone/>
-              <a:defRPr/>
-            </a:lvl3pPr>
-            <a:lvl4pPr lvl="3">
-              <a:buNone/>
-              <a:defRPr/>
-            </a:lvl4pPr>
-            <a:lvl5pPr lvl="4">
-              <a:buNone/>
-              <a:defRPr/>
-            </a:lvl5pPr>
-            <a:lvl6pPr lvl="5">
-              <a:buNone/>
-              <a:defRPr/>
-            </a:lvl6pPr>
-            <a:lvl7pPr lvl="6">
-              <a:buNone/>
-              <a:defRPr/>
-            </a:lvl7pPr>
-            <a:lvl8pPr lvl="7">
-              <a:buNone/>
-              <a:defRPr/>
-            </a:lvl8pPr>
-            <a:lvl9pPr lvl="8">
-              <a:buNone/>
-              <a:defRPr/>
-            </a:lvl9pPr>
-          </a:lstStyle>
-          <a:p>
-            <a:pPr indent="0" lvl="0" marL="0" rtl="0" algn="r">
-              <a:spcBef>
-                <a:spcPts val="0"/>
-              </a:spcBef>
-              <a:spcAft>
-                <a:spcPts val="0"/>
-              </a:spcAft>
-              <a:buNone/>
-            </a:pPr>
-            <a:fld id="{00000000-1234-1234-1234-123412341234}" type="slidenum">
-              <a:rPr lang="en"/>
-              <a:t>‹#›</a:t>
-            </a:fld>
-            <a:endParaRPr/>
-          </a:p>
-        </p:txBody>
-      </p:sp>
-    </p:spTree>
-  </p:cSld>
-  <p:clrMapOvr>
-    <a:masterClrMapping/>
-  </p:clrMapOvr>
-</p:sldLayout>
-</file>
-
-<file path=ppt/slideLayouts/slideLayout8.xml><?xml version="1.0" encoding="utf-8"?>
-<p:sldLayout xmlns:a="http://schemas.openxmlformats.org/drawingml/2006/main" xmlns:r="http://schemas.openxmlformats.org/officeDocument/2006/relationships" xmlns:mc="http://schemas.openxmlformats.org/markup-compatibility/2006" xmlns:mv="urn:schemas-microsoft-com:mac:vml" xmlns:p="http://schemas.openxmlformats.org/presentationml/2006/main" xmlns:c="http://schemas.openxmlformats.org/drawingml/2006/chart" xmlns:dgm="http://schemas.openxmlformats.org/drawingml/2006/diagram" xmlns:o="urn:schemas-microsoft-com:office:office" xmlns:v="urn:schemas-microsoft-com:vml" xmlns:pvml="urn:schemas-microsoft-com:office:powerpoint" xmlns:com="http://schemas.openxmlformats.org/drawingml/2006/compatibility" xmlns:p14="http://schemas.microsoft.com/office/powerpoint/2010/main" xmlns:p15="http://schemas.microsoft.com/office/powerpoint/2012/main" xmlns:ahyp="http://schemas.microsoft.com/office/drawing/2018/hyperlinkcolor" matchingName="Section title and description">
+<p:sldLayout xmlns:a="http://schemas.openxmlformats.org/drawingml/2006/main" xmlns:r="http://schemas.openxmlformats.org/officeDocument/2006/relationships" xmlns:p="http://schemas.openxmlformats.org/presentationml/2006/main" matchingName="Section title and description">
   <p:cSld name="SECTION_TITLE_AND_DESCRIPTION">
     <p:spTree>
       <p:nvGrpSpPr>
-        <p:cNvPr id="35" name="Shape 35"/>
+        <p:cNvPr id="1" name="Shape 35"/>
         <p:cNvGrpSpPr/>
         <p:nvPr/>
       </p:nvGrpSpPr>
@@ -5024,12 +4317,12 @@
           </a:ln>
         </p:spPr>
         <p:txBody>
-          <a:bodyPr anchorCtr="0" anchor="ctr" bIns="91425" lIns="91425" spcFirstLastPara="1" rIns="91425" wrap="square" tIns="91425">
+          <a:bodyPr spcFirstLastPara="1" wrap="square" lIns="91425" tIns="91425" rIns="91425" bIns="91425" anchor="ctr" anchorCtr="0">
             <a:noAutofit/>
           </a:bodyPr>
           <a:lstStyle/>
           <a:p>
-            <a:pPr indent="0" lvl="0" marL="0" rtl="0" algn="l">
+            <a:pPr marL="0" lvl="0" indent="0" algn="l" rtl="0">
               <a:spcBef>
                 <a:spcPts val="0"/>
               </a:spcBef>
@@ -5038,9 +4331,6 @@
               </a:spcAft>
               <a:buNone/>
             </a:pPr>
-            <a:r>
-              <a:t/>
-            </a:r>
             <a:endParaRPr/>
           </a:p>
         </p:txBody>
@@ -5048,7 +4338,9 @@
       <p:sp>
         <p:nvSpPr>
           <p:cNvPr id="37" name="Google Shape;37;p9"/>
-          <p:cNvSpPr txBox="1"/>
+          <p:cNvSpPr txBox="1">
+            <a:spLocks noGrp="1"/>
+          </p:cNvSpPr>
           <p:nvPr>
             <p:ph type="title"/>
           </p:nvPr>
@@ -5063,7 +4355,7 @@
           </a:prstGeom>
         </p:spPr>
         <p:txBody>
-          <a:bodyPr anchorCtr="0" anchor="b" bIns="91425" lIns="91425" spcFirstLastPara="1" rIns="91425" wrap="square" tIns="91425">
+          <a:bodyPr spcFirstLastPara="1" wrap="square" lIns="91425" tIns="91425" rIns="91425" bIns="91425" anchor="b" anchorCtr="0">
             <a:normAutofit/>
           </a:bodyPr>
           <a:lstStyle>
@@ -5167,15 +4459,19 @@
               <a:defRPr sz="4200"/>
             </a:lvl9pPr>
           </a:lstStyle>
-          <a:p/>
+          <a:p>
+            <a:endParaRPr/>
+          </a:p>
         </p:txBody>
       </p:sp>
       <p:sp>
         <p:nvSpPr>
           <p:cNvPr id="38" name="Google Shape;38;p9"/>
-          <p:cNvSpPr txBox="1"/>
+          <p:cNvSpPr txBox="1">
+            <a:spLocks noGrp="1"/>
+          </p:cNvSpPr>
           <p:nvPr>
-            <p:ph idx="1" type="subTitle"/>
+            <p:ph type="subTitle" idx="1"/>
           </p:nvPr>
         </p:nvSpPr>
         <p:spPr>
@@ -5188,7 +4484,7 @@
           </a:prstGeom>
         </p:spPr>
         <p:txBody>
-          <a:bodyPr anchorCtr="0" anchor="t" bIns="91425" lIns="91425" spcFirstLastPara="1" rIns="91425" wrap="square" tIns="91425">
+          <a:bodyPr spcFirstLastPara="1" wrap="square" lIns="91425" tIns="91425" rIns="91425" bIns="91425" anchor="t" anchorCtr="0">
             <a:normAutofit/>
           </a:bodyPr>
           <a:lstStyle>
@@ -5319,15 +4615,19 @@
               <a:defRPr sz="2100"/>
             </a:lvl9pPr>
           </a:lstStyle>
-          <a:p/>
+          <a:p>
+            <a:endParaRPr/>
+          </a:p>
         </p:txBody>
       </p:sp>
       <p:sp>
         <p:nvSpPr>
           <p:cNvPr id="39" name="Google Shape;39;p9"/>
-          <p:cNvSpPr txBox="1"/>
+          <p:cNvSpPr txBox="1">
+            <a:spLocks noGrp="1"/>
+          </p:cNvSpPr>
           <p:nvPr>
-            <p:ph idx="2" type="body"/>
+            <p:ph type="body" idx="2"/>
           </p:nvPr>
         </p:nvSpPr>
         <p:spPr>
@@ -5340,11 +4640,11 @@
           </a:prstGeom>
         </p:spPr>
         <p:txBody>
-          <a:bodyPr anchorCtr="0" anchor="ctr" bIns="91425" lIns="91425" spcFirstLastPara="1" rIns="91425" wrap="square" tIns="91425">
+          <a:bodyPr spcFirstLastPara="1" wrap="square" lIns="91425" tIns="91425" rIns="91425" bIns="91425" anchor="ctr" anchorCtr="0">
             <a:normAutofit/>
           </a:bodyPr>
           <a:lstStyle>
-            <a:lvl1pPr indent="-342900" lvl="0" marL="457200">
+            <a:lvl1pPr marL="457200" lvl="0" indent="-342900">
               <a:spcBef>
                 <a:spcPts val="0"/>
               </a:spcBef>
@@ -5355,7 +4655,7 @@
               <a:buChar char="●"/>
               <a:defRPr/>
             </a:lvl1pPr>
-            <a:lvl2pPr indent="-317500" lvl="1" marL="914400">
+            <a:lvl2pPr marL="914400" lvl="1" indent="-317500">
               <a:spcBef>
                 <a:spcPts val="0"/>
               </a:spcBef>
@@ -5366,7 +4666,7 @@
               <a:buChar char="○"/>
               <a:defRPr/>
             </a:lvl2pPr>
-            <a:lvl3pPr indent="-317500" lvl="2" marL="1371600">
+            <a:lvl3pPr marL="1371600" lvl="2" indent="-317500">
               <a:spcBef>
                 <a:spcPts val="0"/>
               </a:spcBef>
@@ -5377,7 +4677,7 @@
               <a:buChar char="■"/>
               <a:defRPr/>
             </a:lvl3pPr>
-            <a:lvl4pPr indent="-317500" lvl="3" marL="1828800">
+            <a:lvl4pPr marL="1828800" lvl="3" indent="-317500">
               <a:spcBef>
                 <a:spcPts val="0"/>
               </a:spcBef>
@@ -5388,7 +4688,7 @@
               <a:buChar char="●"/>
               <a:defRPr/>
             </a:lvl4pPr>
-            <a:lvl5pPr indent="-317500" lvl="4" marL="2286000">
+            <a:lvl5pPr marL="2286000" lvl="4" indent="-317500">
               <a:spcBef>
                 <a:spcPts val="0"/>
               </a:spcBef>
@@ -5399,7 +4699,7 @@
               <a:buChar char="○"/>
               <a:defRPr/>
             </a:lvl5pPr>
-            <a:lvl6pPr indent="-317500" lvl="5" marL="2743200">
+            <a:lvl6pPr marL="2743200" lvl="5" indent="-317500">
               <a:spcBef>
                 <a:spcPts val="0"/>
               </a:spcBef>
@@ -5410,7 +4710,7 @@
               <a:buChar char="■"/>
               <a:defRPr/>
             </a:lvl6pPr>
-            <a:lvl7pPr indent="-317500" lvl="6" marL="3200400">
+            <a:lvl7pPr marL="3200400" lvl="6" indent="-317500">
               <a:spcBef>
                 <a:spcPts val="0"/>
               </a:spcBef>
@@ -5421,7 +4721,7 @@
               <a:buChar char="●"/>
               <a:defRPr/>
             </a:lvl7pPr>
-            <a:lvl8pPr indent="-317500" lvl="7" marL="3657600">
+            <a:lvl8pPr marL="3657600" lvl="7" indent="-317500">
               <a:spcBef>
                 <a:spcPts val="0"/>
               </a:spcBef>
@@ -5432,7 +4732,7 @@
               <a:buChar char="○"/>
               <a:defRPr/>
             </a:lvl8pPr>
-            <a:lvl9pPr indent="-317500" lvl="8" marL="4114800">
+            <a:lvl9pPr marL="4114800" lvl="8" indent="-317500">
               <a:spcBef>
                 <a:spcPts val="0"/>
               </a:spcBef>
@@ -5444,15 +4744,19 @@
               <a:defRPr/>
             </a:lvl9pPr>
           </a:lstStyle>
-          <a:p/>
+          <a:p>
+            <a:endParaRPr/>
+          </a:p>
         </p:txBody>
       </p:sp>
       <p:sp>
         <p:nvSpPr>
           <p:cNvPr id="40" name="Google Shape;40;p9"/>
-          <p:cNvSpPr txBox="1"/>
+          <p:cNvSpPr txBox="1">
+            <a:spLocks noGrp="1"/>
+          </p:cNvSpPr>
           <p:nvPr>
-            <p:ph idx="12" type="sldNum"/>
+            <p:ph type="sldNum" idx="12"/>
           </p:nvPr>
         </p:nvSpPr>
         <p:spPr>
@@ -5465,7 +4769,7 @@
           </a:prstGeom>
         </p:spPr>
         <p:txBody>
-          <a:bodyPr anchorCtr="0" anchor="ctr" bIns="91425" lIns="91425" spcFirstLastPara="1" rIns="91425" wrap="square" tIns="91425">
+          <a:bodyPr spcFirstLastPara="1" wrap="square" lIns="91425" tIns="91425" rIns="91425" bIns="91425" anchor="ctr" anchorCtr="0">
             <a:normAutofit/>
           </a:bodyPr>
           <a:lstStyle>
@@ -5507,7 +4811,155 @@
             </a:lvl9pPr>
           </a:lstStyle>
           <a:p>
-            <a:pPr indent="0" lvl="0" marL="0" rtl="0" algn="r">
+            <a:pPr marL="0" lvl="0" indent="0" algn="r" rtl="0">
+              <a:spcBef>
+                <a:spcPts val="0"/>
+              </a:spcBef>
+              <a:spcAft>
+                <a:spcPts val="0"/>
+              </a:spcAft>
+              <a:buNone/>
+            </a:pPr>
+            <a:fld id="{00000000-1234-1234-1234-123412341234}" type="slidenum">
+              <a:rPr lang="en"/>
+              <a:t>‹#›</a:t>
+            </a:fld>
+            <a:endParaRPr/>
+          </a:p>
+        </p:txBody>
+      </p:sp>
+    </p:spTree>
+  </p:cSld>
+  <p:clrMapOvr>
+    <a:masterClrMapping/>
+  </p:clrMapOvr>
+</p:sldLayout>
+</file>
+
+<file path=ppt/slideLayouts/slideLayout8.xml><?xml version="1.0" encoding="utf-8"?>
+<p:sldLayout xmlns:a="http://schemas.openxmlformats.org/drawingml/2006/main" xmlns:r="http://schemas.openxmlformats.org/officeDocument/2006/relationships" xmlns:p="http://schemas.openxmlformats.org/presentationml/2006/main" matchingName="Caption">
+  <p:cSld name="CAPTION_ONLY">
+    <p:spTree>
+      <p:nvGrpSpPr>
+        <p:cNvPr id="1" name="Shape 41"/>
+        <p:cNvGrpSpPr/>
+        <p:nvPr/>
+      </p:nvGrpSpPr>
+      <p:grpSpPr>
+        <a:xfrm>
+          <a:off x="0" y="0"/>
+          <a:ext cx="0" cy="0"/>
+          <a:chOff x="0" y="0"/>
+          <a:chExt cx="0" cy="0"/>
+        </a:xfrm>
+      </p:grpSpPr>
+      <p:sp>
+        <p:nvSpPr>
+          <p:cNvPr id="42" name="Google Shape;42;p10"/>
+          <p:cNvSpPr txBox="1">
+            <a:spLocks noGrp="1"/>
+          </p:cNvSpPr>
+          <p:nvPr>
+            <p:ph type="body" idx="1"/>
+          </p:nvPr>
+        </p:nvSpPr>
+        <p:spPr>
+          <a:xfrm>
+            <a:off x="311700" y="4230575"/>
+            <a:ext cx="5998800" cy="605100"/>
+          </a:xfrm>
+          <a:prstGeom prst="rect">
+            <a:avLst/>
+          </a:prstGeom>
+        </p:spPr>
+        <p:txBody>
+          <a:bodyPr spcFirstLastPara="1" wrap="square" lIns="91425" tIns="91425" rIns="91425" bIns="91425" anchor="ctr" anchorCtr="0">
+            <a:normAutofit/>
+          </a:bodyPr>
+          <a:lstStyle>
+            <a:lvl1pPr marL="457200" lvl="0" indent="-228600">
+              <a:lnSpc>
+                <a:spcPct val="100000"/>
+              </a:lnSpc>
+              <a:spcBef>
+                <a:spcPts val="0"/>
+              </a:spcBef>
+              <a:spcAft>
+                <a:spcPts val="0"/>
+              </a:spcAft>
+              <a:buSzPts val="1800"/>
+              <a:buNone/>
+              <a:defRPr/>
+            </a:lvl1pPr>
+          </a:lstStyle>
+          <a:p>
+            <a:endParaRPr/>
+          </a:p>
+        </p:txBody>
+      </p:sp>
+      <p:sp>
+        <p:nvSpPr>
+          <p:cNvPr id="43" name="Google Shape;43;p10"/>
+          <p:cNvSpPr txBox="1">
+            <a:spLocks noGrp="1"/>
+          </p:cNvSpPr>
+          <p:nvPr>
+            <p:ph type="sldNum" idx="12"/>
+          </p:nvPr>
+        </p:nvSpPr>
+        <p:spPr>
+          <a:xfrm>
+            <a:off x="8472458" y="4663217"/>
+            <a:ext cx="548700" cy="393600"/>
+          </a:xfrm>
+          <a:prstGeom prst="rect">
+            <a:avLst/>
+          </a:prstGeom>
+        </p:spPr>
+        <p:txBody>
+          <a:bodyPr spcFirstLastPara="1" wrap="square" lIns="91425" tIns="91425" rIns="91425" bIns="91425" anchor="ctr" anchorCtr="0">
+            <a:normAutofit/>
+          </a:bodyPr>
+          <a:lstStyle>
+            <a:lvl1pPr lvl="0">
+              <a:buNone/>
+              <a:defRPr/>
+            </a:lvl1pPr>
+            <a:lvl2pPr lvl="1">
+              <a:buNone/>
+              <a:defRPr/>
+            </a:lvl2pPr>
+            <a:lvl3pPr lvl="2">
+              <a:buNone/>
+              <a:defRPr/>
+            </a:lvl3pPr>
+            <a:lvl4pPr lvl="3">
+              <a:buNone/>
+              <a:defRPr/>
+            </a:lvl4pPr>
+            <a:lvl5pPr lvl="4">
+              <a:buNone/>
+              <a:defRPr/>
+            </a:lvl5pPr>
+            <a:lvl6pPr lvl="5">
+              <a:buNone/>
+              <a:defRPr/>
+            </a:lvl6pPr>
+            <a:lvl7pPr lvl="6">
+              <a:buNone/>
+              <a:defRPr/>
+            </a:lvl7pPr>
+            <a:lvl8pPr lvl="7">
+              <a:buNone/>
+              <a:defRPr/>
+            </a:lvl8pPr>
+            <a:lvl9pPr lvl="8">
+              <a:buNone/>
+              <a:defRPr/>
+            </a:lvl9pPr>
+          </a:lstStyle>
+          <a:p>
+            <a:pPr marL="0" lvl="0" indent="0" algn="r" rtl="0">
               <a:spcBef>
                 <a:spcPts val="0"/>
               </a:spcBef>
@@ -5533,11 +4985,11 @@
 </file>
 
 <file path=ppt/slideLayouts/slideLayout9.xml><?xml version="1.0" encoding="utf-8"?>
-<p:sldLayout xmlns:a="http://schemas.openxmlformats.org/drawingml/2006/main" xmlns:r="http://schemas.openxmlformats.org/officeDocument/2006/relationships" xmlns:mc="http://schemas.openxmlformats.org/markup-compatibility/2006" xmlns:mv="urn:schemas-microsoft-com:mac:vml" xmlns:p="http://schemas.openxmlformats.org/presentationml/2006/main" xmlns:c="http://schemas.openxmlformats.org/drawingml/2006/chart" xmlns:dgm="http://schemas.openxmlformats.org/drawingml/2006/diagram" xmlns:o="urn:schemas-microsoft-com:office:office" xmlns:v="urn:schemas-microsoft-com:vml" xmlns:pvml="urn:schemas-microsoft-com:office:powerpoint" xmlns:com="http://schemas.openxmlformats.org/drawingml/2006/compatibility" xmlns:p14="http://schemas.microsoft.com/office/powerpoint/2010/main" xmlns:p15="http://schemas.microsoft.com/office/powerpoint/2012/main" xmlns:ahyp="http://schemas.microsoft.com/office/drawing/2018/hyperlinkcolor" matchingName="Caption">
-  <p:cSld name="CAPTION_ONLY">
+<p:sldLayout xmlns:a="http://schemas.openxmlformats.org/drawingml/2006/main" xmlns:r="http://schemas.openxmlformats.org/officeDocument/2006/relationships" xmlns:p="http://schemas.openxmlformats.org/presentationml/2006/main" matchingName="Big number">
+  <p:cSld name="BIG_NUMBER">
     <p:spTree>
       <p:nvGrpSpPr>
-        <p:cNvPr id="41" name="Shape 41"/>
+        <p:cNvPr id="1" name="Shape 44"/>
         <p:cNvGrpSpPr/>
         <p:nvPr/>
       </p:nvGrpSpPr>
@@ -5551,50 +5003,272 @@
       </p:grpSpPr>
       <p:sp>
         <p:nvSpPr>
-          <p:cNvPr id="42" name="Google Shape;42;p10"/>
-          <p:cNvSpPr txBox="1"/>
+          <p:cNvPr id="45" name="Google Shape;45;p11"/>
+          <p:cNvSpPr txBox="1">
+            <a:spLocks noGrp="1"/>
+          </p:cNvSpPr>
           <p:nvPr>
-            <p:ph idx="1" type="body"/>
+            <p:ph type="title" hasCustomPrompt="1"/>
           </p:nvPr>
         </p:nvSpPr>
         <p:spPr>
           <a:xfrm>
-            <a:off x="311700" y="4230575"/>
-            <a:ext cx="5998800" cy="605100"/>
+            <a:off x="311700" y="1106125"/>
+            <a:ext cx="8520600" cy="1963500"/>
           </a:xfrm>
           <a:prstGeom prst="rect">
             <a:avLst/>
           </a:prstGeom>
         </p:spPr>
         <p:txBody>
-          <a:bodyPr anchorCtr="0" anchor="ctr" bIns="91425" lIns="91425" spcFirstLastPara="1" rIns="91425" wrap="square" tIns="91425">
+          <a:bodyPr spcFirstLastPara="1" wrap="square" lIns="91425" tIns="91425" rIns="91425" bIns="91425" anchor="b" anchorCtr="0">
             <a:normAutofit/>
           </a:bodyPr>
           <a:lstStyle>
-            <a:lvl1pPr indent="-228600" lvl="0" marL="457200">
-              <a:lnSpc>
-                <a:spcPct val="100000"/>
-              </a:lnSpc>
-              <a:spcBef>
-                <a:spcPts val="0"/>
-              </a:spcBef>
-              <a:spcAft>
-                <a:spcPts val="0"/>
-              </a:spcAft>
-              <a:buSzPts val="1800"/>
-              <a:buNone/>
-              <a:defRPr/>
+            <a:lvl1pPr lvl="0" algn="ctr">
+              <a:spcBef>
+                <a:spcPts val="0"/>
+              </a:spcBef>
+              <a:spcAft>
+                <a:spcPts val="0"/>
+              </a:spcAft>
+              <a:buSzPts val="12000"/>
+              <a:buNone/>
+              <a:defRPr sz="12000"/>
             </a:lvl1pPr>
+            <a:lvl2pPr lvl="1" algn="ctr">
+              <a:spcBef>
+                <a:spcPts val="0"/>
+              </a:spcBef>
+              <a:spcAft>
+                <a:spcPts val="0"/>
+              </a:spcAft>
+              <a:buSzPts val="12000"/>
+              <a:buNone/>
+              <a:defRPr sz="12000"/>
+            </a:lvl2pPr>
+            <a:lvl3pPr lvl="2" algn="ctr">
+              <a:spcBef>
+                <a:spcPts val="0"/>
+              </a:spcBef>
+              <a:spcAft>
+                <a:spcPts val="0"/>
+              </a:spcAft>
+              <a:buSzPts val="12000"/>
+              <a:buNone/>
+              <a:defRPr sz="12000"/>
+            </a:lvl3pPr>
+            <a:lvl4pPr lvl="3" algn="ctr">
+              <a:spcBef>
+                <a:spcPts val="0"/>
+              </a:spcBef>
+              <a:spcAft>
+                <a:spcPts val="0"/>
+              </a:spcAft>
+              <a:buSzPts val="12000"/>
+              <a:buNone/>
+              <a:defRPr sz="12000"/>
+            </a:lvl4pPr>
+            <a:lvl5pPr lvl="4" algn="ctr">
+              <a:spcBef>
+                <a:spcPts val="0"/>
+              </a:spcBef>
+              <a:spcAft>
+                <a:spcPts val="0"/>
+              </a:spcAft>
+              <a:buSzPts val="12000"/>
+              <a:buNone/>
+              <a:defRPr sz="12000"/>
+            </a:lvl5pPr>
+            <a:lvl6pPr lvl="5" algn="ctr">
+              <a:spcBef>
+                <a:spcPts val="0"/>
+              </a:spcBef>
+              <a:spcAft>
+                <a:spcPts val="0"/>
+              </a:spcAft>
+              <a:buSzPts val="12000"/>
+              <a:buNone/>
+              <a:defRPr sz="12000"/>
+            </a:lvl6pPr>
+            <a:lvl7pPr lvl="6" algn="ctr">
+              <a:spcBef>
+                <a:spcPts val="0"/>
+              </a:spcBef>
+              <a:spcAft>
+                <a:spcPts val="0"/>
+              </a:spcAft>
+              <a:buSzPts val="12000"/>
+              <a:buNone/>
+              <a:defRPr sz="12000"/>
+            </a:lvl7pPr>
+            <a:lvl8pPr lvl="7" algn="ctr">
+              <a:spcBef>
+                <a:spcPts val="0"/>
+              </a:spcBef>
+              <a:spcAft>
+                <a:spcPts val="0"/>
+              </a:spcAft>
+              <a:buSzPts val="12000"/>
+              <a:buNone/>
+              <a:defRPr sz="12000"/>
+            </a:lvl8pPr>
+            <a:lvl9pPr lvl="8" algn="ctr">
+              <a:spcBef>
+                <a:spcPts val="0"/>
+              </a:spcBef>
+              <a:spcAft>
+                <a:spcPts val="0"/>
+              </a:spcAft>
+              <a:buSzPts val="12000"/>
+              <a:buNone/>
+              <a:defRPr sz="12000"/>
+            </a:lvl9pPr>
           </a:lstStyle>
-          <a:p/>
+          <a:p>
+            <a:r>
+              <a:t>xx%</a:t>
+            </a:r>
+          </a:p>
         </p:txBody>
       </p:sp>
       <p:sp>
         <p:nvSpPr>
-          <p:cNvPr id="43" name="Google Shape;43;p10"/>
-          <p:cNvSpPr txBox="1"/>
+          <p:cNvPr id="46" name="Google Shape;46;p11"/>
+          <p:cNvSpPr txBox="1">
+            <a:spLocks noGrp="1"/>
+          </p:cNvSpPr>
           <p:nvPr>
-            <p:ph idx="12" type="sldNum"/>
+            <p:ph type="body" idx="1"/>
+          </p:nvPr>
+        </p:nvSpPr>
+        <p:spPr>
+          <a:xfrm>
+            <a:off x="311700" y="3152225"/>
+            <a:ext cx="8520600" cy="1300800"/>
+          </a:xfrm>
+          <a:prstGeom prst="rect">
+            <a:avLst/>
+          </a:prstGeom>
+        </p:spPr>
+        <p:txBody>
+          <a:bodyPr spcFirstLastPara="1" wrap="square" lIns="91425" tIns="91425" rIns="91425" bIns="91425" anchor="t" anchorCtr="0">
+            <a:normAutofit/>
+          </a:bodyPr>
+          <a:lstStyle>
+            <a:lvl1pPr marL="457200" lvl="0" indent="-342900" algn="ctr">
+              <a:spcBef>
+                <a:spcPts val="0"/>
+              </a:spcBef>
+              <a:spcAft>
+                <a:spcPts val="0"/>
+              </a:spcAft>
+              <a:buSzPts val="1800"/>
+              <a:buChar char="●"/>
+              <a:defRPr/>
+            </a:lvl1pPr>
+            <a:lvl2pPr marL="914400" lvl="1" indent="-317500" algn="ctr">
+              <a:spcBef>
+                <a:spcPts val="0"/>
+              </a:spcBef>
+              <a:spcAft>
+                <a:spcPts val="0"/>
+              </a:spcAft>
+              <a:buSzPts val="1400"/>
+              <a:buChar char="○"/>
+              <a:defRPr/>
+            </a:lvl2pPr>
+            <a:lvl3pPr marL="1371600" lvl="2" indent="-317500" algn="ctr">
+              <a:spcBef>
+                <a:spcPts val="0"/>
+              </a:spcBef>
+              <a:spcAft>
+                <a:spcPts val="0"/>
+              </a:spcAft>
+              <a:buSzPts val="1400"/>
+              <a:buChar char="■"/>
+              <a:defRPr/>
+            </a:lvl3pPr>
+            <a:lvl4pPr marL="1828800" lvl="3" indent="-317500" algn="ctr">
+              <a:spcBef>
+                <a:spcPts val="0"/>
+              </a:spcBef>
+              <a:spcAft>
+                <a:spcPts val="0"/>
+              </a:spcAft>
+              <a:buSzPts val="1400"/>
+              <a:buChar char="●"/>
+              <a:defRPr/>
+            </a:lvl4pPr>
+            <a:lvl5pPr marL="2286000" lvl="4" indent="-317500" algn="ctr">
+              <a:spcBef>
+                <a:spcPts val="0"/>
+              </a:spcBef>
+              <a:spcAft>
+                <a:spcPts val="0"/>
+              </a:spcAft>
+              <a:buSzPts val="1400"/>
+              <a:buChar char="○"/>
+              <a:defRPr/>
+            </a:lvl5pPr>
+            <a:lvl6pPr marL="2743200" lvl="5" indent="-317500" algn="ctr">
+              <a:spcBef>
+                <a:spcPts val="0"/>
+              </a:spcBef>
+              <a:spcAft>
+                <a:spcPts val="0"/>
+              </a:spcAft>
+              <a:buSzPts val="1400"/>
+              <a:buChar char="■"/>
+              <a:defRPr/>
+            </a:lvl6pPr>
+            <a:lvl7pPr marL="3200400" lvl="6" indent="-317500" algn="ctr">
+              <a:spcBef>
+                <a:spcPts val="0"/>
+              </a:spcBef>
+              <a:spcAft>
+                <a:spcPts val="0"/>
+              </a:spcAft>
+              <a:buSzPts val="1400"/>
+              <a:buChar char="●"/>
+              <a:defRPr/>
+            </a:lvl7pPr>
+            <a:lvl8pPr marL="3657600" lvl="7" indent="-317500" algn="ctr">
+              <a:spcBef>
+                <a:spcPts val="0"/>
+              </a:spcBef>
+              <a:spcAft>
+                <a:spcPts val="0"/>
+              </a:spcAft>
+              <a:buSzPts val="1400"/>
+              <a:buChar char="○"/>
+              <a:defRPr/>
+            </a:lvl8pPr>
+            <a:lvl9pPr marL="4114800" lvl="8" indent="-317500" algn="ctr">
+              <a:spcBef>
+                <a:spcPts val="0"/>
+              </a:spcBef>
+              <a:spcAft>
+                <a:spcPts val="0"/>
+              </a:spcAft>
+              <a:buSzPts val="1400"/>
+              <a:buChar char="■"/>
+              <a:defRPr/>
+            </a:lvl9pPr>
+          </a:lstStyle>
+          <a:p>
+            <a:endParaRPr/>
+          </a:p>
+        </p:txBody>
+      </p:sp>
+      <p:sp>
+        <p:nvSpPr>
+          <p:cNvPr id="47" name="Google Shape;47;p11"/>
+          <p:cNvSpPr txBox="1">
+            <a:spLocks noGrp="1"/>
+          </p:cNvSpPr>
+          <p:nvPr>
+            <p:ph type="sldNum" idx="12"/>
           </p:nvPr>
         </p:nvSpPr>
         <p:spPr>
@@ -5607,7 +5281,7 @@
           </a:prstGeom>
         </p:spPr>
         <p:txBody>
-          <a:bodyPr anchorCtr="0" anchor="ctr" bIns="91425" lIns="91425" spcFirstLastPara="1" rIns="91425" wrap="square" tIns="91425">
+          <a:bodyPr spcFirstLastPara="1" wrap="square" lIns="91425" tIns="91425" rIns="91425" bIns="91425" anchor="ctr" anchorCtr="0">
             <a:normAutofit/>
           </a:bodyPr>
           <a:lstStyle>
@@ -5649,7 +5323,7 @@
             </a:lvl9pPr>
           </a:lstStyle>
           <a:p>
-            <a:pPr indent="0" lvl="0" marL="0" rtl="0" algn="r">
+            <a:pPr marL="0" lvl="0" indent="0" algn="r" rtl="0">
               <a:spcBef>
                 <a:spcPts val="0"/>
               </a:spcBef>
@@ -5675,18 +5349,19 @@
 </file>
 
 <file path=ppt/slideMasters/slideMaster1.xml><?xml version="1.0" encoding="utf-8"?>
-<p:sldMaster xmlns:a="http://schemas.openxmlformats.org/drawingml/2006/main" xmlns:r="http://schemas.openxmlformats.org/officeDocument/2006/relationships" xmlns:mc="http://schemas.openxmlformats.org/markup-compatibility/2006" xmlns:mv="urn:schemas-microsoft-com:mac:vml" xmlns:p="http://schemas.openxmlformats.org/presentationml/2006/main" xmlns:c="http://schemas.openxmlformats.org/drawingml/2006/chart" xmlns:dgm="http://schemas.openxmlformats.org/drawingml/2006/diagram" xmlns:o="urn:schemas-microsoft-com:office:office" xmlns:v="urn:schemas-microsoft-com:vml" xmlns:pvml="urn:schemas-microsoft-com:office:powerpoint" xmlns:com="http://schemas.openxmlformats.org/drawingml/2006/compatibility" xmlns:p14="http://schemas.microsoft.com/office/powerpoint/2010/main" xmlns:p15="http://schemas.microsoft.com/office/powerpoint/2012/main" xmlns:ahyp="http://schemas.microsoft.com/office/drawing/2018/hyperlinkcolor">
+<p:sldMaster xmlns:a="http://schemas.openxmlformats.org/drawingml/2006/main" xmlns:r="http://schemas.openxmlformats.org/officeDocument/2006/relationships" xmlns:p="http://schemas.openxmlformats.org/presentationml/2006/main">
   <p:cSld name="simple-light-2">
     <p:bg>
       <p:bgPr>
         <a:solidFill>
           <a:schemeClr val="lt1"/>
         </a:solidFill>
+        <a:effectLst/>
       </p:bgPr>
     </p:bg>
     <p:spTree>
       <p:nvGrpSpPr>
-        <p:cNvPr id="5" name="Shape 5"/>
+        <p:cNvPr id="1" name="Shape 5"/>
         <p:cNvGrpSpPr/>
         <p:nvPr/>
       </p:nvGrpSpPr>
@@ -5701,7 +5376,9 @@
       <p:sp>
         <p:nvSpPr>
           <p:cNvPr id="6" name="Google Shape;6;p1"/>
-          <p:cNvSpPr txBox="1"/>
+          <p:cNvSpPr txBox="1">
+            <a:spLocks noGrp="1"/>
+          </p:cNvSpPr>
           <p:nvPr>
             <p:ph type="title"/>
           </p:nvPr>
@@ -5720,7 +5397,7 @@
           </a:ln>
         </p:spPr>
         <p:txBody>
-          <a:bodyPr anchorCtr="0" anchor="t" bIns="91425" lIns="91425" spcFirstLastPara="1" rIns="91425" wrap="square" tIns="91425">
+          <a:bodyPr spcFirstLastPara="1" wrap="square" lIns="91425" tIns="91425" rIns="91425" bIns="91425" anchor="t" anchorCtr="0">
             <a:normAutofit/>
           </a:bodyPr>
           <a:lstStyle>
@@ -5887,15 +5564,19 @@
               </a:defRPr>
             </a:lvl9pPr>
           </a:lstStyle>
-          <a:p/>
+          <a:p>
+            <a:endParaRPr/>
+          </a:p>
         </p:txBody>
       </p:sp>
       <p:sp>
         <p:nvSpPr>
           <p:cNvPr id="7" name="Google Shape;7;p1"/>
-          <p:cNvSpPr txBox="1"/>
+          <p:cNvSpPr txBox="1">
+            <a:spLocks noGrp="1"/>
+          </p:cNvSpPr>
           <p:nvPr>
-            <p:ph idx="1" type="body"/>
+            <p:ph type="body" idx="1"/>
           </p:nvPr>
         </p:nvSpPr>
         <p:spPr>
@@ -5912,11 +5593,11 @@
           </a:ln>
         </p:spPr>
         <p:txBody>
-          <a:bodyPr anchorCtr="0" anchor="t" bIns="91425" lIns="91425" spcFirstLastPara="1" rIns="91425" wrap="square" tIns="91425">
+          <a:bodyPr spcFirstLastPara="1" wrap="square" lIns="91425" tIns="91425" rIns="91425" bIns="91425" anchor="t" anchorCtr="0">
             <a:normAutofit/>
           </a:bodyPr>
           <a:lstStyle>
-            <a:lvl1pPr indent="-342900" lvl="0" marL="457200">
+            <a:lvl1pPr marL="457200" lvl="0" indent="-342900">
               <a:lnSpc>
                 <a:spcPct val="115000"/>
               </a:lnSpc>
@@ -5937,7 +5618,7 @@
                 </a:solidFill>
               </a:defRPr>
             </a:lvl1pPr>
-            <a:lvl2pPr indent="-317500" lvl="1" marL="914400">
+            <a:lvl2pPr marL="914400" lvl="1" indent="-317500">
               <a:lnSpc>
                 <a:spcPct val="115000"/>
               </a:lnSpc>
@@ -5958,7 +5639,7 @@
                 </a:solidFill>
               </a:defRPr>
             </a:lvl2pPr>
-            <a:lvl3pPr indent="-317500" lvl="2" marL="1371600">
+            <a:lvl3pPr marL="1371600" lvl="2" indent="-317500">
               <a:lnSpc>
                 <a:spcPct val="115000"/>
               </a:lnSpc>
@@ -5979,7 +5660,7 @@
                 </a:solidFill>
               </a:defRPr>
             </a:lvl3pPr>
-            <a:lvl4pPr indent="-317500" lvl="3" marL="1828800">
+            <a:lvl4pPr marL="1828800" lvl="3" indent="-317500">
               <a:lnSpc>
                 <a:spcPct val="115000"/>
               </a:lnSpc>
@@ -6000,7 +5681,7 @@
                 </a:solidFill>
               </a:defRPr>
             </a:lvl4pPr>
-            <a:lvl5pPr indent="-317500" lvl="4" marL="2286000">
+            <a:lvl5pPr marL="2286000" lvl="4" indent="-317500">
               <a:lnSpc>
                 <a:spcPct val="115000"/>
               </a:lnSpc>
@@ -6021,7 +5702,7 @@
                 </a:solidFill>
               </a:defRPr>
             </a:lvl5pPr>
-            <a:lvl6pPr indent="-317500" lvl="5" marL="2743200">
+            <a:lvl6pPr marL="2743200" lvl="5" indent="-317500">
               <a:lnSpc>
                 <a:spcPct val="115000"/>
               </a:lnSpc>
@@ -6042,7 +5723,7 @@
                 </a:solidFill>
               </a:defRPr>
             </a:lvl6pPr>
-            <a:lvl7pPr indent="-317500" lvl="6" marL="3200400">
+            <a:lvl7pPr marL="3200400" lvl="6" indent="-317500">
               <a:lnSpc>
                 <a:spcPct val="115000"/>
               </a:lnSpc>
@@ -6063,7 +5744,7 @@
                 </a:solidFill>
               </a:defRPr>
             </a:lvl7pPr>
-            <a:lvl8pPr indent="-317500" lvl="7" marL="3657600">
+            <a:lvl8pPr marL="3657600" lvl="7" indent="-317500">
               <a:lnSpc>
                 <a:spcPct val="115000"/>
               </a:lnSpc>
@@ -6084,7 +5765,7 @@
                 </a:solidFill>
               </a:defRPr>
             </a:lvl8pPr>
-            <a:lvl9pPr indent="-317500" lvl="8" marL="4114800">
+            <a:lvl9pPr marL="4114800" lvl="8" indent="-317500">
               <a:lnSpc>
                 <a:spcPct val="115000"/>
               </a:lnSpc>
@@ -6106,15 +5787,19 @@
               </a:defRPr>
             </a:lvl9pPr>
           </a:lstStyle>
-          <a:p/>
+          <a:p>
+            <a:endParaRPr/>
+          </a:p>
         </p:txBody>
       </p:sp>
       <p:sp>
         <p:nvSpPr>
           <p:cNvPr id="8" name="Google Shape;8;p1"/>
-          <p:cNvSpPr txBox="1"/>
+          <p:cNvSpPr txBox="1">
+            <a:spLocks noGrp="1"/>
+          </p:cNvSpPr>
           <p:nvPr>
-            <p:ph idx="12" type="sldNum"/>
+            <p:ph type="sldNum" idx="12"/>
           </p:nvPr>
         </p:nvSpPr>
         <p:spPr>
@@ -6131,7 +5816,7 @@
           </a:ln>
         </p:spPr>
         <p:txBody>
-          <a:bodyPr anchorCtr="0" anchor="ctr" bIns="91425" lIns="91425" spcFirstLastPara="1" rIns="91425" wrap="square" tIns="91425">
+          <a:bodyPr spcFirstLastPara="1" wrap="square" lIns="91425" tIns="91425" rIns="91425" bIns="91425" anchor="ctr" anchorCtr="0">
             <a:normAutofit/>
           </a:bodyPr>
           <a:lstStyle>
@@ -6209,7 +5894,7 @@
             </a:lvl9pPr>
           </a:lstStyle>
           <a:p>
-            <a:pPr indent="0" lvl="0" marL="0" rtl="0" algn="r">
+            <a:pPr marL="0" lvl="0" indent="0" algn="r" rtl="0">
               <a:spcBef>
                 <a:spcPts val="0"/>
               </a:spcBef>
@@ -6228,25 +5913,24 @@
       </p:sp>
     </p:spTree>
   </p:cSld>
-  <p:clrMap accent1="accent1" accent2="accent2" accent3="accent3" accent4="accent4" accent5="accent5" accent6="accent6" bg1="lt1" bg2="dk2" tx1="dk1" tx2="lt2" folHlink="folHlink" hlink="hlink"/>
+  <p:clrMap bg1="lt1" tx1="dk1" bg2="dk2" tx2="lt2" accent1="accent1" accent2="accent2" accent3="accent3" accent4="accent4" accent5="accent5" accent6="accent6" hlink="hlink" folHlink="folHlink"/>
   <p:sldLayoutIdLst>
-    <p:sldLayoutId id="2147483648" r:id="rId1"/>
-    <p:sldLayoutId id="2147483649" r:id="rId2"/>
-    <p:sldLayoutId id="2147483650" r:id="rId3"/>
-    <p:sldLayoutId id="2147483651" r:id="rId4"/>
-    <p:sldLayoutId id="2147483652" r:id="rId5"/>
-    <p:sldLayoutId id="2147483653" r:id="rId6"/>
-    <p:sldLayoutId id="2147483654" r:id="rId7"/>
-    <p:sldLayoutId id="2147483655" r:id="rId8"/>
-    <p:sldLayoutId id="2147483656" r:id="rId9"/>
-    <p:sldLayoutId id="2147483657" r:id="rId10"/>
-    <p:sldLayoutId id="2147483658" r:id="rId11"/>
-    <p:sldLayoutId id="2147483659" r:id="rId12"/>
+    <p:sldLayoutId id="2147483649" r:id="rId1"/>
+    <p:sldLayoutId id="2147483650" r:id="rId2"/>
+    <p:sldLayoutId id="2147483651" r:id="rId3"/>
+    <p:sldLayoutId id="2147483652" r:id="rId4"/>
+    <p:sldLayoutId id="2147483653" r:id="rId5"/>
+    <p:sldLayoutId id="2147483654" r:id="rId6"/>
+    <p:sldLayoutId id="2147483655" r:id="rId7"/>
+    <p:sldLayoutId id="2147483656" r:id="rId8"/>
+    <p:sldLayoutId id="2147483657" r:id="rId9"/>
+    <p:sldLayoutId id="2147483658" r:id="rId10"/>
+    <p:sldLayoutId id="2147483659" r:id="rId11"/>
   </p:sldLayoutIdLst>
-  <p:hf dt="0" ftr="0" hdr="0" sldNum="0"/>
+  <p:hf sldNum="0" hdr="0" ftr="0" dt="0"/>
   <p:txStyles>
     <p:titleStyle>
-      <a:defPPr lvl="0" marR="0" rtl="0" algn="l">
+      <a:defPPr marR="0" lvl="0" algn="l" rtl="0">
         <a:lnSpc>
           <a:spcPct val="100000"/>
         </a:lnSpc>
@@ -6257,7 +5941,7 @@
           <a:spcPts val="0"/>
         </a:spcAft>
       </a:defPPr>
-      <a:lvl1pPr lvl="0" marR="0" rtl="0" algn="l">
+      <a:lvl1pPr marR="0" lvl="0" algn="l" rtl="0">
         <a:lnSpc>
           <a:spcPct val="100000"/>
         </a:lnSpc>
@@ -6271,7 +5955,7 @@
           <a:srgbClr val="000000"/>
         </a:buClr>
         <a:buFont typeface="Arial"/>
-        <a:defRPr b="0" i="0" sz="1400" u="none" cap="none" strike="noStrike">
+        <a:defRPr sz="1400" b="0" i="0" u="none" strike="noStrike" cap="none">
           <a:solidFill>
             <a:srgbClr val="000000"/>
           </a:solidFill>
@@ -6281,7 +5965,7 @@
           <a:sym typeface="Arial"/>
         </a:defRPr>
       </a:lvl1pPr>
-      <a:lvl2pPr lvl="1" marR="0" rtl="0" algn="l">
+      <a:lvl2pPr marR="0" lvl="1" algn="l" rtl="0">
         <a:lnSpc>
           <a:spcPct val="100000"/>
         </a:lnSpc>
@@ -6295,7 +5979,7 @@
           <a:srgbClr val="000000"/>
         </a:buClr>
         <a:buFont typeface="Arial"/>
-        <a:defRPr b="0" i="0" sz="1400" u="none" cap="none" strike="noStrike">
+        <a:defRPr sz="1400" b="0" i="0" u="none" strike="noStrike" cap="none">
           <a:solidFill>
             <a:srgbClr val="000000"/>
           </a:solidFill>
@@ -6305,7 +5989,7 @@
           <a:sym typeface="Arial"/>
         </a:defRPr>
       </a:lvl2pPr>
-      <a:lvl3pPr lvl="2" marR="0" rtl="0" algn="l">
+      <a:lvl3pPr marR="0" lvl="2" algn="l" rtl="0">
         <a:lnSpc>
           <a:spcPct val="100000"/>
         </a:lnSpc>
@@ -6319,7 +6003,7 @@
           <a:srgbClr val="000000"/>
         </a:buClr>
         <a:buFont typeface="Arial"/>
-        <a:defRPr b="0" i="0" sz="1400" u="none" cap="none" strike="noStrike">
+        <a:defRPr sz="1400" b="0" i="0" u="none" strike="noStrike" cap="none">
           <a:solidFill>
             <a:srgbClr val="000000"/>
           </a:solidFill>
@@ -6329,7 +6013,7 @@
           <a:sym typeface="Arial"/>
         </a:defRPr>
       </a:lvl3pPr>
-      <a:lvl4pPr lvl="3" marR="0" rtl="0" algn="l">
+      <a:lvl4pPr marR="0" lvl="3" algn="l" rtl="0">
         <a:lnSpc>
           <a:spcPct val="100000"/>
         </a:lnSpc>
@@ -6343,7 +6027,7 @@
           <a:srgbClr val="000000"/>
         </a:buClr>
         <a:buFont typeface="Arial"/>
-        <a:defRPr b="0" i="0" sz="1400" u="none" cap="none" strike="noStrike">
+        <a:defRPr sz="1400" b="0" i="0" u="none" strike="noStrike" cap="none">
           <a:solidFill>
             <a:srgbClr val="000000"/>
           </a:solidFill>
@@ -6353,7 +6037,7 @@
           <a:sym typeface="Arial"/>
         </a:defRPr>
       </a:lvl4pPr>
-      <a:lvl5pPr lvl="4" marR="0" rtl="0" algn="l">
+      <a:lvl5pPr marR="0" lvl="4" algn="l" rtl="0">
         <a:lnSpc>
           <a:spcPct val="100000"/>
         </a:lnSpc>
@@ -6367,7 +6051,7 @@
           <a:srgbClr val="000000"/>
         </a:buClr>
         <a:buFont typeface="Arial"/>
-        <a:defRPr b="0" i="0" sz="1400" u="none" cap="none" strike="noStrike">
+        <a:defRPr sz="1400" b="0" i="0" u="none" strike="noStrike" cap="none">
           <a:solidFill>
             <a:srgbClr val="000000"/>
           </a:solidFill>
@@ -6377,7 +6061,7 @@
           <a:sym typeface="Arial"/>
         </a:defRPr>
       </a:lvl5pPr>
-      <a:lvl6pPr lvl="5" marR="0" rtl="0" algn="l">
+      <a:lvl6pPr marR="0" lvl="5" algn="l" rtl="0">
         <a:lnSpc>
           <a:spcPct val="100000"/>
         </a:lnSpc>
@@ -6391,7 +6075,7 @@
           <a:srgbClr val="000000"/>
         </a:buClr>
         <a:buFont typeface="Arial"/>
-        <a:defRPr b="0" i="0" sz="1400" u="none" cap="none" strike="noStrike">
+        <a:defRPr sz="1400" b="0" i="0" u="none" strike="noStrike" cap="none">
           <a:solidFill>
             <a:srgbClr val="000000"/>
           </a:solidFill>
@@ -6401,7 +6085,7 @@
           <a:sym typeface="Arial"/>
         </a:defRPr>
       </a:lvl6pPr>
-      <a:lvl7pPr lvl="6" marR="0" rtl="0" algn="l">
+      <a:lvl7pPr marR="0" lvl="6" algn="l" rtl="0">
         <a:lnSpc>
           <a:spcPct val="100000"/>
         </a:lnSpc>
@@ -6415,7 +6099,7 @@
           <a:srgbClr val="000000"/>
         </a:buClr>
         <a:buFont typeface="Arial"/>
-        <a:defRPr b="0" i="0" sz="1400" u="none" cap="none" strike="noStrike">
+        <a:defRPr sz="1400" b="0" i="0" u="none" strike="noStrike" cap="none">
           <a:solidFill>
             <a:srgbClr val="000000"/>
           </a:solidFill>
@@ -6425,7 +6109,7 @@
           <a:sym typeface="Arial"/>
         </a:defRPr>
       </a:lvl7pPr>
-      <a:lvl8pPr lvl="7" marR="0" rtl="0" algn="l">
+      <a:lvl8pPr marR="0" lvl="7" algn="l" rtl="0">
         <a:lnSpc>
           <a:spcPct val="100000"/>
         </a:lnSpc>
@@ -6439,7 +6123,7 @@
           <a:srgbClr val="000000"/>
         </a:buClr>
         <a:buFont typeface="Arial"/>
-        <a:defRPr b="0" i="0" sz="1400" u="none" cap="none" strike="noStrike">
+        <a:defRPr sz="1400" b="0" i="0" u="none" strike="noStrike" cap="none">
           <a:solidFill>
             <a:srgbClr val="000000"/>
           </a:solidFill>
@@ -6449,7 +6133,7 @@
           <a:sym typeface="Arial"/>
         </a:defRPr>
       </a:lvl8pPr>
-      <a:lvl9pPr lvl="8" marR="0" rtl="0" algn="l">
+      <a:lvl9pPr marR="0" lvl="8" algn="l" rtl="0">
         <a:lnSpc>
           <a:spcPct val="100000"/>
         </a:lnSpc>
@@ -6463,7 +6147,7 @@
           <a:srgbClr val="000000"/>
         </a:buClr>
         <a:buFont typeface="Arial"/>
-        <a:defRPr b="0" i="0" sz="1400" u="none" cap="none" strike="noStrike">
+        <a:defRPr sz="1400" b="0" i="0" u="none" strike="noStrike" cap="none">
           <a:solidFill>
             <a:srgbClr val="000000"/>
           </a:solidFill>
@@ -6475,7 +6159,7 @@
       </a:lvl9pPr>
     </p:titleStyle>
     <p:bodyStyle>
-      <a:defPPr lvl="0" marR="0" rtl="0" algn="l">
+      <a:defPPr marR="0" lvl="0" algn="l" rtl="0">
         <a:lnSpc>
           <a:spcPct val="100000"/>
         </a:lnSpc>
@@ -6486,7 +6170,7 @@
           <a:spcPts val="0"/>
         </a:spcAft>
       </a:defPPr>
-      <a:lvl1pPr lvl="0" marR="0" rtl="0" algn="l">
+      <a:lvl1pPr marR="0" lvl="0" algn="l" rtl="0">
         <a:lnSpc>
           <a:spcPct val="100000"/>
         </a:lnSpc>
@@ -6500,7 +6184,7 @@
           <a:srgbClr val="000000"/>
         </a:buClr>
         <a:buFont typeface="Arial"/>
-        <a:defRPr b="0" i="0" sz="1400" u="none" cap="none" strike="noStrike">
+        <a:defRPr sz="1400" b="0" i="0" u="none" strike="noStrike" cap="none">
           <a:solidFill>
             <a:srgbClr val="000000"/>
           </a:solidFill>
@@ -6510,7 +6194,7 @@
           <a:sym typeface="Arial"/>
         </a:defRPr>
       </a:lvl1pPr>
-      <a:lvl2pPr lvl="1" marR="0" rtl="0" algn="l">
+      <a:lvl2pPr marR="0" lvl="1" algn="l" rtl="0">
         <a:lnSpc>
           <a:spcPct val="100000"/>
         </a:lnSpc>
@@ -6524,7 +6208,7 @@
           <a:srgbClr val="000000"/>
         </a:buClr>
         <a:buFont typeface="Arial"/>
-        <a:defRPr b="0" i="0" sz="1400" u="none" cap="none" strike="noStrike">
+        <a:defRPr sz="1400" b="0" i="0" u="none" strike="noStrike" cap="none">
           <a:solidFill>
             <a:srgbClr val="000000"/>
           </a:solidFill>
@@ -6534,7 +6218,7 @@
           <a:sym typeface="Arial"/>
         </a:defRPr>
       </a:lvl2pPr>
-      <a:lvl3pPr lvl="2" marR="0" rtl="0" algn="l">
+      <a:lvl3pPr marR="0" lvl="2" algn="l" rtl="0">
         <a:lnSpc>
           <a:spcPct val="100000"/>
         </a:lnSpc>
@@ -6548,7 +6232,7 @@
           <a:srgbClr val="000000"/>
         </a:buClr>
         <a:buFont typeface="Arial"/>
-        <a:defRPr b="0" i="0" sz="1400" u="none" cap="none" strike="noStrike">
+        <a:defRPr sz="1400" b="0" i="0" u="none" strike="noStrike" cap="none">
           <a:solidFill>
             <a:srgbClr val="000000"/>
           </a:solidFill>
@@ -6558,7 +6242,7 @@
           <a:sym typeface="Arial"/>
         </a:defRPr>
       </a:lvl3pPr>
-      <a:lvl4pPr lvl="3" marR="0" rtl="0" algn="l">
+      <a:lvl4pPr marR="0" lvl="3" algn="l" rtl="0">
         <a:lnSpc>
           <a:spcPct val="100000"/>
         </a:lnSpc>
@@ -6572,7 +6256,7 @@
           <a:srgbClr val="000000"/>
         </a:buClr>
         <a:buFont typeface="Arial"/>
-        <a:defRPr b="0" i="0" sz="1400" u="none" cap="none" strike="noStrike">
+        <a:defRPr sz="1400" b="0" i="0" u="none" strike="noStrike" cap="none">
           <a:solidFill>
             <a:srgbClr val="000000"/>
           </a:solidFill>
@@ -6582,7 +6266,7 @@
           <a:sym typeface="Arial"/>
         </a:defRPr>
       </a:lvl4pPr>
-      <a:lvl5pPr lvl="4" marR="0" rtl="0" algn="l">
+      <a:lvl5pPr marR="0" lvl="4" algn="l" rtl="0">
         <a:lnSpc>
           <a:spcPct val="100000"/>
         </a:lnSpc>
@@ -6596,7 +6280,7 @@
           <a:srgbClr val="000000"/>
         </a:buClr>
         <a:buFont typeface="Arial"/>
-        <a:defRPr b="0" i="0" sz="1400" u="none" cap="none" strike="noStrike">
+        <a:defRPr sz="1400" b="0" i="0" u="none" strike="noStrike" cap="none">
           <a:solidFill>
             <a:srgbClr val="000000"/>
           </a:solidFill>
@@ -6606,7 +6290,7 @@
           <a:sym typeface="Arial"/>
         </a:defRPr>
       </a:lvl5pPr>
-      <a:lvl6pPr lvl="5" marR="0" rtl="0" algn="l">
+      <a:lvl6pPr marR="0" lvl="5" algn="l" rtl="0">
         <a:lnSpc>
           <a:spcPct val="100000"/>
         </a:lnSpc>
@@ -6620,7 +6304,7 @@
           <a:srgbClr val="000000"/>
         </a:buClr>
         <a:buFont typeface="Arial"/>
-        <a:defRPr b="0" i="0" sz="1400" u="none" cap="none" strike="noStrike">
+        <a:defRPr sz="1400" b="0" i="0" u="none" strike="noStrike" cap="none">
           <a:solidFill>
             <a:srgbClr val="000000"/>
           </a:solidFill>
@@ -6630,7 +6314,7 @@
           <a:sym typeface="Arial"/>
         </a:defRPr>
       </a:lvl6pPr>
-      <a:lvl7pPr lvl="6" marR="0" rtl="0" algn="l">
+      <a:lvl7pPr marR="0" lvl="6" algn="l" rtl="0">
         <a:lnSpc>
           <a:spcPct val="100000"/>
         </a:lnSpc>
@@ -6644,7 +6328,7 @@
           <a:srgbClr val="000000"/>
         </a:buClr>
         <a:buFont typeface="Arial"/>
-        <a:defRPr b="0" i="0" sz="1400" u="none" cap="none" strike="noStrike">
+        <a:defRPr sz="1400" b="0" i="0" u="none" strike="noStrike" cap="none">
           <a:solidFill>
             <a:srgbClr val="000000"/>
           </a:solidFill>
@@ -6654,7 +6338,7 @@
           <a:sym typeface="Arial"/>
         </a:defRPr>
       </a:lvl7pPr>
-      <a:lvl8pPr lvl="7" marR="0" rtl="0" algn="l">
+      <a:lvl8pPr marR="0" lvl="7" algn="l" rtl="0">
         <a:lnSpc>
           <a:spcPct val="100000"/>
         </a:lnSpc>
@@ -6668,7 +6352,7 @@
           <a:srgbClr val="000000"/>
         </a:buClr>
         <a:buFont typeface="Arial"/>
-        <a:defRPr b="0" i="0" sz="1400" u="none" cap="none" strike="noStrike">
+        <a:defRPr sz="1400" b="0" i="0" u="none" strike="noStrike" cap="none">
           <a:solidFill>
             <a:srgbClr val="000000"/>
           </a:solidFill>
@@ -6678,7 +6362,7 @@
           <a:sym typeface="Arial"/>
         </a:defRPr>
       </a:lvl8pPr>
-      <a:lvl9pPr lvl="8" marR="0" rtl="0" algn="l">
+      <a:lvl9pPr marR="0" lvl="8" algn="l" rtl="0">
         <a:lnSpc>
           <a:spcPct val="100000"/>
         </a:lnSpc>
@@ -6692,7 +6376,7 @@
           <a:srgbClr val="000000"/>
         </a:buClr>
         <a:buFont typeface="Arial"/>
-        <a:defRPr b="0" i="0" sz="1400" u="none" cap="none" strike="noStrike">
+        <a:defRPr sz="1400" b="0" i="0" u="none" strike="noStrike" cap="none">
           <a:solidFill>
             <a:srgbClr val="000000"/>
           </a:solidFill>
@@ -6704,7 +6388,7 @@
       </a:lvl9pPr>
     </p:bodyStyle>
     <p:otherStyle>
-      <a:defPPr lvl="0" marR="0" rtl="0" algn="l">
+      <a:defPPr marR="0" lvl="0" algn="l" rtl="0">
         <a:lnSpc>
           <a:spcPct val="100000"/>
         </a:lnSpc>
@@ -6715,7 +6399,7 @@
           <a:spcPts val="0"/>
         </a:spcAft>
       </a:defPPr>
-      <a:lvl1pPr lvl="0" marR="0" rtl="0" algn="l">
+      <a:lvl1pPr marR="0" lvl="0" algn="l" rtl="0">
         <a:lnSpc>
           <a:spcPct val="100000"/>
         </a:lnSpc>
@@ -6729,7 +6413,7 @@
           <a:srgbClr val="000000"/>
         </a:buClr>
         <a:buFont typeface="Arial"/>
-        <a:defRPr b="0" i="0" sz="1400" u="none" cap="none" strike="noStrike">
+        <a:defRPr sz="1400" b="0" i="0" u="none" strike="noStrike" cap="none">
           <a:solidFill>
             <a:srgbClr val="000000"/>
           </a:solidFill>
@@ -6739,7 +6423,7 @@
           <a:sym typeface="Arial"/>
         </a:defRPr>
       </a:lvl1pPr>
-      <a:lvl2pPr lvl="1" marR="0" rtl="0" algn="l">
+      <a:lvl2pPr marR="0" lvl="1" algn="l" rtl="0">
         <a:lnSpc>
           <a:spcPct val="100000"/>
         </a:lnSpc>
@@ -6753,7 +6437,7 @@
           <a:srgbClr val="000000"/>
         </a:buClr>
         <a:buFont typeface="Arial"/>
-        <a:defRPr b="0" i="0" sz="1400" u="none" cap="none" strike="noStrike">
+        <a:defRPr sz="1400" b="0" i="0" u="none" strike="noStrike" cap="none">
           <a:solidFill>
             <a:srgbClr val="000000"/>
           </a:solidFill>
@@ -6763,7 +6447,7 @@
           <a:sym typeface="Arial"/>
         </a:defRPr>
       </a:lvl2pPr>
-      <a:lvl3pPr lvl="2" marR="0" rtl="0" algn="l">
+      <a:lvl3pPr marR="0" lvl="2" algn="l" rtl="0">
         <a:lnSpc>
           <a:spcPct val="100000"/>
         </a:lnSpc>
@@ -6777,7 +6461,7 @@
           <a:srgbClr val="000000"/>
         </a:buClr>
         <a:buFont typeface="Arial"/>
-        <a:defRPr b="0" i="0" sz="1400" u="none" cap="none" strike="noStrike">
+        <a:defRPr sz="1400" b="0" i="0" u="none" strike="noStrike" cap="none">
           <a:solidFill>
             <a:srgbClr val="000000"/>
           </a:solidFill>
@@ -6787,7 +6471,7 @@
           <a:sym typeface="Arial"/>
         </a:defRPr>
       </a:lvl3pPr>
-      <a:lvl4pPr lvl="3" marR="0" rtl="0" algn="l">
+      <a:lvl4pPr marR="0" lvl="3" algn="l" rtl="0">
         <a:lnSpc>
           <a:spcPct val="100000"/>
         </a:lnSpc>
@@ -6801,7 +6485,7 @@
           <a:srgbClr val="000000"/>
         </a:buClr>
         <a:buFont typeface="Arial"/>
-        <a:defRPr b="0" i="0" sz="1400" u="none" cap="none" strike="noStrike">
+        <a:defRPr sz="1400" b="0" i="0" u="none" strike="noStrike" cap="none">
           <a:solidFill>
             <a:srgbClr val="000000"/>
           </a:solidFill>
@@ -6811,7 +6495,7 @@
           <a:sym typeface="Arial"/>
         </a:defRPr>
       </a:lvl4pPr>
-      <a:lvl5pPr lvl="4" marR="0" rtl="0" algn="l">
+      <a:lvl5pPr marR="0" lvl="4" algn="l" rtl="0">
         <a:lnSpc>
           <a:spcPct val="100000"/>
         </a:lnSpc>
@@ -6825,7 +6509,7 @@
           <a:srgbClr val="000000"/>
         </a:buClr>
         <a:buFont typeface="Arial"/>
-        <a:defRPr b="0" i="0" sz="1400" u="none" cap="none" strike="noStrike">
+        <a:defRPr sz="1400" b="0" i="0" u="none" strike="noStrike" cap="none">
           <a:solidFill>
             <a:srgbClr val="000000"/>
           </a:solidFill>
@@ -6835,7 +6519,7 @@
           <a:sym typeface="Arial"/>
         </a:defRPr>
       </a:lvl5pPr>
-      <a:lvl6pPr lvl="5" marR="0" rtl="0" algn="l">
+      <a:lvl6pPr marR="0" lvl="5" algn="l" rtl="0">
         <a:lnSpc>
           <a:spcPct val="100000"/>
         </a:lnSpc>
@@ -6849,7 +6533,7 @@
           <a:srgbClr val="000000"/>
         </a:buClr>
         <a:buFont typeface="Arial"/>
-        <a:defRPr b="0" i="0" sz="1400" u="none" cap="none" strike="noStrike">
+        <a:defRPr sz="1400" b="0" i="0" u="none" strike="noStrike" cap="none">
           <a:solidFill>
             <a:srgbClr val="000000"/>
           </a:solidFill>
@@ -6859,7 +6543,7 @@
           <a:sym typeface="Arial"/>
         </a:defRPr>
       </a:lvl6pPr>
-      <a:lvl7pPr lvl="6" marR="0" rtl="0" algn="l">
+      <a:lvl7pPr marR="0" lvl="6" algn="l" rtl="0">
         <a:lnSpc>
           <a:spcPct val="100000"/>
         </a:lnSpc>
@@ -6873,7 +6557,7 @@
           <a:srgbClr val="000000"/>
         </a:buClr>
         <a:buFont typeface="Arial"/>
-        <a:defRPr b="0" i="0" sz="1400" u="none" cap="none" strike="noStrike">
+        <a:defRPr sz="1400" b="0" i="0" u="none" strike="noStrike" cap="none">
           <a:solidFill>
             <a:srgbClr val="000000"/>
           </a:solidFill>
@@ -6883,7 +6567,7 @@
           <a:sym typeface="Arial"/>
         </a:defRPr>
       </a:lvl7pPr>
-      <a:lvl8pPr lvl="7" marR="0" rtl="0" algn="l">
+      <a:lvl8pPr marR="0" lvl="7" algn="l" rtl="0">
         <a:lnSpc>
           <a:spcPct val="100000"/>
         </a:lnSpc>
@@ -6897,7 +6581,7 @@
           <a:srgbClr val="000000"/>
         </a:buClr>
         <a:buFont typeface="Arial"/>
-        <a:defRPr b="0" i="0" sz="1400" u="none" cap="none" strike="noStrike">
+        <a:defRPr sz="1400" b="0" i="0" u="none" strike="noStrike" cap="none">
           <a:solidFill>
             <a:srgbClr val="000000"/>
           </a:solidFill>
@@ -6907,7 +6591,7 @@
           <a:sym typeface="Arial"/>
         </a:defRPr>
       </a:lvl8pPr>
-      <a:lvl9pPr lvl="8" marR="0" rtl="0" algn="l">
+      <a:lvl9pPr marR="0" lvl="8" algn="l" rtl="0">
         <a:lnSpc>
           <a:spcPct val="100000"/>
         </a:lnSpc>
@@ -6921,7 +6605,7 @@
           <a:srgbClr val="000000"/>
         </a:buClr>
         <a:buFont typeface="Arial"/>
-        <a:defRPr b="0" i="0" sz="1400" u="none" cap="none" strike="noStrike">
+        <a:defRPr sz="1400" b="0" i="0" u="none" strike="noStrike" cap="none">
           <a:solidFill>
             <a:srgbClr val="000000"/>
           </a:solidFill>
@@ -6937,114 +6621,11 @@
 </file>
 
 <file path=ppt/slides/slide1.xml><?xml version="1.0" encoding="utf-8"?>
-<p:sld xmlns:a="http://schemas.openxmlformats.org/drawingml/2006/main" xmlns:r="http://schemas.openxmlformats.org/officeDocument/2006/relationships" xmlns:mc="http://schemas.openxmlformats.org/markup-compatibility/2006" xmlns:mv="urn:schemas-microsoft-com:mac:vml" xmlns:p="http://schemas.openxmlformats.org/presentationml/2006/main" xmlns:c="http://schemas.openxmlformats.org/drawingml/2006/chart" xmlns:dgm="http://schemas.openxmlformats.org/drawingml/2006/diagram" xmlns:o="urn:schemas-microsoft-com:office:office" xmlns:v="urn:schemas-microsoft-com:vml" xmlns:pvml="urn:schemas-microsoft-com:office:powerpoint" xmlns:com="http://schemas.openxmlformats.org/drawingml/2006/compatibility" xmlns:p14="http://schemas.microsoft.com/office/powerpoint/2010/main" xmlns:p15="http://schemas.microsoft.com/office/powerpoint/2012/main" xmlns:ahyp="http://schemas.microsoft.com/office/drawing/2018/hyperlinkcolor">
+<p:sld xmlns:a="http://schemas.openxmlformats.org/drawingml/2006/main" xmlns:r="http://schemas.openxmlformats.org/officeDocument/2006/relationships" xmlns:p="http://schemas.openxmlformats.org/presentationml/2006/main">
   <p:cSld>
     <p:spTree>
       <p:nvGrpSpPr>
-        <p:cNvPr id="60" name="Shape 60"/>
-        <p:cNvGrpSpPr/>
-        <p:nvPr/>
-      </p:nvGrpSpPr>
-      <p:grpSpPr>
-        <a:xfrm>
-          <a:off x="0" y="0"/>
-          <a:ext cx="0" cy="0"/>
-          <a:chOff x="0" y="0"/>
-          <a:chExt cx="0" cy="0"/>
-        </a:xfrm>
-      </p:grpSpPr>
-      <p:sp>
-        <p:nvSpPr>
-          <p:cNvPr id="61" name="Google Shape;61;p14"/>
-          <p:cNvSpPr txBox="1"/>
-          <p:nvPr>
-            <p:ph type="ctrTitle"/>
-          </p:nvPr>
-        </p:nvSpPr>
-        <p:spPr>
-          <a:xfrm>
-            <a:off x="311708" y="744575"/>
-            <a:ext cx="8520600" cy="2052600"/>
-          </a:xfrm>
-          <a:prstGeom prst="rect">
-            <a:avLst/>
-          </a:prstGeom>
-        </p:spPr>
-        <p:txBody>
-          <a:bodyPr anchorCtr="0" anchor="b" bIns="91425" lIns="91425" spcFirstLastPara="1" rIns="91425" wrap="square" tIns="91425">
-            <a:normAutofit/>
-          </a:bodyPr>
-          <a:lstStyle/>
-          <a:p>
-            <a:pPr indent="0" lvl="0" marL="0" rtl="0" algn="ctr">
-              <a:spcBef>
-                <a:spcPts val="0"/>
-              </a:spcBef>
-              <a:spcAft>
-                <a:spcPts val="0"/>
-              </a:spcAft>
-              <a:buNone/>
-            </a:pPr>
-            <a:r>
-              <a:t/>
-            </a:r>
-            <a:endParaRPr/>
-          </a:p>
-        </p:txBody>
-      </p:sp>
-      <p:sp>
-        <p:nvSpPr>
-          <p:cNvPr id="62" name="Google Shape;62;p14"/>
-          <p:cNvSpPr txBox="1"/>
-          <p:nvPr>
-            <p:ph idx="1" type="subTitle"/>
-          </p:nvPr>
-        </p:nvSpPr>
-        <p:spPr>
-          <a:xfrm>
-            <a:off x="311700" y="2834125"/>
-            <a:ext cx="8520600" cy="792600"/>
-          </a:xfrm>
-          <a:prstGeom prst="rect">
-            <a:avLst/>
-          </a:prstGeom>
-        </p:spPr>
-        <p:txBody>
-          <a:bodyPr anchorCtr="0" anchor="t" bIns="91425" lIns="91425" spcFirstLastPara="1" rIns="91425" wrap="square" tIns="91425">
-            <a:normAutofit/>
-          </a:bodyPr>
-          <a:lstStyle/>
-          <a:p>
-            <a:pPr indent="0" lvl="0" marL="0" rtl="0" algn="ctr">
-              <a:spcBef>
-                <a:spcPts val="0"/>
-              </a:spcBef>
-              <a:spcAft>
-                <a:spcPts val="0"/>
-              </a:spcAft>
-              <a:buNone/>
-            </a:pPr>
-            <a:r>
-              <a:t/>
-            </a:r>
-            <a:endParaRPr/>
-          </a:p>
-        </p:txBody>
-      </p:sp>
-    </p:spTree>
-  </p:cSld>
-  <p:clrMapOvr>
-    <a:masterClrMapping/>
-  </p:clrMapOvr>
-</p:sld>
-</file>
-
-<file path=ppt/slides/slide2.xml><?xml version="1.0" encoding="utf-8"?>
-<p:sld xmlns:a="http://schemas.openxmlformats.org/drawingml/2006/main" xmlns:r="http://schemas.openxmlformats.org/officeDocument/2006/relationships" xmlns:mc="http://schemas.openxmlformats.org/markup-compatibility/2006" xmlns:mv="urn:schemas-microsoft-com:mac:vml" xmlns:p="http://schemas.openxmlformats.org/presentationml/2006/main" xmlns:c="http://schemas.openxmlformats.org/drawingml/2006/chart" xmlns:dgm="http://schemas.openxmlformats.org/drawingml/2006/diagram" xmlns:o="urn:schemas-microsoft-com:office:office" xmlns:v="urn:schemas-microsoft-com:vml" xmlns:pvml="urn:schemas-microsoft-com:office:powerpoint" xmlns:com="http://schemas.openxmlformats.org/drawingml/2006/compatibility" xmlns:p14="http://schemas.microsoft.com/office/powerpoint/2010/main" xmlns:p15="http://schemas.microsoft.com/office/powerpoint/2012/main" xmlns:ahyp="http://schemas.microsoft.com/office/drawing/2018/hyperlinkcolor">
-  <p:cSld>
-    <p:spTree>
-      <p:nvGrpSpPr>
-        <p:cNvPr id="66" name="Shape 66"/>
+        <p:cNvPr id="1" name="Shape 66"/>
         <p:cNvGrpSpPr/>
         <p:nvPr/>
       </p:nvGrpSpPr>
@@ -7059,7 +6640,9 @@
       <p:sp>
         <p:nvSpPr>
           <p:cNvPr id="67" name="Google Shape;67;p15"/>
-          <p:cNvSpPr txBox="1"/>
+          <p:cNvSpPr txBox="1">
+            <a:spLocks noGrp="1"/>
+          </p:cNvSpPr>
           <p:nvPr>
             <p:ph type="title"/>
           </p:nvPr>
@@ -7078,12 +6661,12 @@
           </a:ln>
         </p:spPr>
         <p:txBody>
-          <a:bodyPr anchorCtr="0" anchor="ctr" bIns="34275" lIns="68575" spcFirstLastPara="1" rIns="68575" wrap="square" tIns="34275">
+          <a:bodyPr spcFirstLastPara="1" wrap="square" lIns="68575" tIns="34275" rIns="68575" bIns="34275" anchor="ctr" anchorCtr="0">
             <a:normAutofit/>
           </a:bodyPr>
           <a:lstStyle/>
           <a:p>
-            <a:pPr indent="0" lvl="0" marL="0" rtl="0" algn="l">
+            <a:pPr marL="0" lvl="0" indent="0" algn="l" rtl="0">
               <a:lnSpc>
                 <a:spcPct val="90000"/>
               </a:lnSpc>
@@ -7116,9 +6699,11 @@
       <p:sp>
         <p:nvSpPr>
           <p:cNvPr id="68" name="Google Shape;68;p15"/>
-          <p:cNvSpPr txBox="1"/>
+          <p:cNvSpPr txBox="1">
+            <a:spLocks noGrp="1"/>
+          </p:cNvSpPr>
           <p:nvPr>
-            <p:ph idx="1" type="body"/>
+            <p:ph type="body" idx="1"/>
           </p:nvPr>
         </p:nvSpPr>
         <p:spPr>
@@ -7135,12 +6720,12 @@
           </a:ln>
         </p:spPr>
         <p:txBody>
-          <a:bodyPr anchorCtr="0" anchor="t" bIns="34275" lIns="68575" spcFirstLastPara="1" rIns="68575" wrap="square" tIns="34275">
+          <a:bodyPr spcFirstLastPara="1" wrap="square" lIns="68575" tIns="34275" rIns="68575" bIns="34275" anchor="t" anchorCtr="0">
             <a:noAutofit/>
           </a:bodyPr>
           <a:lstStyle/>
           <a:p>
-            <a:pPr indent="0" lvl="0" marL="0" rtl="0" algn="l">
+            <a:pPr marL="0" lvl="0" indent="0" algn="l" rtl="0">
               <a:lnSpc>
                 <a:spcPct val="115000"/>
               </a:lnSpc>
@@ -7169,7 +6754,7 @@
             </a:endParaRPr>
           </a:p>
           <a:p>
-            <a:pPr indent="0" lvl="0" marL="0" rtl="0" algn="l">
+            <a:pPr marL="0" lvl="0" indent="0" algn="l" rtl="0">
               <a:lnSpc>
                 <a:spcPct val="115000"/>
               </a:lnSpc>
@@ -7198,7 +6783,7 @@
             </a:endParaRPr>
           </a:p>
           <a:p>
-            <a:pPr indent="0" lvl="0" marL="0" rtl="0" algn="l">
+            <a:pPr marL="0" lvl="0" indent="0" algn="l" rtl="0">
               <a:lnSpc>
                 <a:spcPct val="115000"/>
               </a:lnSpc>
@@ -7227,7 +6812,7 @@
             </a:endParaRPr>
           </a:p>
           <a:p>
-            <a:pPr indent="0" lvl="0" marL="0" rtl="0" algn="l">
+            <a:pPr marL="0" lvl="0" indent="0" algn="l" rtl="0">
               <a:lnSpc>
                 <a:spcPct val="115000"/>
               </a:lnSpc>
@@ -7256,7 +6841,7 @@
             </a:endParaRPr>
           </a:p>
           <a:p>
-            <a:pPr indent="0" lvl="0" marL="0" rtl="0" algn="l">
+            <a:pPr marL="0" lvl="0" indent="0" algn="l" rtl="0">
               <a:lnSpc>
                 <a:spcPct val="115000"/>
               </a:lnSpc>
@@ -7268,9 +6853,6 @@
               </a:spcAft>
               <a:buNone/>
             </a:pPr>
-            <a:r>
-              <a:t/>
-            </a:r>
             <a:endParaRPr sz="1100">
               <a:latin typeface="Arial"/>
               <a:ea typeface="Arial"/>
@@ -7316,12 +6898,12 @@
 </p:sld>
 </file>
 
-<file path=ppt/slides/slide3.xml><?xml version="1.0" encoding="utf-8"?>
-<p:sld xmlns:a="http://schemas.openxmlformats.org/drawingml/2006/main" xmlns:r="http://schemas.openxmlformats.org/officeDocument/2006/relationships" xmlns:mc="http://schemas.openxmlformats.org/markup-compatibility/2006" xmlns:mv="urn:schemas-microsoft-com:mac:vml" xmlns:p="http://schemas.openxmlformats.org/presentationml/2006/main" xmlns:c="http://schemas.openxmlformats.org/drawingml/2006/chart" xmlns:dgm="http://schemas.openxmlformats.org/drawingml/2006/diagram" xmlns:o="urn:schemas-microsoft-com:office:office" xmlns:v="urn:schemas-microsoft-com:vml" xmlns:pvml="urn:schemas-microsoft-com:office:powerpoint" xmlns:com="http://schemas.openxmlformats.org/drawingml/2006/compatibility" xmlns:p14="http://schemas.microsoft.com/office/powerpoint/2010/main" xmlns:p15="http://schemas.microsoft.com/office/powerpoint/2012/main" xmlns:ahyp="http://schemas.microsoft.com/office/drawing/2018/hyperlinkcolor">
+<file path=ppt/slides/slide2.xml><?xml version="1.0" encoding="utf-8"?>
+<p:sld xmlns:a="http://schemas.openxmlformats.org/drawingml/2006/main" xmlns:r="http://schemas.openxmlformats.org/officeDocument/2006/relationships" xmlns:p="http://schemas.openxmlformats.org/presentationml/2006/main">
   <p:cSld>
     <p:spTree>
       <p:nvGrpSpPr>
-        <p:cNvPr id="73" name="Shape 73"/>
+        <p:cNvPr id="1" name="Shape 73"/>
         <p:cNvGrpSpPr/>
         <p:nvPr/>
       </p:nvGrpSpPr>
@@ -7336,7 +6918,9 @@
       <p:sp>
         <p:nvSpPr>
           <p:cNvPr id="74" name="Google Shape;74;p16"/>
-          <p:cNvSpPr txBox="1"/>
+          <p:cNvSpPr txBox="1">
+            <a:spLocks noGrp="1"/>
+          </p:cNvSpPr>
           <p:nvPr>
             <p:ph type="title"/>
           </p:nvPr>
@@ -7355,12 +6939,12 @@
           </a:ln>
         </p:spPr>
         <p:txBody>
-          <a:bodyPr anchorCtr="0" anchor="ctr" bIns="34275" lIns="68575" spcFirstLastPara="1" rIns="68575" wrap="square" tIns="34275">
+          <a:bodyPr spcFirstLastPara="1" wrap="square" lIns="68575" tIns="34275" rIns="68575" bIns="34275" anchor="ctr" anchorCtr="0">
             <a:normAutofit/>
           </a:bodyPr>
           <a:lstStyle/>
           <a:p>
-            <a:pPr indent="0" lvl="0" marL="0" rtl="0" algn="l">
+            <a:pPr marL="0" lvl="0" indent="0" algn="l" rtl="0">
               <a:spcBef>
                 <a:spcPts val="0"/>
               </a:spcBef>
@@ -7385,9 +6969,11 @@
       <p:sp>
         <p:nvSpPr>
           <p:cNvPr id="75" name="Google Shape;75;p16"/>
-          <p:cNvSpPr txBox="1"/>
+          <p:cNvSpPr txBox="1">
+            <a:spLocks noGrp="1"/>
+          </p:cNvSpPr>
           <p:nvPr>
-            <p:ph idx="1" type="body"/>
+            <p:ph type="body" idx="1"/>
           </p:nvPr>
         </p:nvSpPr>
         <p:spPr>
@@ -7404,12 +6990,12 @@
           </a:ln>
         </p:spPr>
         <p:txBody>
-          <a:bodyPr anchorCtr="0" anchor="t" bIns="34275" lIns="68575" spcFirstLastPara="1" rIns="68575" wrap="square" tIns="34275">
+          <a:bodyPr spcFirstLastPara="1" wrap="square" lIns="68575" tIns="34275" rIns="68575" bIns="34275" anchor="t" anchorCtr="0">
             <a:noAutofit/>
           </a:bodyPr>
           <a:lstStyle/>
           <a:p>
-            <a:pPr indent="-298450" lvl="0" marL="457200" rtl="0" algn="l">
+            <a:pPr marL="457200" lvl="0" indent="-298450" algn="l" rtl="0">
               <a:lnSpc>
                 <a:spcPct val="115000"/>
               </a:lnSpc>
@@ -7440,7 +7026,7 @@
             </a:endParaRPr>
           </a:p>
           <a:p>
-            <a:pPr indent="-298450" lvl="0" marL="457200" rtl="0" algn="l">
+            <a:pPr marL="457200" lvl="0" indent="-298450" algn="l" rtl="0">
               <a:lnSpc>
                 <a:spcPct val="115000"/>
               </a:lnSpc>
@@ -7471,7 +7057,7 @@
             </a:endParaRPr>
           </a:p>
           <a:p>
-            <a:pPr indent="-298450" lvl="1" marL="914400" rtl="0" algn="l">
+            <a:pPr marL="914400" lvl="1" indent="-298450" algn="l" rtl="0">
               <a:lnSpc>
                 <a:spcPct val="115000"/>
               </a:lnSpc>
@@ -7502,7 +7088,7 @@
             </a:endParaRPr>
           </a:p>
           <a:p>
-            <a:pPr indent="-298450" lvl="1" marL="914400" rtl="0" algn="l">
+            <a:pPr marL="914400" lvl="1" indent="-298450" algn="l" rtl="0">
               <a:lnSpc>
                 <a:spcPct val="115000"/>
               </a:lnSpc>
@@ -7533,7 +7119,7 @@
             </a:endParaRPr>
           </a:p>
           <a:p>
-            <a:pPr indent="-298450" lvl="1" marL="914400" rtl="0" algn="l">
+            <a:pPr marL="914400" lvl="1" indent="-298450" algn="l" rtl="0">
               <a:lnSpc>
                 <a:spcPct val="115000"/>
               </a:lnSpc>
@@ -7564,7 +7150,7 @@
             </a:endParaRPr>
           </a:p>
           <a:p>
-            <a:pPr indent="-298450" lvl="0" marL="457200" rtl="0" algn="l">
+            <a:pPr marL="457200" lvl="0" indent="-298450" algn="l" rtl="0">
               <a:lnSpc>
                 <a:spcPct val="115000"/>
               </a:lnSpc>
@@ -7595,7 +7181,7 @@
             </a:endParaRPr>
           </a:p>
           <a:p>
-            <a:pPr indent="-298450" lvl="1" marL="914400" rtl="0" algn="l">
+            <a:pPr marL="914400" lvl="1" indent="-298450" algn="l" rtl="0">
               <a:lnSpc>
                 <a:spcPct val="115000"/>
               </a:lnSpc>
@@ -7626,7 +7212,7 @@
             </a:endParaRPr>
           </a:p>
           <a:p>
-            <a:pPr indent="-298450" lvl="0" marL="457200" rtl="0" algn="l">
+            <a:pPr marL="457200" lvl="0" indent="-298450" algn="l" rtl="0">
               <a:lnSpc>
                 <a:spcPct val="115000"/>
               </a:lnSpc>
@@ -7657,7 +7243,7 @@
             </a:endParaRPr>
           </a:p>
           <a:p>
-            <a:pPr indent="-298450" lvl="0" marL="457200" rtl="0" algn="l">
+            <a:pPr marL="457200" lvl="0" indent="-298450" algn="l" rtl="0">
               <a:lnSpc>
                 <a:spcPct val="115000"/>
               </a:lnSpc>
@@ -7725,12 +7311,12 @@
 </p:sld>
 </file>
 
-<file path=ppt/slides/slide4.xml><?xml version="1.0" encoding="utf-8"?>
-<p:sld xmlns:a="http://schemas.openxmlformats.org/drawingml/2006/main" xmlns:r="http://schemas.openxmlformats.org/officeDocument/2006/relationships" xmlns:mc="http://schemas.openxmlformats.org/markup-compatibility/2006" xmlns:mv="urn:schemas-microsoft-com:mac:vml" xmlns:p="http://schemas.openxmlformats.org/presentationml/2006/main" xmlns:c="http://schemas.openxmlformats.org/drawingml/2006/chart" xmlns:dgm="http://schemas.openxmlformats.org/drawingml/2006/diagram" xmlns:o="urn:schemas-microsoft-com:office:office" xmlns:v="urn:schemas-microsoft-com:vml" xmlns:pvml="urn:schemas-microsoft-com:office:powerpoint" xmlns:com="http://schemas.openxmlformats.org/drawingml/2006/compatibility" xmlns:p14="http://schemas.microsoft.com/office/powerpoint/2010/main" xmlns:p15="http://schemas.microsoft.com/office/powerpoint/2012/main" xmlns:ahyp="http://schemas.microsoft.com/office/drawing/2018/hyperlinkcolor">
+<file path=ppt/slides/slide3.xml><?xml version="1.0" encoding="utf-8"?>
+<p:sld xmlns:a="http://schemas.openxmlformats.org/drawingml/2006/main" xmlns:r="http://schemas.openxmlformats.org/officeDocument/2006/relationships" xmlns:p="http://schemas.openxmlformats.org/presentationml/2006/main">
   <p:cSld>
     <p:spTree>
       <p:nvGrpSpPr>
-        <p:cNvPr id="80" name="Shape 80"/>
+        <p:cNvPr id="1" name="Shape 80"/>
         <p:cNvGrpSpPr/>
         <p:nvPr/>
       </p:nvGrpSpPr>
@@ -7745,7 +7331,9 @@
       <p:sp>
         <p:nvSpPr>
           <p:cNvPr id="81" name="Google Shape;81;p17"/>
-          <p:cNvSpPr txBox="1"/>
+          <p:cNvSpPr txBox="1">
+            <a:spLocks noGrp="1"/>
+          </p:cNvSpPr>
           <p:nvPr>
             <p:ph type="title"/>
           </p:nvPr>
@@ -7764,12 +7352,12 @@
           </a:ln>
         </p:spPr>
         <p:txBody>
-          <a:bodyPr anchorCtr="0" anchor="ctr" bIns="34275" lIns="68575" spcFirstLastPara="1" rIns="68575" wrap="square" tIns="34275">
+          <a:bodyPr spcFirstLastPara="1" wrap="square" lIns="68575" tIns="34275" rIns="68575" bIns="34275" anchor="ctr" anchorCtr="0">
             <a:normAutofit/>
           </a:bodyPr>
           <a:lstStyle/>
           <a:p>
-            <a:pPr indent="0" lvl="0" marL="0" rtl="0" algn="l">
+            <a:pPr marL="0" lvl="0" indent="0" algn="l" rtl="0">
               <a:lnSpc>
                 <a:spcPct val="90000"/>
               </a:lnSpc>
@@ -7802,9 +7390,11 @@
       <p:sp>
         <p:nvSpPr>
           <p:cNvPr id="82" name="Google Shape;82;p17"/>
-          <p:cNvSpPr txBox="1"/>
+          <p:cNvSpPr txBox="1">
+            <a:spLocks noGrp="1"/>
+          </p:cNvSpPr>
           <p:nvPr>
-            <p:ph idx="1" type="body"/>
+            <p:ph type="body" idx="1"/>
           </p:nvPr>
         </p:nvSpPr>
         <p:spPr>
@@ -7821,12 +7411,12 @@
           </a:ln>
         </p:spPr>
         <p:txBody>
-          <a:bodyPr anchorCtr="0" anchor="t" bIns="34275" lIns="68575" spcFirstLastPara="1" rIns="68575" wrap="square" tIns="34275">
+          <a:bodyPr spcFirstLastPara="1" wrap="square" lIns="68575" tIns="34275" rIns="68575" bIns="34275" anchor="t" anchorCtr="0">
             <a:noAutofit/>
           </a:bodyPr>
           <a:lstStyle/>
           <a:p>
-            <a:pPr indent="0" lvl="0" marL="0" rtl="0" algn="l">
+            <a:pPr marL="0" lvl="0" indent="0" algn="l" rtl="0">
               <a:lnSpc>
                 <a:spcPct val="115000"/>
               </a:lnSpc>
@@ -7855,7 +7445,7 @@
             </a:endParaRPr>
           </a:p>
           <a:p>
-            <a:pPr indent="0" lvl="0" marL="0" rtl="0" algn="l">
+            <a:pPr marL="0" lvl="0" indent="0" algn="l" rtl="0">
               <a:lnSpc>
                 <a:spcPct val="115000"/>
               </a:lnSpc>
@@ -7884,7 +7474,7 @@
             </a:endParaRPr>
           </a:p>
           <a:p>
-            <a:pPr indent="0" lvl="0" marL="0" rtl="0" algn="l">
+            <a:pPr marL="0" lvl="0" indent="0" algn="l" rtl="0">
               <a:lnSpc>
                 <a:spcPct val="115000"/>
               </a:lnSpc>
@@ -7896,9 +7486,6 @@
               </a:spcAft>
               <a:buNone/>
             </a:pPr>
-            <a:r>
-              <a:t/>
-            </a:r>
             <a:endParaRPr sz="1100">
               <a:latin typeface="Arial"/>
               <a:ea typeface="Arial"/>
@@ -7944,12 +7531,12 @@
 </p:sld>
 </file>
 
-<file path=ppt/slides/slide5.xml><?xml version="1.0" encoding="utf-8"?>
-<p:sld xmlns:a="http://schemas.openxmlformats.org/drawingml/2006/main" xmlns:r="http://schemas.openxmlformats.org/officeDocument/2006/relationships" xmlns:mc="http://schemas.openxmlformats.org/markup-compatibility/2006" xmlns:mv="urn:schemas-microsoft-com:mac:vml" xmlns:p="http://schemas.openxmlformats.org/presentationml/2006/main" xmlns:c="http://schemas.openxmlformats.org/drawingml/2006/chart" xmlns:dgm="http://schemas.openxmlformats.org/drawingml/2006/diagram" xmlns:o="urn:schemas-microsoft-com:office:office" xmlns:v="urn:schemas-microsoft-com:vml" xmlns:pvml="urn:schemas-microsoft-com:office:powerpoint" xmlns:com="http://schemas.openxmlformats.org/drawingml/2006/compatibility" xmlns:p14="http://schemas.microsoft.com/office/powerpoint/2010/main" xmlns:p15="http://schemas.microsoft.com/office/powerpoint/2012/main" xmlns:ahyp="http://schemas.microsoft.com/office/drawing/2018/hyperlinkcolor">
+<file path=ppt/slides/slide4.xml><?xml version="1.0" encoding="utf-8"?>
+<p:sld xmlns:a="http://schemas.openxmlformats.org/drawingml/2006/main" xmlns:r="http://schemas.openxmlformats.org/officeDocument/2006/relationships" xmlns:p="http://schemas.openxmlformats.org/presentationml/2006/main">
   <p:cSld>
     <p:spTree>
       <p:nvGrpSpPr>
-        <p:cNvPr id="87" name="Shape 87"/>
+        <p:cNvPr id="1" name="Shape 87"/>
         <p:cNvGrpSpPr/>
         <p:nvPr/>
       </p:nvGrpSpPr>
@@ -7964,7 +7551,9 @@
       <p:sp>
         <p:nvSpPr>
           <p:cNvPr id="88" name="Google Shape;88;p18"/>
-          <p:cNvSpPr txBox="1"/>
+          <p:cNvSpPr txBox="1">
+            <a:spLocks noGrp="1"/>
+          </p:cNvSpPr>
           <p:nvPr>
             <p:ph type="title"/>
           </p:nvPr>
@@ -7983,12 +7572,12 @@
           </a:ln>
         </p:spPr>
         <p:txBody>
-          <a:bodyPr anchorCtr="0" anchor="ctr" bIns="34275" lIns="68575" spcFirstLastPara="1" rIns="68575" wrap="square" tIns="34275">
+          <a:bodyPr spcFirstLastPara="1" wrap="square" lIns="68575" tIns="34275" rIns="68575" bIns="34275" anchor="ctr" anchorCtr="0">
             <a:normAutofit/>
           </a:bodyPr>
           <a:lstStyle/>
           <a:p>
-            <a:pPr indent="0" lvl="0" marL="0" rtl="0" algn="l">
+            <a:pPr marL="0" lvl="0" indent="0" algn="l" rtl="0">
               <a:lnSpc>
                 <a:spcPct val="90000"/>
               </a:lnSpc>
@@ -8021,9 +7610,11 @@
       <p:sp>
         <p:nvSpPr>
           <p:cNvPr id="89" name="Google Shape;89;p18"/>
-          <p:cNvSpPr txBox="1"/>
+          <p:cNvSpPr txBox="1">
+            <a:spLocks noGrp="1"/>
+          </p:cNvSpPr>
           <p:nvPr>
-            <p:ph idx="1" type="body"/>
+            <p:ph type="body" idx="1"/>
           </p:nvPr>
         </p:nvSpPr>
         <p:spPr>
@@ -8040,12 +7631,12 @@
           </a:ln>
         </p:spPr>
         <p:txBody>
-          <a:bodyPr anchorCtr="0" anchor="t" bIns="34275" lIns="68575" spcFirstLastPara="1" rIns="68575" wrap="square" tIns="34275">
+          <a:bodyPr spcFirstLastPara="1" wrap="square" lIns="68575" tIns="34275" rIns="68575" bIns="34275" anchor="t" anchorCtr="0">
             <a:noAutofit/>
           </a:bodyPr>
           <a:lstStyle/>
           <a:p>
-            <a:pPr indent="0" lvl="0" marL="0" rtl="0" algn="l">
+            <a:pPr marL="0" lvl="0" indent="0" algn="l" rtl="0">
               <a:lnSpc>
                 <a:spcPct val="115000"/>
               </a:lnSpc>
@@ -8074,7 +7665,7 @@
             </a:endParaRPr>
           </a:p>
           <a:p>
-            <a:pPr indent="0" lvl="0" marL="0" rtl="0" algn="l">
+            <a:pPr marL="0" lvl="0" indent="0" algn="l" rtl="0">
               <a:lnSpc>
                 <a:spcPct val="115000"/>
               </a:lnSpc>
@@ -8103,7 +7694,7 @@
             </a:endParaRPr>
           </a:p>
           <a:p>
-            <a:pPr indent="0" lvl="0" marL="0" rtl="0" algn="l">
+            <a:pPr marL="0" lvl="0" indent="0" algn="l" rtl="0">
               <a:lnSpc>
                 <a:spcPct val="115000"/>
               </a:lnSpc>
@@ -8132,7 +7723,7 @@
             </a:endParaRPr>
           </a:p>
           <a:p>
-            <a:pPr indent="0" lvl="0" marL="0" rtl="0" algn="l">
+            <a:pPr marL="0" lvl="0" indent="0" algn="l" rtl="0">
               <a:lnSpc>
                 <a:spcPct val="115000"/>
               </a:lnSpc>
@@ -8161,7 +7752,7 @@
             </a:endParaRPr>
           </a:p>
           <a:p>
-            <a:pPr indent="0" lvl="0" marL="0" rtl="0" algn="l">
+            <a:pPr marL="0" lvl="0" indent="0" algn="l" rtl="0">
               <a:lnSpc>
                 <a:spcPct val="115000"/>
               </a:lnSpc>
@@ -8174,7 +7765,7 @@
               <a:buNone/>
             </a:pPr>
             <a:r>
-              <a:rPr b="1" lang="en" sz="1100">
+              <a:rPr lang="en" sz="1100" b="1">
                 <a:latin typeface="Arial"/>
                 <a:ea typeface="Arial"/>
                 <a:cs typeface="Arial"/>
@@ -8199,7 +7790,7 @@
             </a:endParaRPr>
           </a:p>
           <a:p>
-            <a:pPr indent="0" lvl="0" marL="0" rtl="0" algn="l">
+            <a:pPr marL="0" lvl="0" indent="0" algn="l" rtl="0">
               <a:lnSpc>
                 <a:spcPct val="115000"/>
               </a:lnSpc>
@@ -8228,7 +7819,7 @@
             </a:endParaRPr>
           </a:p>
           <a:p>
-            <a:pPr indent="0" lvl="0" marL="0" rtl="0" algn="l">
+            <a:pPr marL="0" lvl="0" indent="0" algn="l" rtl="0">
               <a:lnSpc>
                 <a:spcPct val="115000"/>
               </a:lnSpc>
@@ -8257,7 +7848,7 @@
             </a:endParaRPr>
           </a:p>
           <a:p>
-            <a:pPr indent="-298450" lvl="0" marL="457200" rtl="0" algn="l">
+            <a:pPr marL="457200" lvl="0" indent="-298450" algn="l" rtl="0">
               <a:lnSpc>
                 <a:spcPct val="115000"/>
               </a:lnSpc>
@@ -8272,7 +7863,7 @@
               <a:buChar char="●"/>
             </a:pPr>
             <a:r>
-              <a:rPr b="1" lang="en" sz="1100">
+              <a:rPr lang="en" sz="1100" b="1">
                 <a:latin typeface="Arial"/>
                 <a:ea typeface="Arial"/>
                 <a:cs typeface="Arial"/>
@@ -8280,7 +7871,7 @@
               </a:rPr>
               <a:t>Network assessments</a:t>
             </a:r>
-            <a:endParaRPr b="1" sz="1100">
+            <a:endParaRPr sz="1100" b="1">
               <a:latin typeface="Arial"/>
               <a:ea typeface="Arial"/>
               <a:cs typeface="Arial"/>
@@ -8288,7 +7879,7 @@
             </a:endParaRPr>
           </a:p>
           <a:p>
-            <a:pPr indent="-298450" lvl="0" marL="457200" rtl="0" algn="l">
+            <a:pPr marL="457200" lvl="0" indent="-298450" algn="l" rtl="0">
               <a:lnSpc>
                 <a:spcPct val="115000"/>
               </a:lnSpc>
@@ -8303,7 +7894,7 @@
               <a:buChar char="●"/>
             </a:pPr>
             <a:r>
-              <a:rPr b="1" lang="en" sz="1100">
+              <a:rPr lang="en" sz="1100" b="1">
                 <a:latin typeface="Arial"/>
                 <a:ea typeface="Arial"/>
                 <a:cs typeface="Arial"/>
@@ -8311,7 +7902,7 @@
               </a:rPr>
               <a:t>Host assessments</a:t>
             </a:r>
-            <a:endParaRPr b="1" sz="1100">
+            <a:endParaRPr sz="1100" b="1">
               <a:latin typeface="Arial"/>
               <a:ea typeface="Arial"/>
               <a:cs typeface="Arial"/>
@@ -8328,12 +7919,12 @@
 </p:sld>
 </file>
 
-<file path=ppt/slides/slide6.xml><?xml version="1.0" encoding="utf-8"?>
-<p:sld xmlns:a="http://schemas.openxmlformats.org/drawingml/2006/main" xmlns:r="http://schemas.openxmlformats.org/officeDocument/2006/relationships" xmlns:mc="http://schemas.openxmlformats.org/markup-compatibility/2006" xmlns:mv="urn:schemas-microsoft-com:mac:vml" xmlns:p="http://schemas.openxmlformats.org/presentationml/2006/main" xmlns:c="http://schemas.openxmlformats.org/drawingml/2006/chart" xmlns:dgm="http://schemas.openxmlformats.org/drawingml/2006/diagram" xmlns:o="urn:schemas-microsoft-com:office:office" xmlns:v="urn:schemas-microsoft-com:vml" xmlns:pvml="urn:schemas-microsoft-com:office:powerpoint" xmlns:com="http://schemas.openxmlformats.org/drawingml/2006/compatibility" xmlns:p14="http://schemas.microsoft.com/office/powerpoint/2010/main" xmlns:p15="http://schemas.microsoft.com/office/powerpoint/2012/main" xmlns:ahyp="http://schemas.microsoft.com/office/drawing/2018/hyperlinkcolor">
+<file path=ppt/slides/slide5.xml><?xml version="1.0" encoding="utf-8"?>
+<p:sld xmlns:a="http://schemas.openxmlformats.org/drawingml/2006/main" xmlns:r="http://schemas.openxmlformats.org/officeDocument/2006/relationships" xmlns:p="http://schemas.openxmlformats.org/presentationml/2006/main">
   <p:cSld>
     <p:spTree>
       <p:nvGrpSpPr>
-        <p:cNvPr id="93" name="Shape 93"/>
+        <p:cNvPr id="1" name="Shape 93"/>
         <p:cNvGrpSpPr/>
         <p:nvPr/>
       </p:nvGrpSpPr>
@@ -8348,7 +7939,9 @@
       <p:sp>
         <p:nvSpPr>
           <p:cNvPr id="94" name="Google Shape;94;p19"/>
-          <p:cNvSpPr txBox="1"/>
+          <p:cNvSpPr txBox="1">
+            <a:spLocks noGrp="1"/>
+          </p:cNvSpPr>
           <p:nvPr>
             <p:ph type="title"/>
           </p:nvPr>
@@ -8367,12 +7960,12 @@
           </a:ln>
         </p:spPr>
         <p:txBody>
-          <a:bodyPr anchorCtr="0" anchor="ctr" bIns="34275" lIns="68575" spcFirstLastPara="1" rIns="68575" wrap="square" tIns="34275">
+          <a:bodyPr spcFirstLastPara="1" wrap="square" lIns="68575" tIns="34275" rIns="68575" bIns="34275" anchor="ctr" anchorCtr="0">
             <a:normAutofit/>
           </a:bodyPr>
           <a:lstStyle/>
           <a:p>
-            <a:pPr indent="0" lvl="0" marL="0" rtl="0" algn="l">
+            <a:pPr marL="0" lvl="0" indent="0" algn="l" rtl="0">
               <a:spcBef>
                 <a:spcPts val="0"/>
               </a:spcBef>
@@ -8397,9 +7990,11 @@
       <p:sp>
         <p:nvSpPr>
           <p:cNvPr id="95" name="Google Shape;95;p19"/>
-          <p:cNvSpPr txBox="1"/>
+          <p:cNvSpPr txBox="1">
+            <a:spLocks noGrp="1"/>
+          </p:cNvSpPr>
           <p:nvPr>
-            <p:ph idx="1" type="body"/>
+            <p:ph type="body" idx="1"/>
           </p:nvPr>
         </p:nvSpPr>
         <p:spPr>
@@ -8416,12 +8011,12 @@
           </a:ln>
         </p:spPr>
         <p:txBody>
-          <a:bodyPr anchorCtr="0" anchor="t" bIns="34275" lIns="68575" spcFirstLastPara="1" rIns="68575" wrap="square" tIns="34275">
+          <a:bodyPr spcFirstLastPara="1" wrap="square" lIns="68575" tIns="34275" rIns="68575" bIns="34275" anchor="t" anchorCtr="0">
             <a:noAutofit/>
           </a:bodyPr>
           <a:lstStyle/>
           <a:p>
-            <a:pPr indent="-298450" lvl="0" marL="457200" rtl="0" algn="l">
+            <a:pPr marL="457200" lvl="0" indent="-298450" algn="l" rtl="0">
               <a:lnSpc>
                 <a:spcPct val="115000"/>
               </a:lnSpc>
@@ -8436,7 +8031,7 @@
               <a:buChar char="●"/>
             </a:pPr>
             <a:r>
-              <a:rPr b="1" lang="en" sz="1100">
+              <a:rPr lang="en" sz="1100" b="1">
                 <a:latin typeface="Arial"/>
                 <a:ea typeface="Arial"/>
                 <a:cs typeface="Arial"/>
@@ -8444,7 +8039,7 @@
               </a:rPr>
               <a:t>Network assessments</a:t>
             </a:r>
-            <a:endParaRPr b="1" sz="1100">
+            <a:endParaRPr sz="1100" b="1">
               <a:latin typeface="Arial"/>
               <a:ea typeface="Arial"/>
               <a:cs typeface="Arial"/>
@@ -8452,7 +8047,7 @@
             </a:endParaRPr>
           </a:p>
           <a:p>
-            <a:pPr indent="-298450" lvl="1" marL="914400" rtl="0" algn="l">
+            <a:pPr marL="914400" lvl="1" indent="-298450" algn="l" rtl="0">
               <a:lnSpc>
                 <a:spcPct val="115000"/>
               </a:lnSpc>
@@ -8467,7 +8062,7 @@
               <a:buChar char="○"/>
             </a:pPr>
             <a:r>
-              <a:rPr b="1" lang="en" sz="1100">
+              <a:rPr lang="en" sz="1100" b="1">
                 <a:latin typeface="Arial"/>
                 <a:ea typeface="Arial"/>
                 <a:cs typeface="Arial"/>
@@ -8492,7 +8087,7 @@
             </a:endParaRPr>
           </a:p>
           <a:p>
-            <a:pPr indent="0" lvl="0" marL="0" rtl="0" algn="l">
+            <a:pPr marL="0" lvl="0" indent="0" algn="l" rtl="0">
               <a:lnSpc>
                 <a:spcPct val="115000"/>
               </a:lnSpc>
@@ -8504,9 +8099,6 @@
               </a:spcAft>
               <a:buNone/>
             </a:pPr>
-            <a:r>
-              <a:t/>
-            </a:r>
             <a:endParaRPr sz="1100">
               <a:latin typeface="Arial"/>
               <a:ea typeface="Arial"/>
@@ -8515,7 +8107,7 @@
             </a:endParaRPr>
           </a:p>
           <a:p>
-            <a:pPr indent="-298450" lvl="0" marL="457200" rtl="0" algn="l">
+            <a:pPr marL="457200" lvl="0" indent="-298450" algn="l" rtl="0">
               <a:lnSpc>
                 <a:spcPct val="115000"/>
               </a:lnSpc>
@@ -8530,7 +8122,7 @@
               <a:buChar char="●"/>
             </a:pPr>
             <a:r>
-              <a:rPr b="1" lang="en" sz="1100">
+              <a:rPr lang="en" sz="1100" b="1">
                 <a:latin typeface="Arial"/>
                 <a:ea typeface="Arial"/>
                 <a:cs typeface="Arial"/>
@@ -8538,7 +8130,7 @@
               </a:rPr>
               <a:t>Host assessments</a:t>
             </a:r>
-            <a:endParaRPr b="1" sz="1100">
+            <a:endParaRPr sz="1100" b="1">
               <a:latin typeface="Arial"/>
               <a:ea typeface="Arial"/>
               <a:cs typeface="Arial"/>
@@ -8546,7 +8138,7 @@
             </a:endParaRPr>
           </a:p>
           <a:p>
-            <a:pPr indent="-298450" lvl="1" marL="914400" rtl="0" algn="l">
+            <a:pPr marL="914400" lvl="1" indent="-298450" algn="l" rtl="0">
               <a:lnSpc>
                 <a:spcPct val="115000"/>
               </a:lnSpc>
@@ -8561,7 +8153,7 @@
               <a:buChar char="○"/>
             </a:pPr>
             <a:r>
-              <a:rPr b="1" lang="en" sz="1100">
+              <a:rPr lang="en" sz="1100" b="1">
                 <a:latin typeface="Arial"/>
                 <a:ea typeface="Arial"/>
                 <a:cs typeface="Arial"/>
@@ -8586,7 +8178,7 @@
             </a:endParaRPr>
           </a:p>
           <a:p>
-            <a:pPr indent="-298450" lvl="1" marL="914400" rtl="0" algn="l">
+            <a:pPr marL="914400" lvl="1" indent="-298450" algn="l" rtl="0">
               <a:lnSpc>
                 <a:spcPct val="115000"/>
               </a:lnSpc>
@@ -8601,7 +8193,7 @@
               <a:buChar char="○"/>
             </a:pPr>
             <a:r>
-              <a:rPr b="1" lang="en" sz="1100">
+              <a:rPr lang="en" sz="1100" b="1">
                 <a:latin typeface="Arial"/>
                 <a:ea typeface="Arial"/>
                 <a:cs typeface="Arial"/>
@@ -8626,7 +8218,7 @@
             </a:endParaRPr>
           </a:p>
           <a:p>
-            <a:pPr indent="-298450" lvl="1" marL="914400" rtl="0" algn="l">
+            <a:pPr marL="914400" lvl="1" indent="-298450" algn="l" rtl="0">
               <a:lnSpc>
                 <a:spcPct val="115000"/>
               </a:lnSpc>
@@ -8641,7 +8233,7 @@
               <a:buChar char="○"/>
             </a:pPr>
             <a:r>
-              <a:rPr b="1" lang="en" sz="1100">
+              <a:rPr lang="en" sz="1100" b="1">
                 <a:latin typeface="Arial"/>
                 <a:ea typeface="Arial"/>
                 <a:cs typeface="Arial"/>
@@ -8666,7 +8258,7 @@
             </a:endParaRPr>
           </a:p>
           <a:p>
-            <a:pPr indent="0" lvl="0" marL="0" rtl="0" algn="l">
+            <a:pPr marL="0" lvl="0" indent="0" algn="l" rtl="0">
               <a:lnSpc>
                 <a:spcPct val="115000"/>
               </a:lnSpc>
@@ -8678,9 +8270,6 @@
               </a:spcAft>
               <a:buNone/>
             </a:pPr>
-            <a:r>
-              <a:t/>
-            </a:r>
             <a:endParaRPr sz="1100">
               <a:latin typeface="Arial"/>
               <a:ea typeface="Arial"/>
@@ -8698,12 +8287,12 @@
 </p:sld>
 </file>
 
-<file path=ppt/slides/slide7.xml><?xml version="1.0" encoding="utf-8"?>
-<p:sld xmlns:a="http://schemas.openxmlformats.org/drawingml/2006/main" xmlns:r="http://schemas.openxmlformats.org/officeDocument/2006/relationships" xmlns:mc="http://schemas.openxmlformats.org/markup-compatibility/2006" xmlns:mv="urn:schemas-microsoft-com:mac:vml" xmlns:p="http://schemas.openxmlformats.org/presentationml/2006/main" xmlns:c="http://schemas.openxmlformats.org/drawingml/2006/chart" xmlns:dgm="http://schemas.openxmlformats.org/drawingml/2006/diagram" xmlns:o="urn:schemas-microsoft-com:office:office" xmlns:v="urn:schemas-microsoft-com:vml" xmlns:pvml="urn:schemas-microsoft-com:office:powerpoint" xmlns:com="http://schemas.openxmlformats.org/drawingml/2006/compatibility" xmlns:p14="http://schemas.microsoft.com/office/powerpoint/2010/main" xmlns:p15="http://schemas.microsoft.com/office/powerpoint/2012/main" xmlns:ahyp="http://schemas.microsoft.com/office/drawing/2018/hyperlinkcolor">
+<file path=ppt/slides/slide6.xml><?xml version="1.0" encoding="utf-8"?>
+<p:sld xmlns:a="http://schemas.openxmlformats.org/drawingml/2006/main" xmlns:r="http://schemas.openxmlformats.org/officeDocument/2006/relationships" xmlns:p="http://schemas.openxmlformats.org/presentationml/2006/main">
   <p:cSld>
     <p:spTree>
       <p:nvGrpSpPr>
-        <p:cNvPr id="99" name="Shape 99"/>
+        <p:cNvPr id="1" name="Shape 99"/>
         <p:cNvGrpSpPr/>
         <p:nvPr/>
       </p:nvGrpSpPr>
@@ -8718,7 +8307,9 @@
       <p:sp>
         <p:nvSpPr>
           <p:cNvPr id="100" name="Google Shape;100;p20"/>
-          <p:cNvSpPr txBox="1"/>
+          <p:cNvSpPr txBox="1">
+            <a:spLocks noGrp="1"/>
+          </p:cNvSpPr>
           <p:nvPr>
             <p:ph type="title"/>
           </p:nvPr>
@@ -8737,12 +8328,12 @@
           </a:ln>
         </p:spPr>
         <p:txBody>
-          <a:bodyPr anchorCtr="0" anchor="ctr" bIns="34275" lIns="68575" spcFirstLastPara="1" rIns="68575" wrap="square" tIns="34275">
+          <a:bodyPr spcFirstLastPara="1" wrap="square" lIns="68575" tIns="34275" rIns="68575" bIns="34275" anchor="ctr" anchorCtr="0">
             <a:normAutofit/>
           </a:bodyPr>
           <a:lstStyle/>
           <a:p>
-            <a:pPr indent="0" lvl="0" marL="0" rtl="0" algn="l">
+            <a:pPr marL="0" lvl="0" indent="0" algn="l" rtl="0">
               <a:lnSpc>
                 <a:spcPct val="90000"/>
               </a:lnSpc>
@@ -8775,9 +8366,11 @@
       <p:sp>
         <p:nvSpPr>
           <p:cNvPr id="101" name="Google Shape;101;p20"/>
-          <p:cNvSpPr txBox="1"/>
+          <p:cNvSpPr txBox="1">
+            <a:spLocks noGrp="1"/>
+          </p:cNvSpPr>
           <p:nvPr>
-            <p:ph idx="1" type="body"/>
+            <p:ph type="body" idx="1"/>
           </p:nvPr>
         </p:nvSpPr>
         <p:spPr>
@@ -8794,12 +8387,12 @@
           </a:ln>
         </p:spPr>
         <p:txBody>
-          <a:bodyPr anchorCtr="0" anchor="t" bIns="34275" lIns="68575" spcFirstLastPara="1" rIns="68575" wrap="square" tIns="34275">
+          <a:bodyPr spcFirstLastPara="1" wrap="square" lIns="68575" tIns="34275" rIns="68575" bIns="34275" anchor="t" anchorCtr="0">
             <a:noAutofit/>
           </a:bodyPr>
           <a:lstStyle/>
           <a:p>
-            <a:pPr indent="-298450" lvl="0" marL="457200" rtl="0" algn="l">
+            <a:pPr marL="457200" lvl="0" indent="-298450" algn="l" rtl="0">
               <a:lnSpc>
                 <a:spcPct val="115000"/>
               </a:lnSpc>
@@ -8814,7 +8407,7 @@
               <a:buChar char="●"/>
             </a:pPr>
             <a:r>
-              <a:rPr b="1" lang="en" sz="1100">
+              <a:rPr lang="en" sz="1100" b="1">
                 <a:latin typeface="Arial"/>
                 <a:ea typeface="Arial"/>
                 <a:cs typeface="Arial"/>
@@ -8839,7 +8432,7 @@
             </a:endParaRPr>
           </a:p>
           <a:p>
-            <a:pPr indent="-298450" lvl="0" marL="457200" rtl="0" algn="l">
+            <a:pPr marL="457200" lvl="0" indent="-298450" algn="l" rtl="0">
               <a:lnSpc>
                 <a:spcPct val="115000"/>
               </a:lnSpc>
@@ -8854,7 +8447,7 @@
               <a:buChar char="●"/>
             </a:pPr>
             <a:r>
-              <a:rPr b="1" lang="en" sz="1100">
+              <a:rPr lang="en" sz="1100" b="1">
                 <a:latin typeface="Arial"/>
                 <a:ea typeface="Arial"/>
                 <a:cs typeface="Arial"/>
@@ -8879,7 +8472,7 @@
             </a:endParaRPr>
           </a:p>
           <a:p>
-            <a:pPr indent="-298450" lvl="0" marL="457200" rtl="0" algn="l">
+            <a:pPr marL="457200" lvl="0" indent="-298450" algn="l" rtl="0">
               <a:lnSpc>
                 <a:spcPct val="115000"/>
               </a:lnSpc>
@@ -8894,7 +8487,7 @@
               <a:buChar char="●"/>
             </a:pPr>
             <a:r>
-              <a:rPr b="1" lang="en" sz="1100">
+              <a:rPr lang="en" sz="1100" b="1">
                 <a:latin typeface="Arial"/>
                 <a:ea typeface="Arial"/>
                 <a:cs typeface="Arial"/>
@@ -8929,7 +8522,7 @@
 </file>
 
 <file path=ppt/theme/theme1.xml><?xml version="1.0" encoding="utf-8"?>
-<a:theme xmlns:a="http://schemas.openxmlformats.org/drawingml/2006/main" xmlns:r="http://schemas.openxmlformats.org/officeDocument/2006/relationships" name="Simple Light">
+<a:theme xmlns:a="http://schemas.openxmlformats.org/drawingml/2006/main" name="Simple Light">
   <a:themeElements>
     <a:clrScheme name="Simple Light">
       <a:dk1>
@@ -9204,11 +8797,13 @@
       </a:bgFillStyleLst>
     </a:fmtScheme>
   </a:themeElements>
+  <a:objectDefaults/>
+  <a:extraClrSchemeLst/>
 </a:theme>
 </file>
 
 <file path=ppt/theme/theme2.xml><?xml version="1.0" encoding="utf-8"?>
-<a:theme xmlns:a="http://schemas.openxmlformats.org/drawingml/2006/main" xmlns:r="http://schemas.openxmlformats.org/officeDocument/2006/relationships">
+<a:theme xmlns:a="http://schemas.openxmlformats.org/drawingml/2006/main">
   <a:themeElements>
     <a:clrScheme name="Default">
       <a:dk1>
@@ -9483,5 +9078,7 @@
       </a:bgFillStyleLst>
     </a:fmtScheme>
   </a:themeElements>
+  <a:objectDefaults/>
+  <a:extraClrSchemeLst/>
 </a:theme>
 </file>